--- a/decode2018_cosmosdb.pptx
+++ b/decode2018_cosmosdb.pptx
@@ -5,39 +5,38 @@
     <p:sldMasterId id="2147484382" r:id="rId4"/>
   </p:sldMasterIdLst>
   <p:notesMasterIdLst>
-    <p:notesMasterId r:id="rId32"/>
+    <p:notesMasterId r:id="rId31"/>
   </p:notesMasterIdLst>
   <p:handoutMasterIdLst>
-    <p:handoutMasterId r:id="rId33"/>
+    <p:handoutMasterId r:id="rId32"/>
   </p:handoutMasterIdLst>
   <p:sldIdLst>
     <p:sldId id="1450" r:id="rId5"/>
     <p:sldId id="1463" r:id="rId6"/>
     <p:sldId id="1484" r:id="rId7"/>
     <p:sldId id="1481" r:id="rId8"/>
-    <p:sldId id="1483" r:id="rId9"/>
-    <p:sldId id="1482" r:id="rId10"/>
-    <p:sldId id="1485" r:id="rId11"/>
-    <p:sldId id="1486" r:id="rId12"/>
-    <p:sldId id="1487" r:id="rId13"/>
-    <p:sldId id="1488" r:id="rId14"/>
-    <p:sldId id="1489" r:id="rId15"/>
-    <p:sldId id="1492" r:id="rId16"/>
-    <p:sldId id="1490" r:id="rId17"/>
-    <p:sldId id="1491" r:id="rId18"/>
-    <p:sldId id="1493" r:id="rId19"/>
-    <p:sldId id="1494" r:id="rId20"/>
-    <p:sldId id="1495" r:id="rId21"/>
-    <p:sldId id="1496" r:id="rId22"/>
-    <p:sldId id="1497" r:id="rId23"/>
-    <p:sldId id="1475" r:id="rId24"/>
-    <p:sldId id="1465" r:id="rId25"/>
-    <p:sldId id="1476" r:id="rId26"/>
-    <p:sldId id="1365" r:id="rId27"/>
-    <p:sldId id="1453" r:id="rId28"/>
-    <p:sldId id="1377" r:id="rId29"/>
-    <p:sldId id="1480" r:id="rId30"/>
-    <p:sldId id="1326" r:id="rId31"/>
+    <p:sldId id="1498" r:id="rId9"/>
+    <p:sldId id="1499" r:id="rId10"/>
+    <p:sldId id="1483" r:id="rId11"/>
+    <p:sldId id="1482" r:id="rId12"/>
+    <p:sldId id="1485" r:id="rId13"/>
+    <p:sldId id="1486" r:id="rId14"/>
+    <p:sldId id="1487" r:id="rId15"/>
+    <p:sldId id="1488" r:id="rId16"/>
+    <p:sldId id="1489" r:id="rId17"/>
+    <p:sldId id="1492" r:id="rId18"/>
+    <p:sldId id="1490" r:id="rId19"/>
+    <p:sldId id="1491" r:id="rId20"/>
+    <p:sldId id="1493" r:id="rId21"/>
+    <p:sldId id="1494" r:id="rId22"/>
+    <p:sldId id="1495" r:id="rId23"/>
+    <p:sldId id="1496" r:id="rId24"/>
+    <p:sldId id="1497" r:id="rId25"/>
+    <p:sldId id="1500" r:id="rId26"/>
+    <p:sldId id="1501" r:id="rId27"/>
+    <p:sldId id="1502" r:id="rId28"/>
+    <p:sldId id="1503" r:id="rId29"/>
+    <p:sldId id="1326" r:id="rId30"/>
   </p:sldIdLst>
   <p:sldSz cx="12436475" cy="6994525"/>
   <p:notesSz cx="6858000" cy="9144000"/>
@@ -199,29 +198,6 @@
       <pc:docMkLst>
         <pc:docMk/>
       </pc:docMkLst>
-      <pc:sldChg chg="addSp delSp modSp">
-        <pc:chgData name="Suzuki Hideyuki" userId="930198860c8abc25" providerId="LiveId" clId="{222D96F2-997C-44C6-88B3-09C3A3FC016E}" dt="2018-04-24T03:17:02.217" v="17" actId="22711"/>
-        <pc:sldMkLst>
-          <pc:docMk/>
-          <pc:sldMk cId="1128874736" sldId="1475"/>
-        </pc:sldMkLst>
-        <pc:picChg chg="add mod">
-          <ac:chgData name="Suzuki Hideyuki" userId="930198860c8abc25" providerId="LiveId" clId="{222D96F2-997C-44C6-88B3-09C3A3FC016E}" dt="2018-04-24T03:17:02.217" v="17" actId="22711"/>
-          <ac:picMkLst>
-            <pc:docMk/>
-            <pc:sldMk cId="1128874736" sldId="1475"/>
-            <ac:picMk id="6" creationId="{C00FBED1-4DD7-4184-86FD-55C410658BFD}"/>
-          </ac:picMkLst>
-        </pc:picChg>
-        <pc:picChg chg="del mod">
-          <ac:chgData name="Suzuki Hideyuki" userId="930198860c8abc25" providerId="LiveId" clId="{222D96F2-997C-44C6-88B3-09C3A3FC016E}" dt="2018-04-24T03:03:54.332" v="13" actId="478"/>
-          <ac:picMkLst>
-            <pc:docMk/>
-            <pc:sldMk cId="1128874736" sldId="1475"/>
-            <ac:picMk id="10" creationId="{86F9FAED-61D7-4CAD-8A32-265D91DE28BC}"/>
-          </ac:picMkLst>
-        </pc:picChg>
-      </pc:sldChg>
     </pc:docChg>
   </pc:docChgLst>
 </pc:chgInfo>
@@ -280,7 +256,7 @@
               <a:rPr lang="en-US" smtClean="0">
                 <a:latin typeface="Segoe UI" pitchFamily="34" charset="0"/>
               </a:rPr>
-              <a:t>5/22/18 12:26 AM</a:t>
+              <a:t>5/24/18 11:52 AM</a:t>
             </a:fld>
             <a:endParaRPr lang="en-US" dirty="0">
               <a:latin typeface="Segoe UI" pitchFamily="34" charset="0"/>
@@ -525,7 +501,7 @@
           <a:p>
             <a:fld id="{38EEC551-8CDA-4EB6-89BB-2A86C9F091C8}" type="datetime8">
               <a:rPr lang="en-US" smtClean="0"/>
-              <a:t>5/22/18 12:26 AM</a:t>
+              <a:t>5/24/18 11:52 AM</a:t>
             </a:fld>
             <a:endParaRPr lang="en-US" dirty="0"/>
           </a:p>
@@ -900,7 +876,7 @@
           <a:p>
             <a:fld id="{7D10C09F-FCA1-48C8-B40D-42E1045D109E}" type="datetime8">
               <a:rPr lang="en-US" smtClean="0"/>
-              <a:t>5/22/18 12:33 AM</a:t>
+              <a:t>5/24/18 11:52 AM</a:t>
             </a:fld>
             <a:endParaRPr lang="en-US" dirty="0"/>
           </a:p>
@@ -1073,7 +1049,7 @@
           <a:p>
             <a:fld id="{7D10C09F-FCA1-48C8-B40D-42E1045D109E}" type="datetime8">
               <a:rPr lang="en-US" smtClean="0"/>
-              <a:t>5/22/18 12:33 AM</a:t>
+              <a:t>5/24/18 11:52 AM</a:t>
             </a:fld>
             <a:endParaRPr lang="en-US" dirty="0"/>
           </a:p>
@@ -1097,7 +1073,7 @@
             <a:fld id="{B4008EB6-D09E-4580-8CD6-DDB14511944F}" type="slidenum">
               <a:rPr lang="en-US" smtClean="0"/>
               <a:pPr/>
-              <a:t>5</a:t>
+              <a:t>7</a:t>
             </a:fld>
             <a:endParaRPr lang="en-US" dirty="0"/>
           </a:p>
@@ -1246,7 +1222,7 @@
           <a:p>
             <a:fld id="{7D10C09F-FCA1-48C8-B40D-42E1045D109E}" type="datetime8">
               <a:rPr lang="en-US" smtClean="0"/>
-              <a:t>5/22/18 12:40 AM</a:t>
+              <a:t>5/24/18 11:52 AM</a:t>
             </a:fld>
             <a:endParaRPr lang="en-US" dirty="0"/>
           </a:p>
@@ -1270,7 +1246,7 @@
             <a:fld id="{B4008EB6-D09E-4580-8CD6-DDB14511944F}" type="slidenum">
               <a:rPr lang="en-US" smtClean="0"/>
               <a:pPr/>
-              <a:t>9</a:t>
+              <a:t>11</a:t>
             </a:fld>
             <a:endParaRPr lang="en-US" dirty="0"/>
           </a:p>
@@ -1419,7 +1395,7 @@
           <a:p>
             <a:fld id="{7D10C09F-FCA1-48C8-B40D-42E1045D109E}" type="datetime8">
               <a:rPr lang="en-US" smtClean="0"/>
-              <a:t>5/22/18 10:09 AM</a:t>
+              <a:t>5/24/18 11:52 AM</a:t>
             </a:fld>
             <a:endParaRPr lang="en-US" dirty="0"/>
           </a:p>
@@ -1443,7 +1419,7 @@
             <a:fld id="{B4008EB6-D09E-4580-8CD6-DDB14511944F}" type="slidenum">
               <a:rPr lang="en-US" smtClean="0"/>
               <a:pPr/>
-              <a:t>15</a:t>
+              <a:t>17</a:t>
             </a:fld>
             <a:endParaRPr lang="en-US" dirty="0"/>
           </a:p>
@@ -1592,7 +1568,7 @@
           <a:p>
             <a:fld id="{7D10C09F-FCA1-48C8-B40D-42E1045D109E}" type="datetime8">
               <a:rPr lang="en-US" smtClean="0"/>
-              <a:t>5/22/18 12:26 AM</a:t>
+              <a:t>5/24/18 11:54 AM</a:t>
             </a:fld>
             <a:endParaRPr lang="en-US" dirty="0"/>
           </a:p>
@@ -1616,7 +1592,7 @@
             <a:fld id="{B4008EB6-D09E-4580-8CD6-DDB14511944F}" type="slidenum">
               <a:rPr lang="en-US" smtClean="0"/>
               <a:pPr/>
-              <a:t>23</a:t>
+              <a:t>22</a:t>
             </a:fld>
             <a:endParaRPr lang="en-US" dirty="0"/>
           </a:p>
@@ -1625,7 +1601,7 @@
     </p:spTree>
     <p:extLst>
       <p:ext uri="{BB962C8B-B14F-4D97-AF65-F5344CB8AC3E}">
-        <p14:creationId xmlns:p14="http://schemas.microsoft.com/office/powerpoint/2010/main" val="1431190727"/>
+        <p14:creationId xmlns:p14="http://schemas.microsoft.com/office/powerpoint/2010/main" val="1752512528"/>
       </p:ext>
     </p:extLst>
   </p:cSld>
@@ -1742,7 +1718,7 @@
                   <a:prstClr val="black"/>
                 </a:solidFill>
               </a:rPr>
-              <a:t>5/22/18 12:26 AM</a:t>
+              <a:t>5/24/18 11:52 AM</a:t>
             </a:fld>
             <a:endParaRPr lang="en-US" dirty="0">
               <a:solidFill>
@@ -1774,7 +1750,7 @@
                 </a:solidFill>
               </a:rPr>
               <a:pPr/>
-              <a:t>27</a:t>
+              <a:t>26</a:t>
             </a:fld>
             <a:endParaRPr lang="en-US" dirty="0">
               <a:solidFill>
@@ -7983,8 +7959,12 @@
           <a:lstStyle/>
           <a:p>
             <a:r>
+              <a:rPr lang="en-US" altLang="ja-JP"/>
+              <a:t>Principal Software </a:t>
+            </a:r>
+            <a:r>
               <a:rPr lang="en-US" altLang="ja-JP" dirty="0"/>
-              <a:t>Principle Software Engineer, Microsoft</a:t>
+              <a:t>Engineer, Microsoft</a:t>
             </a:r>
             <a:endParaRPr kumimoji="1" lang="ja-JP" altLang="en-US"/>
           </a:p>
@@ -8045,6 +8025,155 @@
 </file>
 
 <file path=ppt/slides/slide10.xml><?xml version="1.0" encoding="utf-8"?>
+<p:sld xmlns:a="http://schemas.openxmlformats.org/drawingml/2006/main" xmlns:r="http://schemas.openxmlformats.org/officeDocument/2006/relationships" xmlns:p="http://schemas.openxmlformats.org/presentationml/2006/main">
+  <p:cSld>
+    <p:spTree>
+      <p:nvGrpSpPr>
+        <p:cNvPr id="1" name=""/>
+        <p:cNvGrpSpPr/>
+        <p:nvPr/>
+      </p:nvGrpSpPr>
+      <p:grpSpPr>
+        <a:xfrm>
+          <a:off x="0" y="0"/>
+          <a:ext cx="0" cy="0"/>
+          <a:chOff x="0" y="0"/>
+          <a:chExt cx="0" cy="0"/>
+        </a:xfrm>
+      </p:grpSpPr>
+      <p:sp>
+        <p:nvSpPr>
+          <p:cNvPr id="24" name="タイトル 23">
+            <a:extLst>
+              <a:ext uri="{FF2B5EF4-FFF2-40B4-BE49-F238E27FC236}">
+                <a16:creationId xmlns:a16="http://schemas.microsoft.com/office/drawing/2014/main" id="{56C00BB0-7B9C-450B-BE5E-DA73DD740A81}"/>
+              </a:ext>
+            </a:extLst>
+          </p:cNvPr>
+          <p:cNvSpPr>
+            <a:spLocks noGrp="1"/>
+          </p:cNvSpPr>
+          <p:nvPr>
+            <p:ph type="title"/>
+          </p:nvPr>
+        </p:nvSpPr>
+        <p:spPr/>
+        <p:txBody>
+          <a:bodyPr/>
+          <a:lstStyle/>
+          <a:p>
+            <a:r>
+              <a:rPr kumimoji="1" lang="en-US" altLang="ja-JP" dirty="0"/>
+              <a:t>Demo</a:t>
+            </a:r>
+            <a:endParaRPr kumimoji="1" lang="ja-JP" altLang="en-US" dirty="0"/>
+          </a:p>
+        </p:txBody>
+      </p:sp>
+      <p:sp>
+        <p:nvSpPr>
+          <p:cNvPr id="25" name="テキスト プレースホルダー 24">
+            <a:extLst>
+              <a:ext uri="{FF2B5EF4-FFF2-40B4-BE49-F238E27FC236}">
+                <a16:creationId xmlns:a16="http://schemas.microsoft.com/office/drawing/2014/main" id="{46CB38ED-1A98-41EF-A44A-C6CDAB13FBEF}"/>
+              </a:ext>
+            </a:extLst>
+          </p:cNvPr>
+          <p:cNvSpPr>
+            <a:spLocks noGrp="1"/>
+          </p:cNvSpPr>
+          <p:nvPr>
+            <p:ph type="body" sz="quarter" idx="11"/>
+          </p:nvPr>
+        </p:nvSpPr>
+        <p:spPr/>
+        <p:txBody>
+          <a:bodyPr/>
+          <a:lstStyle/>
+          <a:p>
+            <a:endParaRPr kumimoji="1" lang="ja-JP" altLang="en-US"/>
+          </a:p>
+        </p:txBody>
+      </p:sp>
+    </p:spTree>
+    <p:extLst>
+      <p:ext uri="{BB962C8B-B14F-4D97-AF65-F5344CB8AC3E}">
+        <p14:creationId xmlns:p14="http://schemas.microsoft.com/office/powerpoint/2010/main" val="3227987672"/>
+      </p:ext>
+    </p:extLst>
+  </p:cSld>
+  <p:clrMapOvr>
+    <a:masterClrMapping/>
+  </p:clrMapOvr>
+  <p:transition>
+    <p:fade/>
+  </p:transition>
+</p:sld>
+</file>
+
+<file path=ppt/slides/slide11.xml><?xml version="1.0" encoding="utf-8"?>
+<p:sld xmlns:a="http://schemas.openxmlformats.org/drawingml/2006/main" xmlns:r="http://schemas.openxmlformats.org/officeDocument/2006/relationships" xmlns:p="http://schemas.openxmlformats.org/presentationml/2006/main">
+  <p:cSld>
+    <p:spTree>
+      <p:nvGrpSpPr>
+        <p:cNvPr id="1" name=""/>
+        <p:cNvGrpSpPr/>
+        <p:nvPr/>
+      </p:nvGrpSpPr>
+      <p:grpSpPr>
+        <a:xfrm>
+          <a:off x="0" y="0"/>
+          <a:ext cx="0" cy="0"/>
+          <a:chOff x="0" y="0"/>
+          <a:chExt cx="0" cy="0"/>
+        </a:xfrm>
+      </p:grpSpPr>
+      <p:sp>
+        <p:nvSpPr>
+          <p:cNvPr id="3" name="タイトル 2">
+            <a:extLst>
+              <a:ext uri="{FF2B5EF4-FFF2-40B4-BE49-F238E27FC236}">
+                <a16:creationId xmlns:a16="http://schemas.microsoft.com/office/drawing/2014/main" id="{9320925D-4773-4DB4-A02C-A255D05A5139}"/>
+              </a:ext>
+            </a:extLst>
+          </p:cNvPr>
+          <p:cNvSpPr>
+            <a:spLocks noGrp="1"/>
+          </p:cNvSpPr>
+          <p:nvPr>
+            <p:ph type="title"/>
+          </p:nvPr>
+        </p:nvSpPr>
+        <p:spPr/>
+        <p:txBody>
+          <a:bodyPr/>
+          <a:lstStyle/>
+          <a:p>
+            <a:r>
+              <a:rPr kumimoji="1" lang="en-US" altLang="ja-JP" dirty="0"/>
+              <a:t>Indexes</a:t>
+            </a:r>
+            <a:endParaRPr kumimoji="1" lang="ja-JP" altLang="en-US" dirty="0"/>
+          </a:p>
+        </p:txBody>
+      </p:sp>
+    </p:spTree>
+    <p:extLst>
+      <p:ext uri="{BB962C8B-B14F-4D97-AF65-F5344CB8AC3E}">
+        <p14:creationId xmlns:p14="http://schemas.microsoft.com/office/powerpoint/2010/main" val="816861111"/>
+      </p:ext>
+    </p:extLst>
+  </p:cSld>
+  <p:clrMapOvr>
+    <a:masterClrMapping/>
+  </p:clrMapOvr>
+  <p:transition>
+    <p:fade/>
+  </p:transition>
+</p:sld>
+</file>
+
+<file path=ppt/slides/slide12.xml><?xml version="1.0" encoding="utf-8"?>
 <p:sld xmlns:a="http://schemas.openxmlformats.org/drawingml/2006/main" xmlns:r="http://schemas.openxmlformats.org/officeDocument/2006/relationships" xmlns:p="http://schemas.openxmlformats.org/presentationml/2006/main">
   <p:cSld>
     <p:spTree>
@@ -9055,7 +9184,7 @@
 </p:sld>
 </file>
 
-<file path=ppt/slides/slide11.xml><?xml version="1.0" encoding="utf-8"?>
+<file path=ppt/slides/slide13.xml><?xml version="1.0" encoding="utf-8"?>
 <p:sld xmlns:a="http://schemas.openxmlformats.org/drawingml/2006/main" xmlns:r="http://schemas.openxmlformats.org/officeDocument/2006/relationships" xmlns:p="http://schemas.openxmlformats.org/presentationml/2006/main">
   <p:cSld>
     <p:spTree>
@@ -9495,7 +9624,7 @@
 </p:sld>
 </file>
 
-<file path=ppt/slides/slide12.xml><?xml version="1.0" encoding="utf-8"?>
+<file path=ppt/slides/slide14.xml><?xml version="1.0" encoding="utf-8"?>
 <p:sld xmlns:a="http://schemas.openxmlformats.org/drawingml/2006/main" xmlns:r="http://schemas.openxmlformats.org/officeDocument/2006/relationships" xmlns:p="http://schemas.openxmlformats.org/presentationml/2006/main">
   <p:cSld>
     <p:spTree>
@@ -10047,7 +10176,7 @@
 </p:sld>
 </file>
 
-<file path=ppt/slides/slide13.xml><?xml version="1.0" encoding="utf-8"?>
+<file path=ppt/slides/slide15.xml><?xml version="1.0" encoding="utf-8"?>
 <p:sld xmlns:a="http://schemas.openxmlformats.org/drawingml/2006/main" xmlns:r="http://schemas.openxmlformats.org/officeDocument/2006/relationships" xmlns:p="http://schemas.openxmlformats.org/presentationml/2006/main">
   <p:cSld>
     <p:spTree>
@@ -10112,7 +10241,7 @@
         <p:spPr>
           <a:xfrm>
             <a:off x="274638" y="1212850"/>
-            <a:ext cx="11887200" cy="3247043"/>
+            <a:ext cx="11887200" cy="4878259"/>
           </a:xfrm>
         </p:spPr>
         <p:txBody>
@@ -10150,6 +10279,23 @@
                 </a:solidFill>
               </a:rPr>
               <a:t>Use "lazy" mode instead of "consistent"</a:t>
+            </a:r>
+          </a:p>
+          <a:p>
+            <a:endParaRPr lang="en-US" altLang="ja-JP" sz="4800" dirty="0">
+              <a:solidFill>
+                <a:schemeClr val="tx1"/>
+              </a:solidFill>
+            </a:endParaRPr>
+          </a:p>
+          <a:p>
+            <a:r>
+              <a:rPr lang="en-US" altLang="ja-JP" sz="4800" dirty="0">
+                <a:solidFill>
+                  <a:schemeClr val="tx1"/>
+                </a:solidFill>
+              </a:rPr>
+              <a:t>Might not be worth it... Small saving</a:t>
             </a:r>
           </a:p>
         </p:txBody>
@@ -10297,6 +10443,67 @@
                       </p:childTnLst>
                     </p:cTn>
                   </p:par>
+                  <p:par>
+                    <p:cTn id="13" fill="hold">
+                      <p:stCondLst>
+                        <p:cond delay="indefinite"/>
+                      </p:stCondLst>
+                      <p:childTnLst>
+                        <p:par>
+                          <p:cTn id="14" fill="hold">
+                            <p:stCondLst>
+                              <p:cond delay="0"/>
+                            </p:stCondLst>
+                            <p:childTnLst>
+                              <p:par>
+                                <p:cTn id="15" presetID="10" presetClass="entr" presetSubtype="0" fill="hold" nodeType="clickEffect">
+                                  <p:stCondLst>
+                                    <p:cond delay="0"/>
+                                  </p:stCondLst>
+                                  <p:childTnLst>
+                                    <p:set>
+                                      <p:cBhvr>
+                                        <p:cTn id="16" dur="1" fill="hold">
+                                          <p:stCondLst>
+                                            <p:cond delay="0"/>
+                                          </p:stCondLst>
+                                        </p:cTn>
+                                        <p:tgtEl>
+                                          <p:spTgt spid="3">
+                                            <p:txEl>
+                                              <p:pRg st="5" end="5"/>
+                                            </p:txEl>
+                                          </p:spTgt>
+                                        </p:tgtEl>
+                                        <p:attrNameLst>
+                                          <p:attrName>style.visibility</p:attrName>
+                                        </p:attrNameLst>
+                                      </p:cBhvr>
+                                      <p:to>
+                                        <p:strVal val="visible"/>
+                                      </p:to>
+                                    </p:set>
+                                    <p:animEffect transition="in" filter="fade">
+                                      <p:cBhvr>
+                                        <p:cTn id="17" dur="500"/>
+                                        <p:tgtEl>
+                                          <p:spTgt spid="3">
+                                            <p:txEl>
+                                              <p:pRg st="5" end="5"/>
+                                            </p:txEl>
+                                          </p:spTgt>
+                                        </p:tgtEl>
+                                      </p:cBhvr>
+                                    </p:animEffect>
+                                  </p:childTnLst>
+                                </p:cTn>
+                              </p:par>
+                            </p:childTnLst>
+                          </p:cTn>
+                        </p:par>
+                      </p:childTnLst>
+                    </p:cTn>
+                  </p:par>
                 </p:childTnLst>
               </p:cTn>
               <p:prevCondLst>
@@ -10322,7 +10529,7 @@
 </p:sld>
 </file>
 
-<file path=ppt/slides/slide14.xml><?xml version="1.0" encoding="utf-8"?>
+<file path=ppt/slides/slide16.xml><?xml version="1.0" encoding="utf-8"?>
 <p:sld xmlns:a="http://schemas.openxmlformats.org/drawingml/2006/main" xmlns:r="http://schemas.openxmlformats.org/officeDocument/2006/relationships" xmlns:p="http://schemas.openxmlformats.org/presentationml/2006/main">
   <p:cSld>
     <p:spTree>
@@ -10409,7 +10616,7 @@
 </p:sld>
 </file>
 
-<file path=ppt/slides/slide15.xml><?xml version="1.0" encoding="utf-8"?>
+<file path=ppt/slides/slide17.xml><?xml version="1.0" encoding="utf-8"?>
 <p:sld xmlns:a="http://schemas.openxmlformats.org/drawingml/2006/main" xmlns:r="http://schemas.openxmlformats.org/officeDocument/2006/relationships" xmlns:p="http://schemas.openxmlformats.org/presentationml/2006/main">
   <p:cSld>
     <p:spTree>
@@ -10471,7 +10678,7 @@
 </p:sld>
 </file>
 
-<file path=ppt/slides/slide16.xml><?xml version="1.0" encoding="utf-8"?>
+<file path=ppt/slides/slide18.xml><?xml version="1.0" encoding="utf-8"?>
 <p:sld xmlns:a="http://schemas.openxmlformats.org/drawingml/2006/main" xmlns:r="http://schemas.openxmlformats.org/officeDocument/2006/relationships" xmlns:p="http://schemas.openxmlformats.org/presentationml/2006/main">
   <p:cSld>
     <p:spTree>
@@ -11030,7 +11237,7 @@
 </p:sld>
 </file>
 
-<file path=ppt/slides/slide17.xml><?xml version="1.0" encoding="utf-8"?>
+<file path=ppt/slides/slide19.xml><?xml version="1.0" encoding="utf-8"?>
 <p:sld xmlns:a="http://schemas.openxmlformats.org/drawingml/2006/main" xmlns:r="http://schemas.openxmlformats.org/officeDocument/2006/relationships" xmlns:p="http://schemas.openxmlformats.org/presentationml/2006/main">
   <p:cSld>
     <p:spTree>
@@ -11435,226 +11642,6 @@
 </p:sld>
 </file>
 
-<file path=ppt/slides/slide18.xml><?xml version="1.0" encoding="utf-8"?>
-<p:sld xmlns:a="http://schemas.openxmlformats.org/drawingml/2006/main" xmlns:r="http://schemas.openxmlformats.org/officeDocument/2006/relationships" xmlns:p="http://schemas.openxmlformats.org/presentationml/2006/main">
-  <p:cSld>
-    <p:spTree>
-      <p:nvGrpSpPr>
-        <p:cNvPr id="1" name=""/>
-        <p:cNvGrpSpPr/>
-        <p:nvPr/>
-      </p:nvGrpSpPr>
-      <p:grpSpPr>
-        <a:xfrm>
-          <a:off x="0" y="0"/>
-          <a:ext cx="0" cy="0"/>
-          <a:chOff x="0" y="0"/>
-          <a:chExt cx="0" cy="0"/>
-        </a:xfrm>
-      </p:grpSpPr>
-      <p:sp>
-        <p:nvSpPr>
-          <p:cNvPr id="2" name="タイトル 1">
-            <a:extLst>
-              <a:ext uri="{FF2B5EF4-FFF2-40B4-BE49-F238E27FC236}">
-                <a16:creationId xmlns:a16="http://schemas.microsoft.com/office/drawing/2014/main" id="{5A95598C-43C6-4FC3-A65A-7DB9427D39FD}"/>
-              </a:ext>
-            </a:extLst>
-          </p:cNvPr>
-          <p:cNvSpPr>
-            <a:spLocks noGrp="1"/>
-          </p:cNvSpPr>
-          <p:nvPr>
-            <p:ph type="title"/>
-          </p:nvPr>
-        </p:nvSpPr>
-        <p:spPr/>
-        <p:txBody>
-          <a:bodyPr/>
-          <a:lstStyle/>
-          <a:p>
-            <a:r>
-              <a:rPr kumimoji="1" lang="en-US" altLang="ja-JP" dirty="0"/>
-              <a:t>Cost of consistency</a:t>
-            </a:r>
-            <a:endParaRPr kumimoji="1" lang="ja-JP" altLang="en-US" dirty="0"/>
-          </a:p>
-        </p:txBody>
-      </p:sp>
-      <p:sp>
-        <p:nvSpPr>
-          <p:cNvPr id="3" name="テキスト プレースホルダー 2">
-            <a:extLst>
-              <a:ext uri="{FF2B5EF4-FFF2-40B4-BE49-F238E27FC236}">
-                <a16:creationId xmlns:a16="http://schemas.microsoft.com/office/drawing/2014/main" id="{F4DDF489-6D74-44D4-BBB0-40E19673E8C5}"/>
-              </a:ext>
-            </a:extLst>
-          </p:cNvPr>
-          <p:cNvSpPr>
-            <a:spLocks noGrp="1"/>
-          </p:cNvSpPr>
-          <p:nvPr>
-            <p:ph type="body" sz="quarter" idx="10"/>
-          </p:nvPr>
-        </p:nvSpPr>
-        <p:spPr>
-          <a:xfrm>
-            <a:off x="274638" y="1212850"/>
-            <a:ext cx="11887200" cy="4062651"/>
-          </a:xfrm>
-        </p:spPr>
-        <p:txBody>
-          <a:bodyPr/>
-          <a:lstStyle/>
-          <a:p>
-            <a:endParaRPr lang="en-US" altLang="ja-JP" dirty="0">
-              <a:solidFill>
-                <a:schemeClr val="tx1"/>
-              </a:solidFill>
-            </a:endParaRPr>
-          </a:p>
-          <a:p>
-            <a:r>
-              <a:rPr lang="en-US" altLang="ja-JP" sz="4800" dirty="0">
-                <a:solidFill>
-                  <a:schemeClr val="tx1"/>
-                </a:solidFill>
-              </a:rPr>
-              <a:t>You may choose consistency:</a:t>
-            </a:r>
-          </a:p>
-          <a:p>
-            <a:r>
-              <a:rPr lang="en-US" altLang="ja-JP" sz="4800" dirty="0">
-                <a:solidFill>
-                  <a:schemeClr val="tx1"/>
-                </a:solidFill>
-              </a:rPr>
-              <a:t>	At the container level</a:t>
-            </a:r>
-          </a:p>
-          <a:p>
-            <a:r>
-              <a:rPr lang="en-US" altLang="ja-JP" sz="4800" dirty="0">
-                <a:solidFill>
-                  <a:schemeClr val="tx1"/>
-                </a:solidFill>
-              </a:rPr>
-              <a:t>	For each read or write</a:t>
-            </a:r>
-          </a:p>
-          <a:p>
-            <a:endParaRPr lang="en-US" altLang="ja-JP" sz="4800" dirty="0">
-              <a:solidFill>
-                <a:schemeClr val="tx1"/>
-              </a:solidFill>
-            </a:endParaRPr>
-          </a:p>
-        </p:txBody>
-      </p:sp>
-    </p:spTree>
-    <p:extLst>
-      <p:ext uri="{BB962C8B-B14F-4D97-AF65-F5344CB8AC3E}">
-        <p14:creationId xmlns:p14="http://schemas.microsoft.com/office/powerpoint/2010/main" val="3720210124"/>
-      </p:ext>
-    </p:extLst>
-  </p:cSld>
-  <p:clrMapOvr>
-    <a:masterClrMapping/>
-  </p:clrMapOvr>
-  <p:transition>
-    <p:fade/>
-  </p:transition>
-</p:sld>
-</file>
-
-<file path=ppt/slides/slide19.xml><?xml version="1.0" encoding="utf-8"?>
-<p:sld xmlns:a="http://schemas.openxmlformats.org/drawingml/2006/main" xmlns:r="http://schemas.openxmlformats.org/officeDocument/2006/relationships" xmlns:p="http://schemas.openxmlformats.org/presentationml/2006/main">
-  <p:cSld>
-    <p:spTree>
-      <p:nvGrpSpPr>
-        <p:cNvPr id="1" name=""/>
-        <p:cNvGrpSpPr/>
-        <p:nvPr/>
-      </p:nvGrpSpPr>
-      <p:grpSpPr>
-        <a:xfrm>
-          <a:off x="0" y="0"/>
-          <a:ext cx="0" cy="0"/>
-          <a:chOff x="0" y="0"/>
-          <a:chExt cx="0" cy="0"/>
-        </a:xfrm>
-      </p:grpSpPr>
-      <p:sp>
-        <p:nvSpPr>
-          <p:cNvPr id="24" name="タイトル 23">
-            <a:extLst>
-              <a:ext uri="{FF2B5EF4-FFF2-40B4-BE49-F238E27FC236}">
-                <a16:creationId xmlns:a16="http://schemas.microsoft.com/office/drawing/2014/main" id="{56C00BB0-7B9C-450B-BE5E-DA73DD740A81}"/>
-              </a:ext>
-            </a:extLst>
-          </p:cNvPr>
-          <p:cNvSpPr>
-            <a:spLocks noGrp="1"/>
-          </p:cNvSpPr>
-          <p:nvPr>
-            <p:ph type="title"/>
-          </p:nvPr>
-        </p:nvSpPr>
-        <p:spPr/>
-        <p:txBody>
-          <a:bodyPr/>
-          <a:lstStyle/>
-          <a:p>
-            <a:r>
-              <a:rPr kumimoji="1" lang="en-US" altLang="ja-JP" dirty="0"/>
-              <a:t>Demo</a:t>
-            </a:r>
-            <a:endParaRPr kumimoji="1" lang="ja-JP" altLang="en-US" dirty="0"/>
-          </a:p>
-        </p:txBody>
-      </p:sp>
-      <p:sp>
-        <p:nvSpPr>
-          <p:cNvPr id="25" name="テキスト プレースホルダー 24">
-            <a:extLst>
-              <a:ext uri="{FF2B5EF4-FFF2-40B4-BE49-F238E27FC236}">
-                <a16:creationId xmlns:a16="http://schemas.microsoft.com/office/drawing/2014/main" id="{46CB38ED-1A98-41EF-A44A-C6CDAB13FBEF}"/>
-              </a:ext>
-            </a:extLst>
-          </p:cNvPr>
-          <p:cNvSpPr>
-            <a:spLocks noGrp="1"/>
-          </p:cNvSpPr>
-          <p:nvPr>
-            <p:ph type="body" sz="quarter" idx="11"/>
-          </p:nvPr>
-        </p:nvSpPr>
-        <p:spPr/>
-        <p:txBody>
-          <a:bodyPr/>
-          <a:lstStyle/>
-          <a:p>
-            <a:endParaRPr kumimoji="1" lang="ja-JP" altLang="en-US"/>
-          </a:p>
-        </p:txBody>
-      </p:sp>
-    </p:spTree>
-    <p:extLst>
-      <p:ext uri="{BB962C8B-B14F-4D97-AF65-F5344CB8AC3E}">
-        <p14:creationId xmlns:p14="http://schemas.microsoft.com/office/powerpoint/2010/main" val="2118247595"/>
-      </p:ext>
-    </p:extLst>
-  </p:cSld>
-  <p:clrMapOvr>
-    <a:masterClrMapping/>
-  </p:clrMapOvr>
-  <p:transition>
-    <p:fade/>
-  </p:transition>
-</p:sld>
-</file>
-
 <file path=ppt/slides/slide2.xml><?xml version="1.0" encoding="utf-8"?>
 <p:sld xmlns:a="http://schemas.openxmlformats.org/drawingml/2006/main" xmlns:r="http://schemas.openxmlformats.org/officeDocument/2006/relationships" xmlns:p="http://schemas.openxmlformats.org/presentationml/2006/main">
   <p:cSld>
@@ -11720,7 +11707,7 @@
         <p:spPr>
           <a:xfrm>
             <a:off x="274638" y="1212850"/>
-            <a:ext cx="11887200" cy="4955203"/>
+            <a:ext cx="11887200" cy="5647700"/>
           </a:xfrm>
         </p:spPr>
         <p:txBody>
@@ -11775,18 +11762,23 @@
           </a:p>
           <a:p>
             <a:r>
-              <a:rPr lang="en-US" altLang="ja-JP">
+              <a:rPr lang="en-US" altLang="ja-JP" dirty="0">
                 <a:solidFill>
                   <a:schemeClr val="tx1"/>
                 </a:solidFill>
               </a:rPr>
               <a:t>Consistency</a:t>
             </a:r>
-            <a:endParaRPr lang="en-US" altLang="ja-JP" dirty="0">
-              <a:solidFill>
-                <a:schemeClr val="tx1"/>
-              </a:solidFill>
-            </a:endParaRPr>
+          </a:p>
+          <a:p>
+            <a:r>
+              <a:rPr lang="en-US" altLang="ja-JP" dirty="0">
+                <a:solidFill>
+                  <a:schemeClr val="tx1"/>
+                </a:solidFill>
+              </a:rPr>
+              <a:t>Regions and replication</a:t>
+            </a:r>
           </a:p>
           <a:p>
             <a:endParaRPr lang="en-US" altLang="ja-JP" dirty="0">
@@ -11832,216 +11824,10 @@
       </p:grpSpPr>
       <p:sp>
         <p:nvSpPr>
-          <p:cNvPr id="2" name="テキスト プレースホルダー 1">
+          <p:cNvPr id="2" name="タイトル 1">
             <a:extLst>
               <a:ext uri="{FF2B5EF4-FFF2-40B4-BE49-F238E27FC236}">
-                <a16:creationId xmlns:a16="http://schemas.microsoft.com/office/drawing/2014/main" id="{CEEEDBE3-059B-4B75-B778-8F17DAC05C5D}"/>
-              </a:ext>
-            </a:extLst>
-          </p:cNvPr>
-          <p:cNvSpPr>
-            <a:spLocks noGrp="1"/>
-          </p:cNvSpPr>
-          <p:nvPr>
-            <p:ph type="body" sz="quarter" idx="10"/>
-          </p:nvPr>
-        </p:nvSpPr>
-        <p:spPr/>
-        <p:txBody>
-          <a:bodyPr/>
-          <a:lstStyle/>
-          <a:p>
-            <a:r>
-              <a:rPr lang="ja-JP" altLang="en-US" dirty="0">
-                <a:solidFill>
-                  <a:schemeClr val="tx1"/>
-                </a:solidFill>
-              </a:rPr>
-              <a:t>メイントピック </a:t>
-            </a:r>
-            <a:r>
-              <a:rPr lang="en-US" altLang="ja-JP" dirty="0">
-                <a:solidFill>
-                  <a:schemeClr val="tx1"/>
-                </a:solidFill>
-              </a:rPr>
-              <a:t>1: </a:t>
-            </a:r>
-            <a:r>
-              <a:rPr lang="ja-JP" altLang="en-US" dirty="0">
-                <a:solidFill>
-                  <a:schemeClr val="tx1"/>
-                </a:solidFill>
-              </a:rPr>
-              <a:t>サイズ </a:t>
-            </a:r>
-            <a:r>
-              <a:rPr lang="en-US" altLang="ja-JP" dirty="0">
-                <a:solidFill>
-                  <a:schemeClr val="tx1"/>
-                </a:solidFill>
-              </a:rPr>
-              <a:t>40pt</a:t>
-            </a:r>
-          </a:p>
-          <a:p>
-            <a:pPr lvl="1"/>
-            <a:r>
-              <a:rPr lang="ja-JP" altLang="en-US" dirty="0"/>
-              <a:t>サブトピック用 サイズ </a:t>
-            </a:r>
-            <a:r>
-              <a:rPr lang="en-US" altLang="ja-JP" dirty="0"/>
-              <a:t>28pt</a:t>
-            </a:r>
-          </a:p>
-          <a:p>
-            <a:pPr lvl="1"/>
-            <a:r>
-              <a:rPr lang="ja-JP" altLang="en-US" dirty="0"/>
-              <a:t>サブトピック用 サイズ </a:t>
-            </a:r>
-            <a:r>
-              <a:rPr lang="en-US" altLang="ja-JP" dirty="0"/>
-              <a:t>28pt</a:t>
-            </a:r>
-          </a:p>
-          <a:p>
-            <a:r>
-              <a:rPr lang="ja-JP" altLang="en-US" dirty="0">
-                <a:solidFill>
-                  <a:schemeClr val="accent1"/>
-                </a:solidFill>
-              </a:rPr>
-              <a:t>メイントピック </a:t>
-            </a:r>
-            <a:r>
-              <a:rPr lang="en-US" altLang="ja-JP" dirty="0">
-                <a:solidFill>
-                  <a:schemeClr val="accent1"/>
-                </a:solidFill>
-              </a:rPr>
-              <a:t>2: </a:t>
-            </a:r>
-            <a:r>
-              <a:rPr lang="ja-JP" altLang="en-US" dirty="0">
-                <a:solidFill>
-                  <a:schemeClr val="accent1"/>
-                </a:solidFill>
-              </a:rPr>
-              <a:t>サイズ </a:t>
-            </a:r>
-            <a:r>
-              <a:rPr lang="en-US" altLang="ja-JP" dirty="0">
-                <a:solidFill>
-                  <a:schemeClr val="accent1"/>
-                </a:solidFill>
-              </a:rPr>
-              <a:t>40pt</a:t>
-            </a:r>
-          </a:p>
-          <a:p>
-            <a:pPr lvl="1"/>
-            <a:r>
-              <a:rPr lang="ja-JP" altLang="en-US" dirty="0">
-                <a:latin typeface="+mn-ea"/>
-              </a:rPr>
-              <a:t>サブトピック用 サイズ </a:t>
-            </a:r>
-            <a:r>
-              <a:rPr lang="en-US" altLang="ja-JP" dirty="0">
-                <a:latin typeface="+mn-ea"/>
-              </a:rPr>
-              <a:t>28pt</a:t>
-            </a:r>
-          </a:p>
-          <a:p>
-            <a:pPr lvl="1"/>
-            <a:r>
-              <a:rPr lang="ja-JP" altLang="en-US" dirty="0">
-                <a:latin typeface="+mn-ea"/>
-              </a:rPr>
-              <a:t>サブトピック用 サイズ </a:t>
-            </a:r>
-            <a:r>
-              <a:rPr lang="en-US" altLang="ja-JP" dirty="0">
-                <a:latin typeface="+mn-ea"/>
-              </a:rPr>
-              <a:t>28pt</a:t>
-            </a:r>
-          </a:p>
-          <a:p>
-            <a:r>
-              <a:rPr lang="ja-JP" altLang="en-US" dirty="0">
-                <a:solidFill>
-                  <a:schemeClr val="accent2"/>
-                </a:solidFill>
-              </a:rPr>
-              <a:t>メイントピック </a:t>
-            </a:r>
-            <a:r>
-              <a:rPr lang="en-US" altLang="ja-JP" dirty="0">
-                <a:solidFill>
-                  <a:schemeClr val="accent2"/>
-                </a:solidFill>
-              </a:rPr>
-              <a:t>3: </a:t>
-            </a:r>
-            <a:r>
-              <a:rPr lang="ja-JP" altLang="en-US" dirty="0">
-                <a:solidFill>
-                  <a:schemeClr val="accent2"/>
-                </a:solidFill>
-              </a:rPr>
-              <a:t>サイズ </a:t>
-            </a:r>
-            <a:r>
-              <a:rPr lang="en-US" altLang="ja-JP" dirty="0">
-                <a:solidFill>
-                  <a:schemeClr val="accent2"/>
-                </a:solidFill>
-              </a:rPr>
-              <a:t>40pt</a:t>
-            </a:r>
-          </a:p>
-          <a:p>
-            <a:pPr lvl="1"/>
-            <a:r>
-              <a:rPr lang="ja-JP" altLang="en-US" dirty="0">
-                <a:latin typeface="+mn-ea"/>
-              </a:rPr>
-              <a:t>サブトピック用 サイズ </a:t>
-            </a:r>
-            <a:r>
-              <a:rPr lang="en-US" altLang="ja-JP" dirty="0">
-                <a:latin typeface="+mn-ea"/>
-              </a:rPr>
-              <a:t>28pt</a:t>
-            </a:r>
-          </a:p>
-          <a:p>
-            <a:pPr lvl="1"/>
-            <a:r>
-              <a:rPr lang="ja-JP" altLang="en-US" dirty="0">
-                <a:latin typeface="+mn-ea"/>
-              </a:rPr>
-              <a:t>サブトピック用 サイズ </a:t>
-            </a:r>
-            <a:r>
-              <a:rPr lang="en-US" altLang="ja-JP" dirty="0">
-                <a:latin typeface="+mn-ea"/>
-              </a:rPr>
-              <a:t>28pt</a:t>
-            </a:r>
-          </a:p>
-        </p:txBody>
-      </p:sp>
-      <p:sp>
-        <p:nvSpPr>
-          <p:cNvPr id="3" name="タイトル 2">
-            <a:extLst>
-              <a:ext uri="{FF2B5EF4-FFF2-40B4-BE49-F238E27FC236}">
-                <a16:creationId xmlns:a16="http://schemas.microsoft.com/office/drawing/2014/main" id="{511953BB-35EF-4F36-A07E-A5F3476CA915}"/>
+                <a16:creationId xmlns:a16="http://schemas.microsoft.com/office/drawing/2014/main" id="{5A95598C-43C6-4FC3-A65A-7DB9427D39FD}"/>
               </a:ext>
             </a:extLst>
           </p:cNvPr>
@@ -12058,8 +11844,8 @@
           <a:lstStyle/>
           <a:p>
             <a:r>
-              <a:rPr lang="ja-JP" altLang="en-US" dirty="0"/>
-              <a:t>インデントの調整</a:t>
+              <a:rPr kumimoji="1" lang="en-US" altLang="ja-JP" dirty="0"/>
+              <a:t>Cost of consistency</a:t>
             </a:r>
             <a:endParaRPr kumimoji="1" lang="ja-JP" altLang="en-US" dirty="0"/>
           </a:p>
@@ -12067,215 +11853,79 @@
       </p:sp>
       <p:sp>
         <p:nvSpPr>
-          <p:cNvPr id="5" name="テキスト ボックス 4">
+          <p:cNvPr id="3" name="テキスト プレースホルダー 2">
             <a:extLst>
               <a:ext uri="{FF2B5EF4-FFF2-40B4-BE49-F238E27FC236}">
-                <a16:creationId xmlns:a16="http://schemas.microsoft.com/office/drawing/2014/main" id="{D99227C8-9264-4649-8A5F-B16B67CADABF}"/>
+                <a16:creationId xmlns:a16="http://schemas.microsoft.com/office/drawing/2014/main" id="{F4DDF489-6D74-44D4-BBB0-40E19673E8C5}"/>
               </a:ext>
             </a:extLst>
           </p:cNvPr>
-          <p:cNvSpPr txBox="1"/>
-          <p:nvPr/>
+          <p:cNvSpPr>
+            <a:spLocks noGrp="1"/>
+          </p:cNvSpPr>
+          <p:nvPr>
+            <p:ph type="body" sz="quarter" idx="10"/>
+          </p:nvPr>
         </p:nvSpPr>
         <p:spPr>
           <a:xfrm>
-            <a:off x="8234461" y="1125758"/>
-            <a:ext cx="4202014" cy="1003352"/>
+            <a:off x="274638" y="1212850"/>
+            <a:ext cx="11887200" cy="4062651"/>
           </a:xfrm>
-          <a:prstGeom prst="rect">
-            <a:avLst/>
-          </a:prstGeom>
-          <a:noFill/>
         </p:spPr>
         <p:txBody>
-          <a:bodyPr wrap="square" lIns="182880" tIns="146304" rIns="182880" bIns="146304" rtlCol="0">
-            <a:spAutoFit/>
-          </a:bodyPr>
+          <a:bodyPr/>
           <a:lstStyle/>
           <a:p>
-            <a:pPr>
-              <a:spcAft>
-                <a:spcPts val="600"/>
-              </a:spcAft>
-            </a:pPr>
-            <a:r>
-              <a:rPr lang="ja-JP" altLang="en-US" sz="1200" spc="-70" dirty="0">
-                <a:gradFill>
-                  <a:gsLst>
-                    <a:gs pos="2917">
-                      <a:schemeClr val="tx2"/>
-                    </a:gs>
-                    <a:gs pos="30000">
-                      <a:schemeClr val="tx2"/>
-                    </a:gs>
-                  </a:gsLst>
-                  <a:lin ang="5400000" scaled="0"/>
-                </a:gradFill>
+            <a:endParaRPr lang="en-US" altLang="ja-JP" dirty="0">
+              <a:solidFill>
+                <a:schemeClr val="tx1"/>
+              </a:solidFill>
+            </a:endParaRPr>
+          </a:p>
+          <a:p>
+            <a:r>
+              <a:rPr lang="en-US" altLang="ja-JP" sz="4800" dirty="0">
+                <a:solidFill>
+                  <a:schemeClr val="tx1"/>
+                </a:solidFill>
               </a:rPr>
-              <a:t>今年の </a:t>
-            </a:r>
-            <a:r>
-              <a:rPr lang="en-US" altLang="ja-JP" sz="1200" spc="-70" dirty="0" err="1">
-                <a:gradFill>
-                  <a:gsLst>
-                    <a:gs pos="2917">
-                      <a:schemeClr val="tx2"/>
-                    </a:gs>
-                    <a:gs pos="30000">
-                      <a:schemeClr val="tx2"/>
-                    </a:gs>
-                  </a:gsLst>
-                  <a:lin ang="5400000" scaled="0"/>
-                </a:gradFill>
+              <a:t>You may choose consistency:</a:t>
+            </a:r>
+          </a:p>
+          <a:p>
+            <a:r>
+              <a:rPr lang="en-US" altLang="ja-JP" sz="4800" dirty="0">
+                <a:solidFill>
+                  <a:schemeClr val="tx1"/>
+                </a:solidFill>
               </a:rPr>
-              <a:t>de:code</a:t>
-            </a:r>
-            <a:r>
-              <a:rPr lang="en-US" altLang="ja-JP" sz="1200" spc="-70" dirty="0">
-                <a:gradFill>
-                  <a:gsLst>
-                    <a:gs pos="2917">
-                      <a:schemeClr val="tx2"/>
-                    </a:gs>
-                    <a:gs pos="30000">
-                      <a:schemeClr val="tx2"/>
-                    </a:gs>
-                  </a:gsLst>
-                  <a:lin ang="5400000" scaled="0"/>
-                </a:gradFill>
+              <a:t>	At the database level</a:t>
+            </a:r>
+          </a:p>
+          <a:p>
+            <a:r>
+              <a:rPr lang="en-US" altLang="ja-JP" sz="4800" dirty="0">
+                <a:solidFill>
+                  <a:schemeClr val="tx1"/>
+                </a:solidFill>
               </a:rPr>
-              <a:t> 2018 </a:t>
-            </a:r>
-            <a:r>
-              <a:rPr lang="ja-JP" altLang="en-US" sz="1200" spc="-70" dirty="0">
-                <a:gradFill>
-                  <a:gsLst>
-                    <a:gs pos="2917">
-                      <a:schemeClr val="tx2"/>
-                    </a:gs>
-                    <a:gs pos="30000">
-                      <a:schemeClr val="tx2"/>
-                    </a:gs>
-                  </a:gsLst>
-                  <a:lin ang="5400000" scaled="0"/>
-                </a:gradFill>
-              </a:rPr>
-              <a:t>ではテンプレートの</a:t>
-            </a:r>
-            <a:endParaRPr lang="en-US" altLang="ja-JP" sz="1200" spc="-70" dirty="0">
-              <a:gradFill>
-                <a:gsLst>
-                  <a:gs pos="2917">
-                    <a:schemeClr val="tx2"/>
-                  </a:gs>
-                  <a:gs pos="30000">
-                    <a:schemeClr val="tx2"/>
-                  </a:gs>
-                </a:gsLst>
-                <a:lin ang="5400000" scaled="0"/>
-              </a:gradFill>
+              <a:t>	For each read or write</a:t>
+            </a:r>
+          </a:p>
+          <a:p>
+            <a:endParaRPr lang="en-US" altLang="ja-JP" sz="4800" dirty="0">
+              <a:solidFill>
+                <a:schemeClr val="tx1"/>
+              </a:solidFill>
             </a:endParaRPr>
-          </a:p>
-          <a:p>
-            <a:pPr>
-              <a:spcAft>
-                <a:spcPts val="600"/>
-              </a:spcAft>
-            </a:pPr>
-            <a:r>
-              <a:rPr lang="ja-JP" altLang="en-US" sz="1200" spc="-70" dirty="0">
-                <a:gradFill>
-                  <a:gsLst>
-                    <a:gs pos="2917">
-                      <a:schemeClr val="tx2"/>
-                    </a:gs>
-                    <a:gs pos="30000">
-                      <a:schemeClr val="tx2"/>
-                    </a:gs>
-                  </a:gsLst>
-                  <a:lin ang="5400000" scaled="0"/>
-                </a:gradFill>
-              </a:rPr>
-              <a:t>基準フォントを下記に設定しています。但し、必要に</a:t>
-            </a:r>
-            <a:endParaRPr lang="en-US" altLang="ja-JP" sz="1200" spc="-70" dirty="0">
-              <a:gradFill>
-                <a:gsLst>
-                  <a:gs pos="2917">
-                    <a:schemeClr val="tx2"/>
-                  </a:gs>
-                  <a:gs pos="30000">
-                    <a:schemeClr val="tx2"/>
-                  </a:gs>
-                </a:gsLst>
-                <a:lin ang="5400000" scaled="0"/>
-              </a:gradFill>
-            </a:endParaRPr>
-          </a:p>
-          <a:p>
-            <a:pPr>
-              <a:spcAft>
-                <a:spcPts val="600"/>
-              </a:spcAft>
-            </a:pPr>
-            <a:r>
-              <a:rPr lang="ja-JP" altLang="en-US" sz="1200" spc="-70" dirty="0">
-                <a:gradFill>
-                  <a:gsLst>
-                    <a:gs pos="2917">
-                      <a:schemeClr val="tx2"/>
-                    </a:gs>
-                    <a:gs pos="30000">
-                      <a:schemeClr val="tx2"/>
-                    </a:gs>
-                  </a:gsLst>
-                  <a:lin ang="5400000" scaled="0"/>
-                </a:gradFill>
-              </a:rPr>
-              <a:t>応じて変更していただいて構いません。</a:t>
-            </a:r>
           </a:p>
         </p:txBody>
       </p:sp>
-      <p:pic>
-        <p:nvPicPr>
-          <p:cNvPr id="6" name="図 5">
-            <a:extLst>
-              <a:ext uri="{FF2B5EF4-FFF2-40B4-BE49-F238E27FC236}">
-                <a16:creationId xmlns:a16="http://schemas.microsoft.com/office/drawing/2014/main" id="{C00FBED1-4DD7-4184-86FD-55C410658BFD}"/>
-              </a:ext>
-            </a:extLst>
-          </p:cNvPr>
-          <p:cNvPicPr>
-            <a:picLocks noChangeAspect="1"/>
-          </p:cNvPicPr>
-          <p:nvPr/>
-        </p:nvPicPr>
-        <p:blipFill rotWithShape="1">
-          <a:blip r:embed="rId2">
-            <a:extLst>
-              <a:ext uri="{28A0092B-C50C-407E-A947-70E740481C1C}">
-                <a14:useLocalDpi xmlns:a14="http://schemas.microsoft.com/office/drawing/2010/main" val="0"/>
-              </a:ext>
-            </a:extLst>
-          </a:blip>
-          <a:srcRect/>
-          <a:stretch/>
-        </p:blipFill>
-        <p:spPr>
-          <a:xfrm>
-            <a:off x="8343900" y="2125276"/>
-            <a:ext cx="3858463" cy="2247865"/>
-          </a:xfrm>
-          <a:prstGeom prst="rect">
-            <a:avLst/>
-          </a:prstGeom>
-        </p:spPr>
-      </p:pic>
     </p:spTree>
     <p:extLst>
       <p:ext uri="{BB962C8B-B14F-4D97-AF65-F5344CB8AC3E}">
-        <p14:creationId xmlns:p14="http://schemas.microsoft.com/office/powerpoint/2010/main" val="1128874736"/>
+        <p14:creationId xmlns:p14="http://schemas.microsoft.com/office/powerpoint/2010/main" val="3720210124"/>
       </p:ext>
     </p:extLst>
   </p:cSld>
@@ -12307,10 +11957,10 @@
       </p:grpSpPr>
       <p:sp>
         <p:nvSpPr>
-          <p:cNvPr id="2" name="タイトル 1">
+          <p:cNvPr id="24" name="タイトル 23">
             <a:extLst>
               <a:ext uri="{FF2B5EF4-FFF2-40B4-BE49-F238E27FC236}">
-                <a16:creationId xmlns:a16="http://schemas.microsoft.com/office/drawing/2014/main" id="{37E74D58-804B-4F6F-9474-41EA893B562A}"/>
+                <a16:creationId xmlns:a16="http://schemas.microsoft.com/office/drawing/2014/main" id="{56C00BB0-7B9C-450B-BE5E-DA73DD740A81}"/>
               </a:ext>
             </a:extLst>
           </p:cNvPr>
@@ -12327,8 +11977,8 @@
           <a:lstStyle/>
           <a:p>
             <a:r>
-              <a:rPr lang="ja-JP" altLang="en-US" dirty="0"/>
-              <a:t>サブタイトルがついたスライドのタイトル</a:t>
+              <a:rPr kumimoji="1" lang="en-US" altLang="ja-JP" dirty="0"/>
+              <a:t>Demo</a:t>
             </a:r>
             <a:endParaRPr kumimoji="1" lang="ja-JP" altLang="en-US" dirty="0"/>
           </a:p>
@@ -12336,10 +11986,10 @@
       </p:sp>
       <p:sp>
         <p:nvSpPr>
-          <p:cNvPr id="4" name="テキスト プレースホルダー 3">
+          <p:cNvPr id="25" name="テキスト プレースホルダー 24">
             <a:extLst>
               <a:ext uri="{FF2B5EF4-FFF2-40B4-BE49-F238E27FC236}">
-                <a16:creationId xmlns:a16="http://schemas.microsoft.com/office/drawing/2014/main" id="{46C2E76E-593F-43A7-AF40-822D03632AD9}"/>
+                <a16:creationId xmlns:a16="http://schemas.microsoft.com/office/drawing/2014/main" id="{46CB38ED-1A98-41EF-A44A-C6CDAB13FBEF}"/>
               </a:ext>
             </a:extLst>
           </p:cNvPr>
@@ -12355,123 +12005,14 @@
           <a:bodyPr/>
           <a:lstStyle/>
           <a:p>
-            <a:r>
-              <a:rPr lang="ja-JP" altLang="en-US" dirty="0"/>
-              <a:t>サブタイトル</a:t>
-            </a:r>
-          </a:p>
-        </p:txBody>
-      </p:sp>
-      <p:sp>
-        <p:nvSpPr>
-          <p:cNvPr id="3" name="テキスト プレースホルダー 2">
-            <a:extLst>
-              <a:ext uri="{FF2B5EF4-FFF2-40B4-BE49-F238E27FC236}">
-                <a16:creationId xmlns:a16="http://schemas.microsoft.com/office/drawing/2014/main" id="{424C1213-CC5F-44CD-A2FB-1C3916B63833}"/>
-              </a:ext>
-            </a:extLst>
-          </p:cNvPr>
-          <p:cNvSpPr>
-            <a:spLocks noGrp="1"/>
-          </p:cNvSpPr>
-          <p:nvPr>
-            <p:ph type="body" sz="quarter" idx="10"/>
-          </p:nvPr>
-        </p:nvSpPr>
-        <p:spPr>
-          <a:xfrm>
-            <a:off x="279400" y="1917700"/>
-            <a:ext cx="11887200" cy="4099842"/>
-          </a:xfrm>
-        </p:spPr>
-        <p:txBody>
-          <a:bodyPr/>
-          <a:lstStyle/>
-          <a:p>
-            <a:r>
-              <a:rPr lang="ja-JP" altLang="en-US" dirty="0"/>
-              <a:t>サブヘッダーが付いた箇条書きのサンプル</a:t>
-            </a:r>
-            <a:endParaRPr lang="en-US" altLang="ja-JP" dirty="0"/>
-          </a:p>
-          <a:p>
-            <a:pPr lvl="1"/>
-            <a:r>
-              <a:rPr lang="ja-JP" altLang="en-US" dirty="0"/>
-              <a:t>スライドタイトルは </a:t>
-            </a:r>
-            <a:r>
-              <a:rPr lang="en-US" altLang="ja-JP" dirty="0"/>
-              <a:t>”</a:t>
-            </a:r>
-            <a:r>
-              <a:rPr lang="ja-JP" altLang="en-US" dirty="0"/>
-              <a:t>頭文字だけ大文字</a:t>
-            </a:r>
-            <a:r>
-              <a:rPr lang="en-US" altLang="ja-JP" dirty="0"/>
-              <a:t>” </a:t>
-            </a:r>
-            <a:r>
-              <a:rPr lang="ja-JP" altLang="en-US" dirty="0"/>
-              <a:t>ただし英語のみ</a:t>
-            </a:r>
-            <a:endParaRPr lang="en-US" altLang="ja-JP" dirty="0"/>
-          </a:p>
-          <a:p>
-            <a:pPr lvl="1"/>
-            <a:r>
-              <a:rPr lang="ja-JP" altLang="en-US" dirty="0"/>
-              <a:t>サブタイトルは </a:t>
-            </a:r>
-            <a:r>
-              <a:rPr lang="en-US" altLang="ja-JP" dirty="0"/>
-              <a:t>”</a:t>
-            </a:r>
-            <a:r>
-              <a:rPr lang="ja-JP" altLang="en-US" dirty="0"/>
-              <a:t>頭文字だけ大文字</a:t>
-            </a:r>
-            <a:r>
-              <a:rPr lang="en-US" altLang="ja-JP" dirty="0"/>
-              <a:t>” </a:t>
-            </a:r>
-            <a:r>
-              <a:rPr lang="ja-JP" altLang="en-US" dirty="0"/>
-              <a:t>ただし英語のみ</a:t>
-            </a:r>
-            <a:endParaRPr lang="en-US" altLang="ja-JP" dirty="0"/>
-          </a:p>
-          <a:p>
-            <a:pPr lvl="0"/>
-            <a:r>
-              <a:rPr lang="ja-JP" altLang="en-US" dirty="0"/>
-              <a:t>ハイパーリンクのスタイル</a:t>
-            </a:r>
-            <a:endParaRPr lang="en-US" altLang="ja-JP" dirty="0"/>
-          </a:p>
-          <a:p>
-            <a:pPr lvl="1"/>
-            <a:r>
-              <a:rPr lang="en-US" altLang="ja-JP" dirty="0">
-                <a:hlinkClick r:id="rId2"/>
-              </a:rPr>
-              <a:t>www.microsoft.com</a:t>
-            </a:r>
-            <a:r>
-              <a:rPr lang="en-US" altLang="ja-JP" dirty="0"/>
-              <a:t> </a:t>
-            </a:r>
-          </a:p>
-          <a:p>
-            <a:endParaRPr kumimoji="1" lang="ja-JP" altLang="en-US" dirty="0"/>
+            <a:endParaRPr kumimoji="1" lang="ja-JP" altLang="en-US"/>
           </a:p>
         </p:txBody>
       </p:sp>
     </p:spTree>
     <p:extLst>
       <p:ext uri="{BB962C8B-B14F-4D97-AF65-F5344CB8AC3E}">
-        <p14:creationId xmlns:p14="http://schemas.microsoft.com/office/powerpoint/2010/main" val="4093620394"/>
+        <p14:creationId xmlns:p14="http://schemas.microsoft.com/office/powerpoint/2010/main" val="2118247595"/>
       </p:ext>
     </p:extLst>
   </p:cSld>
@@ -12485,2646 +12026,6 @@
 </file>
 
 <file path=ppt/slides/slide22.xml><?xml version="1.0" encoding="utf-8"?>
-<p:sld xmlns:a="http://schemas.openxmlformats.org/drawingml/2006/main" xmlns:r="http://schemas.openxmlformats.org/officeDocument/2006/relationships" xmlns:p="http://schemas.openxmlformats.org/presentationml/2006/main">
-  <p:cSld>
-    <p:spTree>
-      <p:nvGrpSpPr>
-        <p:cNvPr id="1" name=""/>
-        <p:cNvGrpSpPr/>
-        <p:nvPr/>
-      </p:nvGrpSpPr>
-      <p:grpSpPr>
-        <a:xfrm>
-          <a:off x="0" y="0"/>
-          <a:ext cx="0" cy="0"/>
-          <a:chOff x="0" y="0"/>
-          <a:chExt cx="0" cy="0"/>
-        </a:xfrm>
-      </p:grpSpPr>
-      <p:sp>
-        <p:nvSpPr>
-          <p:cNvPr id="2" name="タイトル 1">
-            <a:extLst>
-              <a:ext uri="{FF2B5EF4-FFF2-40B4-BE49-F238E27FC236}">
-                <a16:creationId xmlns:a16="http://schemas.microsoft.com/office/drawing/2014/main" id="{E4830872-C6EA-45E4-958D-4AA780F0D5C1}"/>
-              </a:ext>
-            </a:extLst>
-          </p:cNvPr>
-          <p:cNvSpPr>
-            <a:spLocks noGrp="1"/>
-          </p:cNvSpPr>
-          <p:nvPr>
-            <p:ph type="title"/>
-          </p:nvPr>
-        </p:nvSpPr>
-        <p:spPr/>
-        <p:txBody>
-          <a:bodyPr/>
-          <a:lstStyle/>
-          <a:p>
-            <a:r>
-              <a:rPr lang="ja-JP" altLang="en-US" dirty="0"/>
-              <a:t>スライドパレットについて</a:t>
-            </a:r>
-            <a:endParaRPr kumimoji="1" lang="ja-JP" altLang="en-US" dirty="0"/>
-          </a:p>
-        </p:txBody>
-      </p:sp>
-      <p:sp>
-        <p:nvSpPr>
-          <p:cNvPr id="3" name="テキスト プレースホルダー 2">
-            <a:extLst>
-              <a:ext uri="{FF2B5EF4-FFF2-40B4-BE49-F238E27FC236}">
-                <a16:creationId xmlns:a16="http://schemas.microsoft.com/office/drawing/2014/main" id="{5ED9509E-93CB-4D91-B152-F74EEDB40C05}"/>
-              </a:ext>
-            </a:extLst>
-          </p:cNvPr>
-          <p:cNvSpPr txBox="1">
-            <a:spLocks/>
-          </p:cNvSpPr>
-          <p:nvPr/>
-        </p:nvSpPr>
-        <p:spPr>
-          <a:xfrm>
-            <a:off x="163685" y="1193006"/>
-            <a:ext cx="11887200" cy="923330"/>
-          </a:xfrm>
-          <a:prstGeom prst="rect">
-            <a:avLst/>
-          </a:prstGeom>
-        </p:spPr>
-        <p:txBody>
-          <a:bodyPr/>
-          <a:lstStyle>
-            <a:lvl1pPr marL="342900" marR="0" indent="-342900" algn="l" defTabSz="932742" rtl="0" eaLnBrk="1" fontAlgn="auto" latinLnBrk="0" hangingPunct="1">
-              <a:lnSpc>
-                <a:spcPct val="100000"/>
-              </a:lnSpc>
-              <a:spcBef>
-                <a:spcPts val="600"/>
-              </a:spcBef>
-              <a:spcAft>
-                <a:spcPts val="0"/>
-              </a:spcAft>
-              <a:buClrTx/>
-              <a:buSzPct val="90000"/>
-              <a:buFont typeface="Arial" pitchFamily="34" charset="0"/>
-              <a:buChar char="•"/>
-              <a:tabLst/>
-              <a:defRPr kumimoji="1" sz="4000" kern="1200" spc="0" baseline="0">
-                <a:gradFill>
-                  <a:gsLst>
-                    <a:gs pos="1250">
-                      <a:schemeClr val="tx1"/>
-                    </a:gs>
-                    <a:gs pos="100000">
-                      <a:schemeClr val="tx1"/>
-                    </a:gs>
-                  </a:gsLst>
-                  <a:lin ang="5400000" scaled="0"/>
-                </a:gradFill>
-                <a:latin typeface="+mn-lt"/>
-                <a:ea typeface="+mn-ea"/>
-                <a:cs typeface="+mn-cs"/>
-              </a:defRPr>
-            </a:lvl1pPr>
-            <a:lvl2pPr marL="584200" marR="0" indent="-241300" algn="l" defTabSz="932742" rtl="0" eaLnBrk="1" fontAlgn="auto" latinLnBrk="0" hangingPunct="1">
-              <a:lnSpc>
-                <a:spcPct val="100000"/>
-              </a:lnSpc>
-              <a:spcBef>
-                <a:spcPts val="600"/>
-              </a:spcBef>
-              <a:spcAft>
-                <a:spcPts val="0"/>
-              </a:spcAft>
-              <a:buClrTx/>
-              <a:buSzPct val="90000"/>
-              <a:buFont typeface="Arial" pitchFamily="34" charset="0"/>
-              <a:buChar char="•"/>
-              <a:tabLst>
-                <a:tab pos="1349375" algn="l"/>
-              </a:tabLst>
-              <a:defRPr kumimoji="1" sz="2800" kern="1200" spc="0" baseline="0">
-                <a:gradFill>
-                  <a:gsLst>
-                    <a:gs pos="1250">
-                      <a:schemeClr val="tx1"/>
-                    </a:gs>
-                    <a:gs pos="100000">
-                      <a:schemeClr val="tx1"/>
-                    </a:gs>
-                  </a:gsLst>
-                  <a:lin ang="5400000" scaled="0"/>
-                </a:gradFill>
-                <a:latin typeface="+mn-lt"/>
-                <a:ea typeface="+mn-ea"/>
-                <a:cs typeface="+mn-cs"/>
-              </a:defRPr>
-            </a:lvl2pPr>
-            <a:lvl3pPr marL="800100" marR="0" indent="-228600" algn="l" defTabSz="932742" rtl="0" eaLnBrk="1" fontAlgn="auto" latinLnBrk="0" hangingPunct="1">
-              <a:lnSpc>
-                <a:spcPct val="100000"/>
-              </a:lnSpc>
-              <a:spcBef>
-                <a:spcPts val="600"/>
-              </a:spcBef>
-              <a:spcAft>
-                <a:spcPts val="0"/>
-              </a:spcAft>
-              <a:buClrTx/>
-              <a:buSzPct val="90000"/>
-              <a:buFont typeface="Arial" pitchFamily="34" charset="0"/>
-              <a:buChar char="•"/>
-              <a:tabLst/>
-              <a:defRPr kumimoji="1" sz="2400" kern="1200" spc="0" baseline="0">
-                <a:gradFill>
-                  <a:gsLst>
-                    <a:gs pos="1250">
-                      <a:schemeClr val="tx1"/>
-                    </a:gs>
-                    <a:gs pos="100000">
-                      <a:schemeClr val="tx1"/>
-                    </a:gs>
-                  </a:gsLst>
-                  <a:lin ang="5400000" scaled="0"/>
-                </a:gradFill>
-                <a:latin typeface="+mn-lt"/>
-                <a:ea typeface="+mn-ea"/>
-                <a:cs typeface="+mn-cs"/>
-              </a:defRPr>
-            </a:lvl3pPr>
-            <a:lvl4pPr marL="1028700" marR="0" indent="-228600" algn="l" defTabSz="932742" rtl="0" eaLnBrk="1" fontAlgn="auto" latinLnBrk="0" hangingPunct="1">
-              <a:lnSpc>
-                <a:spcPct val="100000"/>
-              </a:lnSpc>
-              <a:spcBef>
-                <a:spcPts val="600"/>
-              </a:spcBef>
-              <a:spcAft>
-                <a:spcPts val="0"/>
-              </a:spcAft>
-              <a:buClrTx/>
-              <a:buSzPct val="90000"/>
-              <a:buFont typeface="Arial" pitchFamily="34" charset="0"/>
-              <a:buChar char="•"/>
-              <a:tabLst/>
-              <a:defRPr kumimoji="1" sz="2000" kern="1200" spc="0" baseline="0">
-                <a:gradFill>
-                  <a:gsLst>
-                    <a:gs pos="1250">
-                      <a:schemeClr val="tx1"/>
-                    </a:gs>
-                    <a:gs pos="100000">
-                      <a:schemeClr val="tx1"/>
-                    </a:gs>
-                  </a:gsLst>
-                  <a:lin ang="5400000" scaled="0"/>
-                </a:gradFill>
-                <a:latin typeface="+mn-lt"/>
-                <a:ea typeface="+mn-ea"/>
-                <a:cs typeface="+mn-cs"/>
-              </a:defRPr>
-            </a:lvl4pPr>
-            <a:lvl5pPr marL="1257300" marR="0" indent="-228600" algn="l" defTabSz="932742" rtl="0" eaLnBrk="1" fontAlgn="auto" latinLnBrk="0" hangingPunct="1">
-              <a:lnSpc>
-                <a:spcPct val="100000"/>
-              </a:lnSpc>
-              <a:spcBef>
-                <a:spcPts val="600"/>
-              </a:spcBef>
-              <a:spcAft>
-                <a:spcPts val="0"/>
-              </a:spcAft>
-              <a:buClrTx/>
-              <a:buSzPct val="90000"/>
-              <a:buFont typeface="Arial" pitchFamily="34" charset="0"/>
-              <a:buChar char="•"/>
-              <a:tabLst/>
-              <a:defRPr kumimoji="1" sz="2000" kern="1200" spc="0" baseline="0">
-                <a:gradFill>
-                  <a:gsLst>
-                    <a:gs pos="1250">
-                      <a:schemeClr val="tx1"/>
-                    </a:gs>
-                    <a:gs pos="100000">
-                      <a:schemeClr val="tx1"/>
-                    </a:gs>
-                  </a:gsLst>
-                  <a:lin ang="5400000" scaled="0"/>
-                </a:gradFill>
-                <a:latin typeface="+mn-lt"/>
-                <a:ea typeface="+mn-ea"/>
-                <a:cs typeface="+mn-cs"/>
-              </a:defRPr>
-            </a:lvl5pPr>
-            <a:lvl6pPr marL="2565040" indent="-233186" algn="l" defTabSz="932742" rtl="0" eaLnBrk="1" latinLnBrk="0" hangingPunct="1">
-              <a:spcBef>
-                <a:spcPct val="20000"/>
-              </a:spcBef>
-              <a:buFont typeface="Arial" pitchFamily="34" charset="0"/>
-              <a:buChar char="•"/>
-              <a:defRPr kumimoji="1" sz="2000" kern="1200">
-                <a:solidFill>
-                  <a:schemeClr val="tx1"/>
-                </a:solidFill>
-                <a:latin typeface="+mn-lt"/>
-                <a:ea typeface="+mn-ea"/>
-                <a:cs typeface="+mn-cs"/>
-              </a:defRPr>
-            </a:lvl6pPr>
-            <a:lvl7pPr marL="3031412" indent="-233186" algn="l" defTabSz="932742" rtl="0" eaLnBrk="1" latinLnBrk="0" hangingPunct="1">
-              <a:spcBef>
-                <a:spcPct val="20000"/>
-              </a:spcBef>
-              <a:buFont typeface="Arial" pitchFamily="34" charset="0"/>
-              <a:buChar char="•"/>
-              <a:defRPr kumimoji="1" sz="2000" kern="1200">
-                <a:solidFill>
-                  <a:schemeClr val="tx1"/>
-                </a:solidFill>
-                <a:latin typeface="+mn-lt"/>
-                <a:ea typeface="+mn-ea"/>
-                <a:cs typeface="+mn-cs"/>
-              </a:defRPr>
-            </a:lvl7pPr>
-            <a:lvl8pPr marL="3497783" indent="-233186" algn="l" defTabSz="932742" rtl="0" eaLnBrk="1" latinLnBrk="0" hangingPunct="1">
-              <a:spcBef>
-                <a:spcPct val="20000"/>
-              </a:spcBef>
-              <a:buFont typeface="Arial" pitchFamily="34" charset="0"/>
-              <a:buChar char="•"/>
-              <a:defRPr kumimoji="1" sz="2000" kern="1200">
-                <a:solidFill>
-                  <a:schemeClr val="tx1"/>
-                </a:solidFill>
-                <a:latin typeface="+mn-lt"/>
-                <a:ea typeface="+mn-ea"/>
-                <a:cs typeface="+mn-cs"/>
-              </a:defRPr>
-            </a:lvl8pPr>
-            <a:lvl9pPr marL="3964155" indent="-233186" algn="l" defTabSz="932742" rtl="0" eaLnBrk="1" latinLnBrk="0" hangingPunct="1">
-              <a:spcBef>
-                <a:spcPct val="20000"/>
-              </a:spcBef>
-              <a:buFont typeface="Arial" pitchFamily="34" charset="0"/>
-              <a:buChar char="•"/>
-              <a:defRPr kumimoji="1" sz="2000" kern="1200">
-                <a:solidFill>
-                  <a:schemeClr val="tx1"/>
-                </a:solidFill>
-                <a:latin typeface="+mn-lt"/>
-                <a:ea typeface="+mn-ea"/>
-                <a:cs typeface="+mn-cs"/>
-              </a:defRPr>
-            </a:lvl9pPr>
-          </a:lstStyle>
-          <a:p>
-            <a:pPr marL="558800" lvl="2" indent="0">
-              <a:buFont typeface="Arial" pitchFamily="34" charset="0"/>
-              <a:buNone/>
-            </a:pPr>
-            <a:r>
-              <a:rPr lang="ja-JP" altLang="en-US">
-                <a:gradFill>
-                  <a:gsLst>
-                    <a:gs pos="2917">
-                      <a:schemeClr val="tx2"/>
-                    </a:gs>
-                    <a:gs pos="30000">
-                      <a:schemeClr val="tx2"/>
-                    </a:gs>
-                  </a:gsLst>
-                  <a:lin ang="5400000" scaled="0"/>
-                </a:gradFill>
-              </a:rPr>
-              <a:t>このテンプレートでの </a:t>
-            </a:r>
-            <a:r>
-              <a:rPr lang="en-US" altLang="ja-JP">
-                <a:gradFill>
-                  <a:gsLst>
-                    <a:gs pos="2917">
-                      <a:schemeClr val="tx2"/>
-                    </a:gs>
-                    <a:gs pos="30000">
-                      <a:schemeClr val="tx2"/>
-                    </a:gs>
-                  </a:gsLst>
-                  <a:lin ang="5400000" scaled="0"/>
-                </a:gradFill>
-              </a:rPr>
-              <a:t>PowerPoint</a:t>
-            </a:r>
-            <a:r>
-              <a:rPr lang="ja-JP" altLang="en-US">
-                <a:gradFill>
-                  <a:gsLst>
-                    <a:gs pos="2917">
-                      <a:schemeClr val="tx2"/>
-                    </a:gs>
-                    <a:gs pos="30000">
-                      <a:schemeClr val="tx2"/>
-                    </a:gs>
-                  </a:gsLst>
-                  <a:lin ang="5400000" scaled="0"/>
-                </a:gradFill>
-              </a:rPr>
-              <a:t> パレットは今回専用で下記のようになっています。スライドの中であまり多くの色を使いすぎないように注意してください。</a:t>
-            </a:r>
-            <a:endParaRPr lang="en-US" altLang="ja-JP" dirty="0">
-              <a:gradFill>
-                <a:gsLst>
-                  <a:gs pos="2917">
-                    <a:schemeClr val="tx2"/>
-                  </a:gs>
-                  <a:gs pos="30000">
-                    <a:schemeClr val="tx2"/>
-                  </a:gs>
-                </a:gsLst>
-                <a:lin ang="5400000" scaled="0"/>
-              </a:gradFill>
-            </a:endParaRPr>
-          </a:p>
-        </p:txBody>
-      </p:sp>
-      <p:pic>
-        <p:nvPicPr>
-          <p:cNvPr id="4" name="図 3">
-            <a:extLst>
-              <a:ext uri="{FF2B5EF4-FFF2-40B4-BE49-F238E27FC236}">
-                <a16:creationId xmlns:a16="http://schemas.microsoft.com/office/drawing/2014/main" id="{D02D4B7B-085E-4004-937B-E56EC1E48BC1}"/>
-              </a:ext>
-            </a:extLst>
-          </p:cNvPr>
-          <p:cNvPicPr>
-            <a:picLocks noChangeAspect="1"/>
-          </p:cNvPicPr>
-          <p:nvPr/>
-        </p:nvPicPr>
-        <p:blipFill rotWithShape="1">
-          <a:blip r:embed="rId2"/>
-          <a:srcRect l="15457" t="15358" r="81274" b="70351"/>
-          <a:stretch/>
-        </p:blipFill>
-        <p:spPr>
-          <a:xfrm>
-            <a:off x="202616" y="2683057"/>
-            <a:ext cx="2022043" cy="1807517"/>
-          </a:xfrm>
-          <a:prstGeom prst="rect">
-            <a:avLst/>
-          </a:prstGeom>
-        </p:spPr>
-      </p:pic>
-      <p:sp>
-        <p:nvSpPr>
-          <p:cNvPr id="5" name="Rectangle 3">
-            <a:extLst>
-              <a:ext uri="{FF2B5EF4-FFF2-40B4-BE49-F238E27FC236}">
-                <a16:creationId xmlns:a16="http://schemas.microsoft.com/office/drawing/2014/main" id="{A2595D43-BCE3-43DC-AF2F-F7117DF8E358}"/>
-              </a:ext>
-            </a:extLst>
-          </p:cNvPr>
-          <p:cNvSpPr/>
-          <p:nvPr/>
-        </p:nvSpPr>
-        <p:spPr bwMode="auto">
-          <a:xfrm>
-            <a:off x="3630747" y="4012375"/>
-            <a:ext cx="7127758" cy="1438579"/>
-          </a:xfrm>
-          <a:custGeom>
-            <a:avLst/>
-            <a:gdLst/>
-            <a:ahLst/>
-            <a:cxnLst/>
-            <a:rect l="l" t="t" r="r" b="b"/>
-            <a:pathLst>
-              <a:path w="6985822" h="1410500">
-                <a:moveTo>
-                  <a:pt x="0" y="0"/>
-                </a:moveTo>
-                <a:lnTo>
-                  <a:pt x="3955278" y="0"/>
-                </a:lnTo>
-                <a:lnTo>
-                  <a:pt x="3955278" y="170496"/>
-                </a:lnTo>
-                <a:lnTo>
-                  <a:pt x="6985822" y="170496"/>
-                </a:lnTo>
-                <a:lnTo>
-                  <a:pt x="6985822" y="1284072"/>
-                </a:lnTo>
-                <a:lnTo>
-                  <a:pt x="3955278" y="1284072"/>
-                </a:lnTo>
-                <a:lnTo>
-                  <a:pt x="3955278" y="1410500"/>
-                </a:lnTo>
-                <a:lnTo>
-                  <a:pt x="0" y="1410500"/>
-                </a:lnTo>
-                <a:close/>
-              </a:path>
-            </a:pathLst>
-          </a:custGeom>
-          <a:noFill/>
-          <a:ln w="3175">
-            <a:solidFill>
-              <a:schemeClr val="tx1">
-                <a:alpha val="27000"/>
-              </a:schemeClr>
-            </a:solidFill>
-            <a:headEnd type="none" w="med" len="med"/>
-            <a:tailEnd type="none" w="med" len="med"/>
-          </a:ln>
-          <a:effectLst/>
-        </p:spPr>
-        <p:style>
-          <a:lnRef idx="1">
-            <a:schemeClr val="accent2"/>
-          </a:lnRef>
-          <a:fillRef idx="3">
-            <a:schemeClr val="accent2"/>
-          </a:fillRef>
-          <a:effectRef idx="2">
-            <a:schemeClr val="accent2"/>
-          </a:effectRef>
-          <a:fontRef idx="minor">
-            <a:schemeClr val="lt1"/>
-          </a:fontRef>
-        </p:style>
-        <p:txBody>
-          <a:bodyPr rot="0" spcFirstLastPara="0" vertOverflow="overflow" horzOverflow="overflow" vert="horz" wrap="square" lIns="46639" tIns="46639" rIns="46639" bIns="46639" numCol="1" spcCol="0" rtlCol="0" fromWordArt="0" anchor="ctr" anchorCtr="0" forceAA="0" compatLnSpc="1">
-            <a:prstTxWarp prst="textNoShape">
-              <a:avLst/>
-            </a:prstTxWarp>
-            <a:noAutofit/>
-          </a:bodyPr>
-          <a:lstStyle/>
-          <a:p>
-            <a:pPr algn="ctr" defTabSz="932472" fontAlgn="base">
-              <a:spcBef>
-                <a:spcPct val="0"/>
-              </a:spcBef>
-              <a:spcAft>
-                <a:spcPct val="0"/>
-              </a:spcAft>
-            </a:pPr>
-            <a:endParaRPr lang="en-US" dirty="0" err="1">
-              <a:gradFill>
-                <a:gsLst>
-                  <a:gs pos="0">
-                    <a:srgbClr val="FFFFFF"/>
-                  </a:gs>
-                  <a:gs pos="100000">
-                    <a:srgbClr val="FFFFFF"/>
-                  </a:gs>
-                </a:gsLst>
-                <a:lin ang="5400000" scaled="0"/>
-              </a:gradFill>
-              <a:ea typeface="Segoe UI" pitchFamily="34" charset="0"/>
-              <a:cs typeface="Segoe UI" pitchFamily="34" charset="0"/>
-            </a:endParaRPr>
-          </a:p>
-        </p:txBody>
-      </p:sp>
-      <p:sp>
-        <p:nvSpPr>
-          <p:cNvPr id="6" name="Rectangle 4">
-            <a:extLst>
-              <a:ext uri="{FF2B5EF4-FFF2-40B4-BE49-F238E27FC236}">
-                <a16:creationId xmlns:a16="http://schemas.microsoft.com/office/drawing/2014/main" id="{75B6E7E0-D484-4569-A214-8DDA726ADCE8}"/>
-              </a:ext>
-            </a:extLst>
-          </p:cNvPr>
-          <p:cNvSpPr/>
-          <p:nvPr/>
-        </p:nvSpPr>
-        <p:spPr bwMode="auto">
-          <a:xfrm>
-            <a:off x="6361410" y="4151118"/>
-            <a:ext cx="1206527" cy="1206042"/>
-          </a:xfrm>
-          <a:prstGeom prst="rect">
-            <a:avLst/>
-          </a:prstGeom>
-          <a:ln>
-            <a:noFill/>
-            <a:headEnd type="none" w="med" len="med"/>
-            <a:tailEnd type="none" w="med" len="med"/>
-          </a:ln>
-        </p:spPr>
-        <p:style>
-          <a:lnRef idx="2">
-            <a:schemeClr val="accent3">
-              <a:shade val="50000"/>
-            </a:schemeClr>
-          </a:lnRef>
-          <a:fillRef idx="1">
-            <a:schemeClr val="accent3"/>
-          </a:fillRef>
-          <a:effectRef idx="0">
-            <a:schemeClr val="accent3"/>
-          </a:effectRef>
-          <a:fontRef idx="minor">
-            <a:schemeClr val="lt1"/>
-          </a:fontRef>
-        </p:style>
-        <p:txBody>
-          <a:bodyPr vert="horz" wrap="square" lIns="0" tIns="46637" rIns="0" bIns="46637" numCol="1" rtlCol="0" anchor="ctr" anchorCtr="0" compatLnSpc="1">
-            <a:prstTxWarp prst="textNoShape">
-              <a:avLst/>
-            </a:prstTxWarp>
-          </a:bodyPr>
-          <a:lstStyle/>
-          <a:p>
-            <a:pPr algn="ctr" defTabSz="932472" fontAlgn="base">
-              <a:spcBef>
-                <a:spcPct val="0"/>
-              </a:spcBef>
-              <a:spcAft>
-                <a:spcPct val="0"/>
-              </a:spcAft>
-            </a:pPr>
-            <a:r>
-              <a:rPr lang="en-US" sz="2000" dirty="0">
-                <a:solidFill>
-                  <a:schemeClr val="bg1"/>
-                </a:solidFill>
-              </a:rPr>
-              <a:t>Accent 3</a:t>
-            </a:r>
-          </a:p>
-        </p:txBody>
-      </p:sp>
-      <p:sp>
-        <p:nvSpPr>
-          <p:cNvPr id="7" name="Rectangle 5">
-            <a:extLst>
-              <a:ext uri="{FF2B5EF4-FFF2-40B4-BE49-F238E27FC236}">
-                <a16:creationId xmlns:a16="http://schemas.microsoft.com/office/drawing/2014/main" id="{BAEB6327-068B-4E48-BBAC-3548433A09F0}"/>
-              </a:ext>
-            </a:extLst>
-          </p:cNvPr>
-          <p:cNvSpPr/>
-          <p:nvPr/>
-        </p:nvSpPr>
-        <p:spPr bwMode="auto">
-          <a:xfrm>
-            <a:off x="5056434" y="4151118"/>
-            <a:ext cx="1206527" cy="1206042"/>
-          </a:xfrm>
-          <a:prstGeom prst="rect">
-            <a:avLst/>
-          </a:prstGeom>
-          <a:ln>
-            <a:noFill/>
-            <a:headEnd type="none" w="med" len="med"/>
-            <a:tailEnd type="none" w="med" len="med"/>
-          </a:ln>
-        </p:spPr>
-        <p:style>
-          <a:lnRef idx="2">
-            <a:schemeClr val="accent2">
-              <a:shade val="50000"/>
-            </a:schemeClr>
-          </a:lnRef>
-          <a:fillRef idx="1">
-            <a:schemeClr val="accent2"/>
-          </a:fillRef>
-          <a:effectRef idx="0">
-            <a:schemeClr val="accent2"/>
-          </a:effectRef>
-          <a:fontRef idx="minor">
-            <a:schemeClr val="lt1"/>
-          </a:fontRef>
-        </p:style>
-        <p:txBody>
-          <a:bodyPr vert="horz" wrap="square" lIns="0" tIns="46637" rIns="0" bIns="46637" numCol="1" rtlCol="0" anchor="ctr" anchorCtr="0" compatLnSpc="1">
-            <a:prstTxWarp prst="textNoShape">
-              <a:avLst/>
-            </a:prstTxWarp>
-          </a:bodyPr>
-          <a:lstStyle/>
-          <a:p>
-            <a:pPr algn="ctr" defTabSz="932472" fontAlgn="base">
-              <a:spcBef>
-                <a:spcPct val="0"/>
-              </a:spcBef>
-              <a:spcAft>
-                <a:spcPct val="0"/>
-              </a:spcAft>
-            </a:pPr>
-            <a:r>
-              <a:rPr lang="en-US" sz="2000" dirty="0">
-                <a:solidFill>
-                  <a:schemeClr val="bg1"/>
-                </a:solidFill>
-              </a:rPr>
-              <a:t>Accent 2</a:t>
-            </a:r>
-          </a:p>
-        </p:txBody>
-      </p:sp>
-      <p:sp>
-        <p:nvSpPr>
-          <p:cNvPr id="8" name="Rectangle 6">
-            <a:extLst>
-              <a:ext uri="{FF2B5EF4-FFF2-40B4-BE49-F238E27FC236}">
-                <a16:creationId xmlns:a16="http://schemas.microsoft.com/office/drawing/2014/main" id="{2B373113-2D5F-455F-81F5-E8E87AA4B414}"/>
-              </a:ext>
-            </a:extLst>
-          </p:cNvPr>
-          <p:cNvSpPr/>
-          <p:nvPr/>
-        </p:nvSpPr>
-        <p:spPr bwMode="auto">
-          <a:xfrm>
-            <a:off x="3751458" y="4151118"/>
-            <a:ext cx="1206527" cy="1206042"/>
-          </a:xfrm>
-          <a:prstGeom prst="rect">
-            <a:avLst/>
-          </a:prstGeom>
-          <a:solidFill>
-            <a:schemeClr val="accent1"/>
-          </a:solidFill>
-          <a:ln>
-            <a:noFill/>
-            <a:headEnd type="none" w="med" len="med"/>
-            <a:tailEnd type="none" w="med" len="med"/>
-          </a:ln>
-        </p:spPr>
-        <p:style>
-          <a:lnRef idx="2">
-            <a:schemeClr val="accent1">
-              <a:shade val="50000"/>
-            </a:schemeClr>
-          </a:lnRef>
-          <a:fillRef idx="1">
-            <a:schemeClr val="accent1"/>
-          </a:fillRef>
-          <a:effectRef idx="0">
-            <a:schemeClr val="accent1"/>
-          </a:effectRef>
-          <a:fontRef idx="minor">
-            <a:schemeClr val="lt1"/>
-          </a:fontRef>
-        </p:style>
-        <p:txBody>
-          <a:bodyPr vert="horz" wrap="square" lIns="0" tIns="46637" rIns="0" bIns="46637" numCol="1" rtlCol="0" anchor="ctr" anchorCtr="0" compatLnSpc="1">
-            <a:prstTxWarp prst="textNoShape">
-              <a:avLst/>
-            </a:prstTxWarp>
-          </a:bodyPr>
-          <a:lstStyle/>
-          <a:p>
-            <a:pPr algn="ctr" defTabSz="932472" fontAlgn="base">
-              <a:spcBef>
-                <a:spcPct val="0"/>
-              </a:spcBef>
-              <a:spcAft>
-                <a:spcPct val="0"/>
-              </a:spcAft>
-            </a:pPr>
-            <a:r>
-              <a:rPr lang="en-US" sz="2000" dirty="0">
-                <a:gradFill>
-                  <a:gsLst>
-                    <a:gs pos="0">
-                      <a:srgbClr val="FFFFFF"/>
-                    </a:gs>
-                    <a:gs pos="100000">
-                      <a:srgbClr val="FFFFFF"/>
-                    </a:gs>
-                  </a:gsLst>
-                  <a:lin ang="5400000" scaled="0"/>
-                </a:gradFill>
-              </a:rPr>
-              <a:t>Accent 1</a:t>
-            </a:r>
-          </a:p>
-        </p:txBody>
-      </p:sp>
-      <p:sp>
-        <p:nvSpPr>
-          <p:cNvPr id="9" name="Rectangle 7">
-            <a:extLst>
-              <a:ext uri="{FF2B5EF4-FFF2-40B4-BE49-F238E27FC236}">
-                <a16:creationId xmlns:a16="http://schemas.microsoft.com/office/drawing/2014/main" id="{202F8F61-C59A-48EF-8A86-7F715C9B9318}"/>
-              </a:ext>
-            </a:extLst>
-          </p:cNvPr>
-          <p:cNvSpPr/>
-          <p:nvPr/>
-        </p:nvSpPr>
-        <p:spPr bwMode="auto">
-          <a:xfrm>
-            <a:off x="9736779" y="4286460"/>
-            <a:ext cx="935733" cy="935357"/>
-          </a:xfrm>
-          <a:prstGeom prst="rect">
-            <a:avLst/>
-          </a:prstGeom>
-          <a:ln>
-            <a:noFill/>
-            <a:headEnd type="none" w="med" len="med"/>
-            <a:tailEnd type="none" w="med" len="med"/>
-          </a:ln>
-        </p:spPr>
-        <p:style>
-          <a:lnRef idx="2">
-            <a:schemeClr val="accent6">
-              <a:shade val="50000"/>
-            </a:schemeClr>
-          </a:lnRef>
-          <a:fillRef idx="1">
-            <a:schemeClr val="accent6"/>
-          </a:fillRef>
-          <a:effectRef idx="0">
-            <a:schemeClr val="accent6"/>
-          </a:effectRef>
-          <a:fontRef idx="minor">
-            <a:schemeClr val="lt1"/>
-          </a:fontRef>
-        </p:style>
-        <p:txBody>
-          <a:bodyPr vert="horz" wrap="square" lIns="0" tIns="46637" rIns="0" bIns="46637" numCol="1" rtlCol="0" anchor="ctr" anchorCtr="0" compatLnSpc="1">
-            <a:prstTxWarp prst="textNoShape">
-              <a:avLst/>
-            </a:prstTxWarp>
-          </a:bodyPr>
-          <a:lstStyle/>
-          <a:p>
-            <a:pPr algn="ctr" defTabSz="932472" fontAlgn="base">
-              <a:spcBef>
-                <a:spcPct val="0"/>
-              </a:spcBef>
-              <a:spcAft>
-                <a:spcPct val="0"/>
-              </a:spcAft>
-            </a:pPr>
-            <a:r>
-              <a:rPr lang="en-US" sz="1200" dirty="0">
-                <a:solidFill>
-                  <a:schemeClr val="tx1"/>
-                </a:solidFill>
-              </a:rPr>
-              <a:t>Accent 6</a:t>
-            </a:r>
-          </a:p>
-        </p:txBody>
-      </p:sp>
-      <p:sp>
-        <p:nvSpPr>
-          <p:cNvPr id="10" name="Rectangle 8">
-            <a:extLst>
-              <a:ext uri="{FF2B5EF4-FFF2-40B4-BE49-F238E27FC236}">
-                <a16:creationId xmlns:a16="http://schemas.microsoft.com/office/drawing/2014/main" id="{7054620B-A0A4-4D44-A16F-4E17751522CB}"/>
-              </a:ext>
-            </a:extLst>
-          </p:cNvPr>
-          <p:cNvSpPr/>
-          <p:nvPr/>
-        </p:nvSpPr>
-        <p:spPr bwMode="auto">
-          <a:xfrm>
-            <a:off x="8705220" y="4286460"/>
-            <a:ext cx="935733" cy="935357"/>
-          </a:xfrm>
-          <a:prstGeom prst="rect">
-            <a:avLst/>
-          </a:prstGeom>
-          <a:ln>
-            <a:noFill/>
-            <a:headEnd type="none" w="med" len="med"/>
-            <a:tailEnd type="none" w="med" len="med"/>
-          </a:ln>
-        </p:spPr>
-        <p:style>
-          <a:lnRef idx="2">
-            <a:schemeClr val="accent5">
-              <a:shade val="50000"/>
-            </a:schemeClr>
-          </a:lnRef>
-          <a:fillRef idx="1">
-            <a:schemeClr val="accent5"/>
-          </a:fillRef>
-          <a:effectRef idx="0">
-            <a:schemeClr val="accent5"/>
-          </a:effectRef>
-          <a:fontRef idx="minor">
-            <a:schemeClr val="lt1"/>
-          </a:fontRef>
-        </p:style>
-        <p:txBody>
-          <a:bodyPr vert="horz" wrap="square" lIns="0" tIns="46637" rIns="0" bIns="46637" numCol="1" rtlCol="0" anchor="ctr" anchorCtr="0" compatLnSpc="1">
-            <a:prstTxWarp prst="textNoShape">
-              <a:avLst/>
-            </a:prstTxWarp>
-          </a:bodyPr>
-          <a:lstStyle/>
-          <a:p>
-            <a:pPr algn="ctr" defTabSz="932472" fontAlgn="base">
-              <a:spcBef>
-                <a:spcPct val="0"/>
-              </a:spcBef>
-              <a:spcAft>
-                <a:spcPct val="0"/>
-              </a:spcAft>
-            </a:pPr>
-            <a:r>
-              <a:rPr lang="en-US" sz="1200" dirty="0">
-                <a:gradFill>
-                  <a:gsLst>
-                    <a:gs pos="1674">
-                      <a:schemeClr val="bg1"/>
-                    </a:gs>
-                    <a:gs pos="7113">
-                      <a:schemeClr val="bg1"/>
-                    </a:gs>
-                  </a:gsLst>
-                  <a:lin ang="5400000" scaled="0"/>
-                </a:gradFill>
-              </a:rPr>
-              <a:t>Accent 5</a:t>
-            </a:r>
-          </a:p>
-        </p:txBody>
-      </p:sp>
-      <p:sp>
-        <p:nvSpPr>
-          <p:cNvPr id="11" name="Rectangle 9">
-            <a:extLst>
-              <a:ext uri="{FF2B5EF4-FFF2-40B4-BE49-F238E27FC236}">
-                <a16:creationId xmlns:a16="http://schemas.microsoft.com/office/drawing/2014/main" id="{75CC69A9-FCF0-49EC-BEA2-FAEEB6A4A8B7}"/>
-              </a:ext>
-            </a:extLst>
-          </p:cNvPr>
-          <p:cNvSpPr/>
-          <p:nvPr/>
-        </p:nvSpPr>
-        <p:spPr bwMode="auto">
-          <a:xfrm>
-            <a:off x="7666388" y="4286460"/>
-            <a:ext cx="935733" cy="935357"/>
-          </a:xfrm>
-          <a:prstGeom prst="rect">
-            <a:avLst/>
-          </a:prstGeom>
-          <a:ln>
-            <a:noFill/>
-            <a:headEnd type="none" w="med" len="med"/>
-            <a:tailEnd type="none" w="med" len="med"/>
-          </a:ln>
-        </p:spPr>
-        <p:style>
-          <a:lnRef idx="2">
-            <a:schemeClr val="accent4">
-              <a:shade val="50000"/>
-            </a:schemeClr>
-          </a:lnRef>
-          <a:fillRef idx="1">
-            <a:schemeClr val="accent4"/>
-          </a:fillRef>
-          <a:effectRef idx="0">
-            <a:schemeClr val="accent4"/>
-          </a:effectRef>
-          <a:fontRef idx="minor">
-            <a:schemeClr val="lt1"/>
-          </a:fontRef>
-        </p:style>
-        <p:txBody>
-          <a:bodyPr vert="horz" wrap="square" lIns="0" tIns="46637" rIns="0" bIns="46637" numCol="1" rtlCol="0" anchor="ctr" anchorCtr="0" compatLnSpc="1">
-            <a:prstTxWarp prst="textNoShape">
-              <a:avLst/>
-            </a:prstTxWarp>
-          </a:bodyPr>
-          <a:lstStyle/>
-          <a:p>
-            <a:pPr algn="ctr" defTabSz="932472" fontAlgn="base">
-              <a:spcBef>
-                <a:spcPct val="0"/>
-              </a:spcBef>
-              <a:spcAft>
-                <a:spcPct val="0"/>
-              </a:spcAft>
-            </a:pPr>
-            <a:r>
-              <a:rPr lang="en-US" sz="1200" dirty="0">
-                <a:solidFill>
-                  <a:schemeClr val="bg1"/>
-                </a:solidFill>
-              </a:rPr>
-              <a:t>Accent 4</a:t>
-            </a:r>
-          </a:p>
-        </p:txBody>
-      </p:sp>
-      <p:sp>
-        <p:nvSpPr>
-          <p:cNvPr id="12" name="Rectangle 10">
-            <a:extLst>
-              <a:ext uri="{FF2B5EF4-FFF2-40B4-BE49-F238E27FC236}">
-                <a16:creationId xmlns:a16="http://schemas.microsoft.com/office/drawing/2014/main" id="{A1510D88-3FB8-4665-9959-C807FFBB06A5}"/>
-              </a:ext>
-            </a:extLst>
-          </p:cNvPr>
-          <p:cNvSpPr/>
-          <p:nvPr/>
-        </p:nvSpPr>
-        <p:spPr bwMode="auto">
-          <a:xfrm>
-            <a:off x="2322664" y="4151118"/>
-            <a:ext cx="1206527" cy="1206042"/>
-          </a:xfrm>
-          <a:prstGeom prst="rect">
-            <a:avLst/>
-          </a:prstGeom>
-          <a:solidFill>
-            <a:schemeClr val="tx2"/>
-          </a:solidFill>
-          <a:ln>
-            <a:noFill/>
-            <a:headEnd type="none" w="med" len="med"/>
-            <a:tailEnd type="none" w="med" len="med"/>
-          </a:ln>
-        </p:spPr>
-        <p:style>
-          <a:lnRef idx="2">
-            <a:schemeClr val="accent1">
-              <a:shade val="50000"/>
-            </a:schemeClr>
-          </a:lnRef>
-          <a:fillRef idx="1">
-            <a:schemeClr val="accent1"/>
-          </a:fillRef>
-          <a:effectRef idx="0">
-            <a:schemeClr val="accent1"/>
-          </a:effectRef>
-          <a:fontRef idx="minor">
-            <a:schemeClr val="lt1"/>
-          </a:fontRef>
-        </p:style>
-        <p:txBody>
-          <a:bodyPr vert="horz" wrap="square" lIns="0" tIns="0" rIns="0" bIns="0" numCol="1" rtlCol="0" anchor="ctr" anchorCtr="0" compatLnSpc="1">
-            <a:prstTxWarp prst="textNoShape">
-              <a:avLst/>
-            </a:prstTxWarp>
-          </a:bodyPr>
-          <a:lstStyle/>
-          <a:p>
-            <a:pPr algn="ctr" defTabSz="932472" fontAlgn="base">
-              <a:spcBef>
-                <a:spcPct val="0"/>
-              </a:spcBef>
-              <a:spcAft>
-                <a:spcPct val="0"/>
-              </a:spcAft>
-            </a:pPr>
-            <a:r>
-              <a:rPr lang="en-US" sz="1400" dirty="0">
-                <a:gradFill>
-                  <a:gsLst>
-                    <a:gs pos="0">
-                      <a:schemeClr val="bg1"/>
-                    </a:gs>
-                    <a:gs pos="100000">
-                      <a:schemeClr val="bg1"/>
-                    </a:gs>
-                  </a:gsLst>
-                  <a:lin ang="5400000" scaled="0"/>
-                </a:gradFill>
-              </a:rPr>
-              <a:t>Text</a:t>
-            </a:r>
-          </a:p>
-          <a:p>
-            <a:pPr algn="ctr" defTabSz="932472" fontAlgn="base">
-              <a:spcBef>
-                <a:spcPct val="0"/>
-              </a:spcBef>
-              <a:spcAft>
-                <a:spcPct val="0"/>
-              </a:spcAft>
-            </a:pPr>
-            <a:r>
-              <a:rPr lang="en-US" sz="1400" dirty="0">
-                <a:gradFill>
-                  <a:gsLst>
-                    <a:gs pos="0">
-                      <a:schemeClr val="bg1"/>
-                    </a:gs>
-                    <a:gs pos="100000">
-                      <a:schemeClr val="bg1"/>
-                    </a:gs>
-                  </a:gsLst>
-                  <a:lin ang="5400000" scaled="0"/>
-                </a:gradFill>
-              </a:rPr>
-              <a:t>Dark 2</a:t>
-            </a:r>
-          </a:p>
-        </p:txBody>
-      </p:sp>
-      <p:sp>
-        <p:nvSpPr>
-          <p:cNvPr id="13" name="TextBox 12">
-            <a:extLst>
-              <a:ext uri="{FF2B5EF4-FFF2-40B4-BE49-F238E27FC236}">
-                <a16:creationId xmlns:a16="http://schemas.microsoft.com/office/drawing/2014/main" id="{B5DDAF8C-2111-4936-AB63-7BD1C16C24DE}"/>
-              </a:ext>
-            </a:extLst>
-          </p:cNvPr>
-          <p:cNvSpPr txBox="1"/>
-          <p:nvPr/>
-        </p:nvSpPr>
-        <p:spPr>
-          <a:xfrm>
-            <a:off x="2937306" y="2483638"/>
-            <a:ext cx="9401610" cy="553998"/>
-          </a:xfrm>
-          <a:prstGeom prst="rect">
-            <a:avLst/>
-          </a:prstGeom>
-          <a:noFill/>
-        </p:spPr>
-        <p:txBody>
-          <a:bodyPr wrap="square" lIns="182880" tIns="0" rIns="182880" bIns="0" rtlCol="0">
-            <a:spAutoFit/>
-          </a:bodyPr>
-          <a:lstStyle/>
-          <a:p>
-            <a:r>
-              <a:rPr lang="ja-JP" altLang="en-US" dirty="0">
-                <a:gradFill>
-                  <a:gsLst>
-                    <a:gs pos="2917">
-                      <a:schemeClr val="tx1"/>
-                    </a:gs>
-                    <a:gs pos="30000">
-                      <a:schemeClr val="tx1"/>
-                    </a:gs>
-                  </a:gsLst>
-                  <a:lin ang="5400000" scaled="0"/>
-                </a:gradFill>
-              </a:rPr>
-              <a:t>サブサブタイトルおよび非箇条書き用の </a:t>
-            </a:r>
-            <a:r>
-              <a:rPr lang="en-US" altLang="ja-JP" dirty="0">
-                <a:gradFill>
-                  <a:gsLst>
-                    <a:gs pos="2917">
-                      <a:schemeClr val="tx1"/>
-                    </a:gs>
-                    <a:gs pos="30000">
-                      <a:schemeClr val="tx1"/>
-                    </a:gs>
-                  </a:gsLst>
-                  <a:lin ang="5400000" scaled="0"/>
-                </a:gradFill>
-              </a:rPr>
-              <a:t>1 </a:t>
-            </a:r>
-            <a:r>
-              <a:rPr lang="ja-JP" altLang="en-US" dirty="0">
-                <a:gradFill>
-                  <a:gsLst>
-                    <a:gs pos="2917">
-                      <a:schemeClr val="tx1"/>
-                    </a:gs>
-                    <a:gs pos="30000">
-                      <a:schemeClr val="tx1"/>
-                    </a:gs>
-                  </a:gsLst>
-                  <a:lin ang="5400000" scaled="0"/>
-                </a:gradFill>
-              </a:rPr>
-              <a:t>段目のテキストには左から </a:t>
-            </a:r>
-            <a:r>
-              <a:rPr lang="en-US" altLang="ja-JP" dirty="0">
-                <a:gradFill>
-                  <a:gsLst>
-                    <a:gs pos="2917">
-                      <a:schemeClr val="tx1"/>
-                    </a:gs>
-                    <a:gs pos="30000">
-                      <a:schemeClr val="tx1"/>
-                    </a:gs>
-                  </a:gsLst>
-                  <a:lin ang="5400000" scaled="0"/>
-                </a:gradFill>
-              </a:rPr>
-              <a:t>4 </a:t>
-            </a:r>
-            <a:r>
-              <a:rPr lang="ja-JP" altLang="en-US" dirty="0">
-                <a:gradFill>
-                  <a:gsLst>
-                    <a:gs pos="2917">
-                      <a:schemeClr val="tx1"/>
-                    </a:gs>
-                    <a:gs pos="30000">
-                      <a:schemeClr val="tx1"/>
-                    </a:gs>
-                  </a:gsLst>
-                  <a:lin ang="5400000" scaled="0"/>
-                </a:gradFill>
-              </a:rPr>
-              <a:t>番目の色を</a:t>
-            </a:r>
-            <a:endParaRPr lang="en-US" altLang="ja-JP" dirty="0">
-              <a:gradFill>
-                <a:gsLst>
-                  <a:gs pos="2917">
-                    <a:schemeClr val="tx1"/>
-                  </a:gs>
-                  <a:gs pos="30000">
-                    <a:schemeClr val="tx1"/>
-                  </a:gs>
-                </a:gsLst>
-                <a:lin ang="5400000" scaled="0"/>
-              </a:gradFill>
-            </a:endParaRPr>
-          </a:p>
-          <a:p>
-            <a:r>
-              <a:rPr lang="ja-JP" altLang="en-US" dirty="0">
-                <a:gradFill>
-                  <a:gsLst>
-                    <a:gs pos="2917">
-                      <a:schemeClr val="tx1"/>
-                    </a:gs>
-                    <a:gs pos="30000">
-                      <a:schemeClr val="tx1"/>
-                    </a:gs>
-                  </a:gsLst>
-                  <a:lin ang="5400000" scaled="0"/>
-                </a:gradFill>
-              </a:rPr>
-              <a:t>使うか、もしくは “どの色” であっても標準の白黒よりもお勧めです。</a:t>
-            </a:r>
-            <a:endParaRPr lang="en-US" dirty="0">
-              <a:gradFill>
-                <a:gsLst>
-                  <a:gs pos="2917">
-                    <a:schemeClr val="tx1"/>
-                  </a:gs>
-                  <a:gs pos="30000">
-                    <a:schemeClr val="tx1"/>
-                  </a:gs>
-                </a:gsLst>
-                <a:lin ang="5400000" scaled="0"/>
-              </a:gradFill>
-            </a:endParaRPr>
-          </a:p>
-        </p:txBody>
-      </p:sp>
-      <p:sp>
-        <p:nvSpPr>
-          <p:cNvPr id="14" name="TextBox 13">
-            <a:extLst>
-              <a:ext uri="{FF2B5EF4-FFF2-40B4-BE49-F238E27FC236}">
-                <a16:creationId xmlns:a16="http://schemas.microsoft.com/office/drawing/2014/main" id="{148B7646-2851-4FDA-8251-4E6737C58F96}"/>
-              </a:ext>
-            </a:extLst>
-          </p:cNvPr>
-          <p:cNvSpPr txBox="1"/>
-          <p:nvPr/>
-        </p:nvSpPr>
-        <p:spPr>
-          <a:xfrm>
-            <a:off x="3757856" y="3495172"/>
-            <a:ext cx="7060545" cy="313904"/>
-          </a:xfrm>
-          <a:prstGeom prst="rect">
-            <a:avLst/>
-          </a:prstGeom>
-          <a:noFill/>
-        </p:spPr>
-        <p:txBody>
-          <a:bodyPr wrap="square" lIns="0" tIns="0" rIns="0" bIns="0" rtlCol="0">
-            <a:spAutoFit/>
-          </a:bodyPr>
-          <a:lstStyle/>
-          <a:p>
-            <a:pPr algn="ctr"/>
-            <a:r>
-              <a:rPr lang="ja-JP" altLang="en-US" sz="2000" dirty="0">
-                <a:gradFill>
-                  <a:gsLst>
-                    <a:gs pos="2917">
-                      <a:schemeClr val="tx1"/>
-                    </a:gs>
-                    <a:gs pos="30000">
-                      <a:schemeClr val="tx1"/>
-                    </a:gs>
-                  </a:gsLst>
-                  <a:lin ang="5400000" scaled="0"/>
-                </a:gradFill>
-              </a:rPr>
-              <a:t>アクセントカラー</a:t>
-            </a:r>
-            <a:r>
-              <a:rPr lang="en-US" altLang="ja-JP" sz="2000" dirty="0">
-                <a:gradFill>
-                  <a:gsLst>
-                    <a:gs pos="2917">
-                      <a:schemeClr val="tx1"/>
-                    </a:gs>
-                    <a:gs pos="30000">
-                      <a:schemeClr val="tx1"/>
-                    </a:gs>
-                  </a:gsLst>
-                  <a:lin ang="5400000" scaled="0"/>
-                </a:gradFill>
-              </a:rPr>
-              <a:t> 1 </a:t>
-            </a:r>
-            <a:r>
-              <a:rPr lang="ja-JP" altLang="en-US" sz="2000" dirty="0">
-                <a:gradFill>
-                  <a:gsLst>
-                    <a:gs pos="2917">
-                      <a:schemeClr val="tx1"/>
-                    </a:gs>
-                    <a:gs pos="30000">
-                      <a:schemeClr val="tx1"/>
-                    </a:gs>
-                  </a:gsLst>
-                  <a:lin ang="5400000" scaled="0"/>
-                </a:gradFill>
-              </a:rPr>
-              <a:t>～ </a:t>
-            </a:r>
-            <a:r>
-              <a:rPr lang="en-US" altLang="ja-JP" sz="2000" dirty="0">
-                <a:gradFill>
-                  <a:gsLst>
-                    <a:gs pos="2917">
-                      <a:schemeClr val="tx1"/>
-                    </a:gs>
-                    <a:gs pos="30000">
-                      <a:schemeClr val="tx1"/>
-                    </a:gs>
-                  </a:gsLst>
-                  <a:lin ang="5400000" scaled="0"/>
-                </a:gradFill>
-              </a:rPr>
-              <a:t>6 (</a:t>
-            </a:r>
-            <a:r>
-              <a:rPr lang="ja-JP" altLang="en-US" sz="2000" dirty="0">
-                <a:gradFill>
-                  <a:gsLst>
-                    <a:gs pos="2917">
-                      <a:schemeClr val="tx1"/>
-                    </a:gs>
-                    <a:gs pos="30000">
-                      <a:schemeClr val="tx1"/>
-                    </a:gs>
-                  </a:gsLst>
-                  <a:lin ang="5400000" scaled="0"/>
-                </a:gradFill>
-              </a:rPr>
-              <a:t>右方向に </a:t>
-            </a:r>
-            <a:r>
-              <a:rPr lang="en-US" altLang="ja-JP" sz="2000" dirty="0">
-                <a:gradFill>
-                  <a:gsLst>
-                    <a:gs pos="2917">
-                      <a:schemeClr val="tx1"/>
-                    </a:gs>
-                    <a:gs pos="30000">
-                      <a:schemeClr val="tx1"/>
-                    </a:gs>
-                  </a:gsLst>
-                  <a:lin ang="5400000" scaled="0"/>
-                </a:gradFill>
-              </a:rPr>
-              <a:t>6 </a:t>
-            </a:r>
-            <a:r>
-              <a:rPr lang="ja-JP" altLang="en-US" sz="2000" dirty="0" err="1">
-                <a:gradFill>
-                  <a:gsLst>
-                    <a:gs pos="2917">
-                      <a:schemeClr val="tx1"/>
-                    </a:gs>
-                    <a:gs pos="30000">
-                      <a:schemeClr val="tx1"/>
-                    </a:gs>
-                  </a:gsLst>
-                  <a:lin ang="5400000" scaled="0"/>
-                </a:gradFill>
-              </a:rPr>
-              <a:t>つの</a:t>
-            </a:r>
-            <a:r>
-              <a:rPr lang="ja-JP" altLang="en-US" sz="2000" dirty="0">
-                <a:gradFill>
-                  <a:gsLst>
-                    <a:gs pos="2917">
-                      <a:schemeClr val="tx1"/>
-                    </a:gs>
-                    <a:gs pos="30000">
-                      <a:schemeClr val="tx1"/>
-                    </a:gs>
-                  </a:gsLst>
-                  <a:lin ang="5400000" scaled="0"/>
-                </a:gradFill>
-              </a:rPr>
-              <a:t>テーマカラー</a:t>
-            </a:r>
-            <a:r>
-              <a:rPr lang="en-US" altLang="ja-JP" sz="2000" dirty="0">
-                <a:gradFill>
-                  <a:gsLst>
-                    <a:gs pos="2917">
-                      <a:schemeClr val="tx1"/>
-                    </a:gs>
-                    <a:gs pos="30000">
-                      <a:schemeClr val="tx1"/>
-                    </a:gs>
-                  </a:gsLst>
-                  <a:lin ang="5400000" scaled="0"/>
-                </a:gradFill>
-              </a:rPr>
-              <a:t>)</a:t>
-            </a:r>
-          </a:p>
-        </p:txBody>
-      </p:sp>
-      <p:grpSp>
-        <p:nvGrpSpPr>
-          <p:cNvPr id="15" name="Group 14">
-            <a:extLst>
-              <a:ext uri="{FF2B5EF4-FFF2-40B4-BE49-F238E27FC236}">
-                <a16:creationId xmlns:a16="http://schemas.microsoft.com/office/drawing/2014/main" id="{509718A0-B36D-471E-9E62-F5E04D360E36}"/>
-              </a:ext>
-            </a:extLst>
-          </p:cNvPr>
-          <p:cNvGrpSpPr/>
-          <p:nvPr/>
-        </p:nvGrpSpPr>
-        <p:grpSpPr>
-          <a:xfrm>
-            <a:off x="3751456" y="3577905"/>
-            <a:ext cx="6921056" cy="455867"/>
-            <a:chOff x="5099206" y="3872901"/>
-            <a:chExt cx="6165897" cy="363048"/>
-          </a:xfrm>
-        </p:grpSpPr>
-        <p:cxnSp>
-          <p:nvCxnSpPr>
-            <p:cNvPr id="16" name="Straight Connector 15">
-              <a:extLst>
-                <a:ext uri="{FF2B5EF4-FFF2-40B4-BE49-F238E27FC236}">
-                  <a16:creationId xmlns:a16="http://schemas.microsoft.com/office/drawing/2014/main" id="{06344F3E-38E9-4098-80FC-96736F781083}"/>
-                </a:ext>
-              </a:extLst>
-            </p:cNvPr>
-            <p:cNvCxnSpPr/>
-            <p:nvPr/>
-          </p:nvCxnSpPr>
-          <p:spPr>
-            <a:xfrm>
-              <a:off x="5104785" y="4099191"/>
-              <a:ext cx="6154739" cy="0"/>
-            </a:xfrm>
-            <a:prstGeom prst="line">
-              <a:avLst/>
-            </a:prstGeom>
-            <a:noFill/>
-            <a:ln>
-              <a:solidFill>
-                <a:schemeClr val="tx1"/>
-              </a:solidFill>
-              <a:headEnd type="arrow" w="med" len="med"/>
-              <a:tailEnd type="arrow" w="med" len="med"/>
-            </a:ln>
-            <a:effectLst/>
-          </p:spPr>
-          <p:style>
-            <a:lnRef idx="1">
-              <a:schemeClr val="accent2"/>
-            </a:lnRef>
-            <a:fillRef idx="3">
-              <a:schemeClr val="accent2"/>
-            </a:fillRef>
-            <a:effectRef idx="2">
-              <a:schemeClr val="accent2"/>
-            </a:effectRef>
-            <a:fontRef idx="minor">
-              <a:schemeClr val="lt1"/>
-            </a:fontRef>
-          </p:style>
-        </p:cxnSp>
-        <p:cxnSp>
-          <p:nvCxnSpPr>
-            <p:cNvPr id="17" name="Straight Connector 16">
-              <a:extLst>
-                <a:ext uri="{FF2B5EF4-FFF2-40B4-BE49-F238E27FC236}">
-                  <a16:creationId xmlns:a16="http://schemas.microsoft.com/office/drawing/2014/main" id="{E5449B2A-99CA-4D50-9507-C229AB865FE4}"/>
-                </a:ext>
-              </a:extLst>
-            </p:cNvPr>
-            <p:cNvCxnSpPr/>
-            <p:nvPr/>
-          </p:nvCxnSpPr>
-          <p:spPr>
-            <a:xfrm>
-              <a:off x="5099206" y="3872901"/>
-              <a:ext cx="0" cy="363047"/>
-            </a:xfrm>
-            <a:prstGeom prst="line">
-              <a:avLst/>
-            </a:prstGeom>
-            <a:ln>
-              <a:solidFill>
-                <a:schemeClr val="tx1"/>
-              </a:solidFill>
-            </a:ln>
-          </p:spPr>
-          <p:style>
-            <a:lnRef idx="1">
-              <a:schemeClr val="accent1"/>
-            </a:lnRef>
-            <a:fillRef idx="0">
-              <a:schemeClr val="accent1"/>
-            </a:fillRef>
-            <a:effectRef idx="0">
-              <a:schemeClr val="accent1"/>
-            </a:effectRef>
-            <a:fontRef idx="minor">
-              <a:schemeClr val="tx1"/>
-            </a:fontRef>
-          </p:style>
-        </p:cxnSp>
-        <p:cxnSp>
-          <p:nvCxnSpPr>
-            <p:cNvPr id="18" name="Straight Connector 17">
-              <a:extLst>
-                <a:ext uri="{FF2B5EF4-FFF2-40B4-BE49-F238E27FC236}">
-                  <a16:creationId xmlns:a16="http://schemas.microsoft.com/office/drawing/2014/main" id="{5C637243-6252-4488-822E-F303674B2CEA}"/>
-                </a:ext>
-              </a:extLst>
-            </p:cNvPr>
-            <p:cNvCxnSpPr/>
-            <p:nvPr/>
-          </p:nvCxnSpPr>
-          <p:spPr>
-            <a:xfrm>
-              <a:off x="11265103" y="3872902"/>
-              <a:ext cx="0" cy="363047"/>
-            </a:xfrm>
-            <a:prstGeom prst="line">
-              <a:avLst/>
-            </a:prstGeom>
-            <a:ln>
-              <a:solidFill>
-                <a:schemeClr val="tx1"/>
-              </a:solidFill>
-            </a:ln>
-          </p:spPr>
-          <p:style>
-            <a:lnRef idx="1">
-              <a:schemeClr val="accent1"/>
-            </a:lnRef>
-            <a:fillRef idx="0">
-              <a:schemeClr val="accent1"/>
-            </a:fillRef>
-            <a:effectRef idx="0">
-              <a:schemeClr val="accent1"/>
-            </a:effectRef>
-            <a:fontRef idx="minor">
-              <a:schemeClr val="tx1"/>
-            </a:fontRef>
-          </p:style>
-        </p:cxnSp>
-      </p:grpSp>
-      <p:sp>
-        <p:nvSpPr>
-          <p:cNvPr id="19" name="Text Placeholder 2">
-            <a:extLst>
-              <a:ext uri="{FF2B5EF4-FFF2-40B4-BE49-F238E27FC236}">
-                <a16:creationId xmlns:a16="http://schemas.microsoft.com/office/drawing/2014/main" id="{F56C458A-82FF-46EA-86D5-E0CE6B0F2900}"/>
-              </a:ext>
-            </a:extLst>
-          </p:cNvPr>
-          <p:cNvSpPr txBox="1">
-            <a:spLocks/>
-          </p:cNvSpPr>
-          <p:nvPr/>
-        </p:nvSpPr>
-        <p:spPr>
-          <a:xfrm>
-            <a:off x="3751456" y="5601424"/>
-            <a:ext cx="3618909" cy="738664"/>
-          </a:xfrm>
-          <a:prstGeom prst="rect">
-            <a:avLst/>
-          </a:prstGeom>
-        </p:spPr>
-        <p:txBody>
-          <a:bodyPr vert="horz" wrap="square" lIns="182880" tIns="0" rIns="182880" bIns="0" rtlCol="0">
-            <a:spAutoFit/>
-          </a:bodyPr>
-          <a:lstStyle>
-            <a:lvl1pPr marL="0" marR="0" indent="0" algn="l" defTabSz="914363" rtl="0" eaLnBrk="1" fontAlgn="auto" latinLnBrk="0" hangingPunct="1">
-              <a:lnSpc>
-                <a:spcPct val="90000"/>
-              </a:lnSpc>
-              <a:spcBef>
-                <a:spcPts val="2400"/>
-              </a:spcBef>
-              <a:spcAft>
-                <a:spcPts val="0"/>
-              </a:spcAft>
-              <a:buClrTx/>
-              <a:buSzPct val="90000"/>
-              <a:buFont typeface="Arial" pitchFamily="34" charset="0"/>
-              <a:buNone/>
-              <a:tabLst/>
-              <a:defRPr sz="4000" kern="1200" spc="-70" baseline="0">
-                <a:gradFill>
-                  <a:gsLst>
-                    <a:gs pos="100000">
-                      <a:schemeClr val="tx2"/>
-                    </a:gs>
-                    <a:gs pos="0">
-                      <a:schemeClr val="tx2"/>
-                    </a:gs>
-                  </a:gsLst>
-                  <a:lin ang="5400000" scaled="0"/>
-                </a:gradFill>
-                <a:latin typeface="+mj-lt"/>
-                <a:ea typeface="+mn-ea"/>
-                <a:cs typeface="+mn-cs"/>
-              </a:defRPr>
-            </a:lvl1pPr>
-            <a:lvl2pPr marL="0" marR="0" indent="0" algn="l" defTabSz="914363" rtl="0" eaLnBrk="1" fontAlgn="auto" latinLnBrk="0" hangingPunct="1">
-              <a:lnSpc>
-                <a:spcPct val="90000"/>
-              </a:lnSpc>
-              <a:spcBef>
-                <a:spcPct val="20000"/>
-              </a:spcBef>
-              <a:spcAft>
-                <a:spcPts val="0"/>
-              </a:spcAft>
-              <a:buClrTx/>
-              <a:buSzPct val="90000"/>
-              <a:buFont typeface="Wingdings" pitchFamily="2" charset="2"/>
-              <a:buNone/>
-              <a:tabLst/>
-              <a:defRPr sz="2000" kern="1200" spc="0" baseline="0">
-                <a:gradFill>
-                  <a:gsLst>
-                    <a:gs pos="100000">
-                      <a:schemeClr val="tx1"/>
-                    </a:gs>
-                    <a:gs pos="6000">
-                      <a:schemeClr val="tx1"/>
-                    </a:gs>
-                  </a:gsLst>
-                  <a:lin ang="5400000" scaled="0"/>
-                </a:gradFill>
-                <a:latin typeface="+mn-lt"/>
-                <a:ea typeface="+mn-ea"/>
-                <a:cs typeface="+mn-cs"/>
-              </a:defRPr>
-            </a:lvl2pPr>
-            <a:lvl3pPr marL="231775" marR="0" indent="0" algn="l" defTabSz="914363" rtl="0" eaLnBrk="1" fontAlgn="auto" latinLnBrk="0" hangingPunct="1">
-              <a:lnSpc>
-                <a:spcPct val="90000"/>
-              </a:lnSpc>
-              <a:spcBef>
-                <a:spcPct val="20000"/>
-              </a:spcBef>
-              <a:spcAft>
-                <a:spcPts val="0"/>
-              </a:spcAft>
-              <a:buClrTx/>
-              <a:buSzPct val="90000"/>
-              <a:buFont typeface="Wingdings" pitchFamily="2" charset="2"/>
-              <a:buNone/>
-              <a:tabLst>
-                <a:tab pos="798513" algn="l"/>
-              </a:tabLst>
-              <a:defRPr sz="2000" kern="1200" spc="0" baseline="0">
-                <a:gradFill>
-                  <a:gsLst>
-                    <a:gs pos="100000">
-                      <a:schemeClr val="tx1"/>
-                    </a:gs>
-                    <a:gs pos="6000">
-                      <a:schemeClr val="tx1"/>
-                    </a:gs>
-                  </a:gsLst>
-                  <a:lin ang="5400000" scaled="0"/>
-                </a:gradFill>
-                <a:latin typeface="+mn-lt"/>
-                <a:ea typeface="+mn-ea"/>
-                <a:cs typeface="+mn-cs"/>
-              </a:defRPr>
-            </a:lvl3pPr>
-            <a:lvl4pPr marL="457200" marR="0" indent="0" algn="l" defTabSz="914363" rtl="0" eaLnBrk="1" fontAlgn="auto" latinLnBrk="0" hangingPunct="1">
-              <a:lnSpc>
-                <a:spcPct val="90000"/>
-              </a:lnSpc>
-              <a:spcBef>
-                <a:spcPct val="20000"/>
-              </a:spcBef>
-              <a:spcAft>
-                <a:spcPts val="0"/>
-              </a:spcAft>
-              <a:buClrTx/>
-              <a:buSzPct val="90000"/>
-              <a:buFont typeface="Wingdings" pitchFamily="2" charset="2"/>
-              <a:buNone/>
-              <a:tabLst/>
-              <a:defRPr sz="2000" kern="1200" spc="0" baseline="0">
-                <a:gradFill>
-                  <a:gsLst>
-                    <a:gs pos="100000">
-                      <a:schemeClr val="tx1"/>
-                    </a:gs>
-                    <a:gs pos="6000">
-                      <a:schemeClr val="tx1"/>
-                    </a:gs>
-                  </a:gsLst>
-                  <a:lin ang="5400000" scaled="0"/>
-                </a:gradFill>
-                <a:latin typeface="+mn-lt"/>
-                <a:ea typeface="+mn-ea"/>
-                <a:cs typeface="+mn-cs"/>
-              </a:defRPr>
-            </a:lvl4pPr>
-            <a:lvl5pPr marL="693738" marR="0" indent="0" algn="l" defTabSz="914363" rtl="0" eaLnBrk="1" fontAlgn="auto" latinLnBrk="0" hangingPunct="1">
-              <a:lnSpc>
-                <a:spcPct val="90000"/>
-              </a:lnSpc>
-              <a:spcBef>
-                <a:spcPct val="20000"/>
-              </a:spcBef>
-              <a:spcAft>
-                <a:spcPts val="0"/>
-              </a:spcAft>
-              <a:buClrTx/>
-              <a:buSzPct val="90000"/>
-              <a:buFont typeface="Wingdings" pitchFamily="2" charset="2"/>
-              <a:buNone/>
-              <a:tabLst>
-                <a:tab pos="1255713" algn="l"/>
-              </a:tabLst>
-              <a:defRPr sz="2000" kern="1200" spc="0" baseline="0">
-                <a:gradFill>
-                  <a:gsLst>
-                    <a:gs pos="100000">
-                      <a:schemeClr val="tx1"/>
-                    </a:gs>
-                    <a:gs pos="6000">
-                      <a:schemeClr val="tx1"/>
-                    </a:gs>
-                  </a:gsLst>
-                  <a:lin ang="5400000" scaled="0"/>
-                </a:gradFill>
-                <a:latin typeface="+mn-lt"/>
-                <a:ea typeface="+mn-ea"/>
-                <a:cs typeface="+mn-cs"/>
-              </a:defRPr>
-            </a:lvl5pPr>
-            <a:lvl6pPr marL="2514499" indent="-228591" algn="l" defTabSz="914363" rtl="0" eaLnBrk="1" latinLnBrk="0" hangingPunct="1">
-              <a:spcBef>
-                <a:spcPct val="20000"/>
-              </a:spcBef>
-              <a:buFont typeface="Arial" pitchFamily="34" charset="0"/>
-              <a:buChar char="•"/>
-              <a:defRPr sz="2000" kern="1200">
-                <a:solidFill>
-                  <a:schemeClr val="tx1"/>
-                </a:solidFill>
-                <a:latin typeface="+mn-lt"/>
-                <a:ea typeface="+mn-ea"/>
-                <a:cs typeface="+mn-cs"/>
-              </a:defRPr>
-            </a:lvl6pPr>
-            <a:lvl7pPr marL="2971681" indent="-228591" algn="l" defTabSz="914363" rtl="0" eaLnBrk="1" latinLnBrk="0" hangingPunct="1">
-              <a:spcBef>
-                <a:spcPct val="20000"/>
-              </a:spcBef>
-              <a:buFont typeface="Arial" pitchFamily="34" charset="0"/>
-              <a:buChar char="•"/>
-              <a:defRPr sz="2000" kern="1200">
-                <a:solidFill>
-                  <a:schemeClr val="tx1"/>
-                </a:solidFill>
-                <a:latin typeface="+mn-lt"/>
-                <a:ea typeface="+mn-ea"/>
-                <a:cs typeface="+mn-cs"/>
-              </a:defRPr>
-            </a:lvl7pPr>
-            <a:lvl8pPr marL="3428863" indent="-228591" algn="l" defTabSz="914363" rtl="0" eaLnBrk="1" latinLnBrk="0" hangingPunct="1">
-              <a:spcBef>
-                <a:spcPct val="20000"/>
-              </a:spcBef>
-              <a:buFont typeface="Arial" pitchFamily="34" charset="0"/>
-              <a:buChar char="•"/>
-              <a:defRPr sz="2000" kern="1200">
-                <a:solidFill>
-                  <a:schemeClr val="tx1"/>
-                </a:solidFill>
-                <a:latin typeface="+mn-lt"/>
-                <a:ea typeface="+mn-ea"/>
-                <a:cs typeface="+mn-cs"/>
-              </a:defRPr>
-            </a:lvl8pPr>
-            <a:lvl9pPr marL="3886045" indent="-228591" algn="l" defTabSz="914363" rtl="0" eaLnBrk="1" latinLnBrk="0" hangingPunct="1">
-              <a:spcBef>
-                <a:spcPct val="20000"/>
-              </a:spcBef>
-              <a:buFont typeface="Arial" pitchFamily="34" charset="0"/>
-              <a:buChar char="•"/>
-              <a:defRPr sz="2000" kern="1200">
-                <a:solidFill>
-                  <a:schemeClr val="tx1"/>
-                </a:solidFill>
-                <a:latin typeface="+mn-lt"/>
-                <a:ea typeface="+mn-ea"/>
-                <a:cs typeface="+mn-cs"/>
-              </a:defRPr>
-            </a:lvl9pPr>
-          </a:lstStyle>
-          <a:p>
-            <a:pPr>
-              <a:lnSpc>
-                <a:spcPct val="100000"/>
-              </a:lnSpc>
-            </a:pPr>
-            <a:r>
-              <a:rPr lang="en-US" altLang="ja-JP" sz="1600" b="1" dirty="0">
-                <a:gradFill>
-                  <a:gsLst>
-                    <a:gs pos="2917">
-                      <a:schemeClr val="tx1"/>
-                    </a:gs>
-                    <a:gs pos="30000">
-                      <a:schemeClr val="tx1"/>
-                    </a:gs>
-                  </a:gsLst>
-                  <a:lin ang="5400000" scaled="0"/>
-                </a:gradFill>
-                <a:latin typeface="+mn-lt"/>
-              </a:rPr>
-              <a:t>Accent 1 </a:t>
-            </a:r>
-            <a:r>
-              <a:rPr lang="ja-JP" altLang="en-US" sz="1600" dirty="0">
-                <a:gradFill>
-                  <a:gsLst>
-                    <a:gs pos="2917">
-                      <a:schemeClr val="tx1"/>
-                    </a:gs>
-                    <a:gs pos="30000">
-                      <a:schemeClr val="tx1"/>
-                    </a:gs>
-                  </a:gsLst>
-                  <a:lin ang="5400000" scaled="0"/>
-                </a:gradFill>
-                <a:latin typeface="+mn-lt"/>
-              </a:rPr>
-              <a:t>をメインアクセントカラーとして使う。</a:t>
-            </a:r>
-            <a:r>
-              <a:rPr lang="en-US" altLang="ja-JP" sz="1600" b="1" dirty="0">
-                <a:gradFill>
-                  <a:gsLst>
-                    <a:gs pos="2917">
-                      <a:schemeClr val="tx1"/>
-                    </a:gs>
-                    <a:gs pos="30000">
-                      <a:schemeClr val="tx1"/>
-                    </a:gs>
-                  </a:gsLst>
-                  <a:lin ang="5400000" scaled="0"/>
-                </a:gradFill>
-                <a:latin typeface="+mn-lt"/>
-              </a:rPr>
-              <a:t>Accent</a:t>
-            </a:r>
-            <a:r>
-              <a:rPr lang="ja-JP" altLang="en-US" sz="1600" b="1" dirty="0">
-                <a:gradFill>
-                  <a:gsLst>
-                    <a:gs pos="2917">
-                      <a:schemeClr val="tx1"/>
-                    </a:gs>
-                    <a:gs pos="30000">
-                      <a:schemeClr val="tx1"/>
-                    </a:gs>
-                  </a:gsLst>
-                  <a:lin ang="5400000" scaled="0"/>
-                </a:gradFill>
-                <a:latin typeface="+mn-lt"/>
-              </a:rPr>
-              <a:t> </a:t>
-            </a:r>
-            <a:r>
-              <a:rPr lang="en-US" altLang="ja-JP" sz="1600" b="1" dirty="0">
-                <a:gradFill>
-                  <a:gsLst>
-                    <a:gs pos="2917">
-                      <a:schemeClr val="tx1"/>
-                    </a:gs>
-                    <a:gs pos="30000">
-                      <a:schemeClr val="tx1"/>
-                    </a:gs>
-                  </a:gsLst>
-                  <a:lin ang="5400000" scaled="0"/>
-                </a:gradFill>
-                <a:latin typeface="+mn-lt"/>
-              </a:rPr>
-              <a:t>2</a:t>
-            </a:r>
-            <a:r>
-              <a:rPr lang="ja-JP" altLang="en-US" sz="1600" b="1" dirty="0">
-                <a:gradFill>
-                  <a:gsLst>
-                    <a:gs pos="2917">
-                      <a:schemeClr val="tx1"/>
-                    </a:gs>
-                    <a:gs pos="30000">
-                      <a:schemeClr val="tx1"/>
-                    </a:gs>
-                  </a:gsLst>
-                  <a:lin ang="5400000" scaled="0"/>
-                </a:gradFill>
-                <a:latin typeface="+mn-lt"/>
-              </a:rPr>
-              <a:t> </a:t>
-            </a:r>
-            <a:r>
-              <a:rPr lang="ja-JP" altLang="en-US" sz="1600" dirty="0">
-                <a:gradFill>
-                  <a:gsLst>
-                    <a:gs pos="2917">
-                      <a:schemeClr val="tx1"/>
-                    </a:gs>
-                    <a:gs pos="30000">
-                      <a:schemeClr val="tx1"/>
-                    </a:gs>
-                  </a:gsLst>
-                  <a:lin ang="5400000" scaled="0"/>
-                </a:gradFill>
-                <a:latin typeface="+mn-lt"/>
-              </a:rPr>
-              <a:t>と </a:t>
-            </a:r>
-            <a:r>
-              <a:rPr lang="en-US" altLang="ja-JP" sz="1600" b="1" dirty="0">
-                <a:gradFill>
-                  <a:gsLst>
-                    <a:gs pos="2917">
-                      <a:schemeClr val="tx1"/>
-                    </a:gs>
-                    <a:gs pos="30000">
-                      <a:schemeClr val="tx1"/>
-                    </a:gs>
-                  </a:gsLst>
-                  <a:lin ang="5400000" scaled="0"/>
-                </a:gradFill>
-                <a:latin typeface="+mn-lt"/>
-              </a:rPr>
-              <a:t>Accent</a:t>
-            </a:r>
-            <a:r>
-              <a:rPr lang="ja-JP" altLang="en-US" sz="1600" b="1" dirty="0">
-                <a:gradFill>
-                  <a:gsLst>
-                    <a:gs pos="2917">
-                      <a:schemeClr val="tx1"/>
-                    </a:gs>
-                    <a:gs pos="30000">
-                      <a:schemeClr val="tx1"/>
-                    </a:gs>
-                  </a:gsLst>
-                  <a:lin ang="5400000" scaled="0"/>
-                </a:gradFill>
-                <a:latin typeface="+mn-lt"/>
-              </a:rPr>
-              <a:t> </a:t>
-            </a:r>
-            <a:r>
-              <a:rPr lang="en-US" altLang="ja-JP" sz="1600" b="1" dirty="0">
-                <a:gradFill>
-                  <a:gsLst>
-                    <a:gs pos="2917">
-                      <a:schemeClr val="tx1"/>
-                    </a:gs>
-                    <a:gs pos="30000">
-                      <a:schemeClr val="tx1"/>
-                    </a:gs>
-                  </a:gsLst>
-                  <a:lin ang="5400000" scaled="0"/>
-                </a:gradFill>
-                <a:latin typeface="+mn-lt"/>
-              </a:rPr>
-              <a:t>3</a:t>
-            </a:r>
-            <a:r>
-              <a:rPr lang="ja-JP" altLang="en-US" sz="1600" b="1" dirty="0">
-                <a:gradFill>
-                  <a:gsLst>
-                    <a:gs pos="2917">
-                      <a:schemeClr val="tx1"/>
-                    </a:gs>
-                    <a:gs pos="30000">
-                      <a:schemeClr val="tx1"/>
-                    </a:gs>
-                  </a:gsLst>
-                  <a:lin ang="5400000" scaled="0"/>
-                </a:gradFill>
-                <a:latin typeface="+mn-lt"/>
-              </a:rPr>
-              <a:t> </a:t>
-            </a:r>
-            <a:r>
-              <a:rPr lang="ja-JP" altLang="en-US" sz="1600" dirty="0">
-                <a:gradFill>
-                  <a:gsLst>
-                    <a:gs pos="2917">
-                      <a:schemeClr val="tx1"/>
-                    </a:gs>
-                    <a:gs pos="30000">
-                      <a:schemeClr val="tx1"/>
-                    </a:gs>
-                  </a:gsLst>
-                  <a:lin ang="5400000" scaled="0"/>
-                </a:gradFill>
-                <a:latin typeface="+mn-lt"/>
-              </a:rPr>
-              <a:t>は、ほかの色が必要ならば使う。</a:t>
-            </a:r>
-            <a:endParaRPr lang="en-US" altLang="ja-JP" sz="1600" dirty="0">
-              <a:gradFill>
-                <a:gsLst>
-                  <a:gs pos="0">
-                    <a:schemeClr val="tx1"/>
-                  </a:gs>
-                  <a:gs pos="86000">
-                    <a:schemeClr val="tx1"/>
-                  </a:gs>
-                </a:gsLst>
-                <a:lin ang="5400000" scaled="0"/>
-              </a:gradFill>
-              <a:latin typeface="+mn-lt"/>
-            </a:endParaRPr>
-          </a:p>
-        </p:txBody>
-      </p:sp>
-      <p:grpSp>
-        <p:nvGrpSpPr>
-          <p:cNvPr id="20" name="Group 23">
-            <a:extLst>
-              <a:ext uri="{FF2B5EF4-FFF2-40B4-BE49-F238E27FC236}">
-                <a16:creationId xmlns:a16="http://schemas.microsoft.com/office/drawing/2014/main" id="{FF534718-04F9-4C5B-B170-0B54FFC9A9F0}"/>
-              </a:ext>
-            </a:extLst>
-          </p:cNvPr>
-          <p:cNvGrpSpPr/>
-          <p:nvPr/>
-        </p:nvGrpSpPr>
-        <p:grpSpPr>
-          <a:xfrm>
-            <a:off x="1021544" y="2372892"/>
-            <a:ext cx="1915761" cy="1980987"/>
-            <a:chOff x="994929" y="2188508"/>
-            <a:chExt cx="1883885" cy="1942320"/>
-          </a:xfrm>
-        </p:grpSpPr>
-        <p:cxnSp>
-          <p:nvCxnSpPr>
-            <p:cNvPr id="21" name="Straight Connector 24">
-              <a:extLst>
-                <a:ext uri="{FF2B5EF4-FFF2-40B4-BE49-F238E27FC236}">
-                  <a16:creationId xmlns:a16="http://schemas.microsoft.com/office/drawing/2014/main" id="{3C3968AC-BF25-49F5-869E-C2FC9DAAA6D7}"/>
-                </a:ext>
-              </a:extLst>
-            </p:cNvPr>
-            <p:cNvCxnSpPr/>
-            <p:nvPr/>
-          </p:nvCxnSpPr>
-          <p:spPr>
-            <a:xfrm>
-              <a:off x="2878814" y="2188508"/>
-              <a:ext cx="0" cy="1942320"/>
-            </a:xfrm>
-            <a:prstGeom prst="line">
-              <a:avLst/>
-            </a:prstGeom>
-            <a:noFill/>
-            <a:ln>
-              <a:solidFill>
-                <a:srgbClr val="C00000"/>
-              </a:solidFill>
-              <a:headEnd type="none" w="med" len="med"/>
-              <a:tailEnd type="oval" w="med" len="med"/>
-            </a:ln>
-            <a:effectLst/>
-          </p:spPr>
-          <p:style>
-            <a:lnRef idx="1">
-              <a:schemeClr val="accent2"/>
-            </a:lnRef>
-            <a:fillRef idx="3">
-              <a:schemeClr val="accent2"/>
-            </a:fillRef>
-            <a:effectRef idx="2">
-              <a:schemeClr val="accent2"/>
-            </a:effectRef>
-            <a:fontRef idx="minor">
-              <a:schemeClr val="lt1"/>
-            </a:fontRef>
-          </p:style>
-        </p:cxnSp>
-        <p:sp>
-          <p:nvSpPr>
-            <p:cNvPr id="22" name="Freeform 25">
-              <a:extLst>
-                <a:ext uri="{FF2B5EF4-FFF2-40B4-BE49-F238E27FC236}">
-                  <a16:creationId xmlns:a16="http://schemas.microsoft.com/office/drawing/2014/main" id="{D6D7480E-DDEF-47C6-BFBF-90D360C8C14F}"/>
-                </a:ext>
-              </a:extLst>
-            </p:cNvPr>
-            <p:cNvSpPr/>
-            <p:nvPr/>
-          </p:nvSpPr>
-          <p:spPr bwMode="auto">
-            <a:xfrm>
-              <a:off x="994929" y="2188508"/>
-              <a:ext cx="1883885" cy="264405"/>
-            </a:xfrm>
-            <a:custGeom>
-              <a:avLst/>
-              <a:gdLst>
-                <a:gd name="connsiteX0" fmla="*/ 0 w 1883885"/>
-                <a:gd name="connsiteY0" fmla="*/ 264405 h 264405"/>
-                <a:gd name="connsiteX1" fmla="*/ 0 w 1883885"/>
-                <a:gd name="connsiteY1" fmla="*/ 0 h 264405"/>
-                <a:gd name="connsiteX2" fmla="*/ 1883885 w 1883885"/>
-                <a:gd name="connsiteY2" fmla="*/ 0 h 264405"/>
-              </a:gdLst>
-              <a:ahLst/>
-              <a:cxnLst>
-                <a:cxn ang="0">
-                  <a:pos x="connsiteX0" y="connsiteY0"/>
-                </a:cxn>
-                <a:cxn ang="0">
-                  <a:pos x="connsiteX1" y="connsiteY1"/>
-                </a:cxn>
-                <a:cxn ang="0">
-                  <a:pos x="connsiteX2" y="connsiteY2"/>
-                </a:cxn>
-              </a:cxnLst>
-              <a:rect l="l" t="t" r="r" b="b"/>
-              <a:pathLst>
-                <a:path w="1883885" h="264405">
-                  <a:moveTo>
-                    <a:pt x="0" y="264405"/>
-                  </a:moveTo>
-                  <a:lnTo>
-                    <a:pt x="0" y="0"/>
-                  </a:lnTo>
-                  <a:lnTo>
-                    <a:pt x="1883885" y="0"/>
-                  </a:lnTo>
-                </a:path>
-              </a:pathLst>
-            </a:custGeom>
-            <a:ln>
-              <a:solidFill>
-                <a:srgbClr val="C00000"/>
-              </a:solidFill>
-              <a:headEnd type="arrow"/>
-              <a:tailEnd type="none"/>
-            </a:ln>
-          </p:spPr>
-          <p:style>
-            <a:lnRef idx="1">
-              <a:schemeClr val="accent1"/>
-            </a:lnRef>
-            <a:fillRef idx="0">
-              <a:schemeClr val="accent1"/>
-            </a:fillRef>
-            <a:effectRef idx="0">
-              <a:schemeClr val="accent1"/>
-            </a:effectRef>
-            <a:fontRef idx="minor">
-              <a:schemeClr val="tx1"/>
-            </a:fontRef>
-          </p:style>
-          <p:txBody>
-            <a:bodyPr rtlCol="0" anchor="ctr"/>
-            <a:lstStyle/>
-            <a:p>
-              <a:pPr algn="ctr"/>
-              <a:endParaRPr lang="en-US"/>
-            </a:p>
-          </p:txBody>
-        </p:sp>
-      </p:grpSp>
-      <p:sp>
-        <p:nvSpPr>
-          <p:cNvPr id="23" name="Text Placeholder 2">
-            <a:extLst>
-              <a:ext uri="{FF2B5EF4-FFF2-40B4-BE49-F238E27FC236}">
-                <a16:creationId xmlns:a16="http://schemas.microsoft.com/office/drawing/2014/main" id="{745F4FAE-D80C-4372-BAE8-F34819FEC361}"/>
-              </a:ext>
-            </a:extLst>
-          </p:cNvPr>
-          <p:cNvSpPr txBox="1">
-            <a:spLocks/>
-          </p:cNvSpPr>
-          <p:nvPr/>
-        </p:nvSpPr>
-        <p:spPr>
-          <a:xfrm>
-            <a:off x="7823759" y="5500298"/>
-            <a:ext cx="3006124" cy="430887"/>
-          </a:xfrm>
-          <a:prstGeom prst="rect">
-            <a:avLst/>
-          </a:prstGeom>
-        </p:spPr>
-        <p:txBody>
-          <a:bodyPr vert="horz" wrap="square" lIns="0" tIns="0" rIns="0" bIns="0" rtlCol="0">
-            <a:spAutoFit/>
-          </a:bodyPr>
-          <a:lstStyle>
-            <a:lvl1pPr marL="0" marR="0" indent="0" algn="l" defTabSz="914363" rtl="0" eaLnBrk="1" fontAlgn="auto" latinLnBrk="0" hangingPunct="1">
-              <a:lnSpc>
-                <a:spcPct val="90000"/>
-              </a:lnSpc>
-              <a:spcBef>
-                <a:spcPts val="2400"/>
-              </a:spcBef>
-              <a:spcAft>
-                <a:spcPts val="0"/>
-              </a:spcAft>
-              <a:buClrTx/>
-              <a:buSzPct val="90000"/>
-              <a:buFont typeface="Arial" pitchFamily="34" charset="0"/>
-              <a:buNone/>
-              <a:tabLst/>
-              <a:defRPr sz="4000" kern="1200" spc="-70" baseline="0">
-                <a:gradFill>
-                  <a:gsLst>
-                    <a:gs pos="100000">
-                      <a:schemeClr val="tx2"/>
-                    </a:gs>
-                    <a:gs pos="0">
-                      <a:schemeClr val="tx2"/>
-                    </a:gs>
-                  </a:gsLst>
-                  <a:lin ang="5400000" scaled="0"/>
-                </a:gradFill>
-                <a:latin typeface="+mj-lt"/>
-                <a:ea typeface="+mn-ea"/>
-                <a:cs typeface="+mn-cs"/>
-              </a:defRPr>
-            </a:lvl1pPr>
-            <a:lvl2pPr marL="0" marR="0" indent="0" algn="l" defTabSz="914363" rtl="0" eaLnBrk="1" fontAlgn="auto" latinLnBrk="0" hangingPunct="1">
-              <a:lnSpc>
-                <a:spcPct val="90000"/>
-              </a:lnSpc>
-              <a:spcBef>
-                <a:spcPct val="20000"/>
-              </a:spcBef>
-              <a:spcAft>
-                <a:spcPts val="0"/>
-              </a:spcAft>
-              <a:buClrTx/>
-              <a:buSzPct val="90000"/>
-              <a:buFont typeface="Wingdings" pitchFamily="2" charset="2"/>
-              <a:buNone/>
-              <a:tabLst/>
-              <a:defRPr sz="2000" kern="1200" spc="0" baseline="0">
-                <a:gradFill>
-                  <a:gsLst>
-                    <a:gs pos="100000">
-                      <a:schemeClr val="tx1"/>
-                    </a:gs>
-                    <a:gs pos="6000">
-                      <a:schemeClr val="tx1"/>
-                    </a:gs>
-                  </a:gsLst>
-                  <a:lin ang="5400000" scaled="0"/>
-                </a:gradFill>
-                <a:latin typeface="+mn-lt"/>
-                <a:ea typeface="+mn-ea"/>
-                <a:cs typeface="+mn-cs"/>
-              </a:defRPr>
-            </a:lvl2pPr>
-            <a:lvl3pPr marL="231775" marR="0" indent="0" algn="l" defTabSz="914363" rtl="0" eaLnBrk="1" fontAlgn="auto" latinLnBrk="0" hangingPunct="1">
-              <a:lnSpc>
-                <a:spcPct val="90000"/>
-              </a:lnSpc>
-              <a:spcBef>
-                <a:spcPct val="20000"/>
-              </a:spcBef>
-              <a:spcAft>
-                <a:spcPts val="0"/>
-              </a:spcAft>
-              <a:buClrTx/>
-              <a:buSzPct val="90000"/>
-              <a:buFont typeface="Wingdings" pitchFamily="2" charset="2"/>
-              <a:buNone/>
-              <a:tabLst>
-                <a:tab pos="798513" algn="l"/>
-              </a:tabLst>
-              <a:defRPr sz="2000" kern="1200" spc="0" baseline="0">
-                <a:gradFill>
-                  <a:gsLst>
-                    <a:gs pos="100000">
-                      <a:schemeClr val="tx1"/>
-                    </a:gs>
-                    <a:gs pos="6000">
-                      <a:schemeClr val="tx1"/>
-                    </a:gs>
-                  </a:gsLst>
-                  <a:lin ang="5400000" scaled="0"/>
-                </a:gradFill>
-                <a:latin typeface="+mn-lt"/>
-                <a:ea typeface="+mn-ea"/>
-                <a:cs typeface="+mn-cs"/>
-              </a:defRPr>
-            </a:lvl3pPr>
-            <a:lvl4pPr marL="457200" marR="0" indent="0" algn="l" defTabSz="914363" rtl="0" eaLnBrk="1" fontAlgn="auto" latinLnBrk="0" hangingPunct="1">
-              <a:lnSpc>
-                <a:spcPct val="90000"/>
-              </a:lnSpc>
-              <a:spcBef>
-                <a:spcPct val="20000"/>
-              </a:spcBef>
-              <a:spcAft>
-                <a:spcPts val="0"/>
-              </a:spcAft>
-              <a:buClrTx/>
-              <a:buSzPct val="90000"/>
-              <a:buFont typeface="Wingdings" pitchFamily="2" charset="2"/>
-              <a:buNone/>
-              <a:tabLst/>
-              <a:defRPr sz="2000" kern="1200" spc="0" baseline="0">
-                <a:gradFill>
-                  <a:gsLst>
-                    <a:gs pos="100000">
-                      <a:schemeClr val="tx1"/>
-                    </a:gs>
-                    <a:gs pos="6000">
-                      <a:schemeClr val="tx1"/>
-                    </a:gs>
-                  </a:gsLst>
-                  <a:lin ang="5400000" scaled="0"/>
-                </a:gradFill>
-                <a:latin typeface="+mn-lt"/>
-                <a:ea typeface="+mn-ea"/>
-                <a:cs typeface="+mn-cs"/>
-              </a:defRPr>
-            </a:lvl4pPr>
-            <a:lvl5pPr marL="693738" marR="0" indent="0" algn="l" defTabSz="914363" rtl="0" eaLnBrk="1" fontAlgn="auto" latinLnBrk="0" hangingPunct="1">
-              <a:lnSpc>
-                <a:spcPct val="90000"/>
-              </a:lnSpc>
-              <a:spcBef>
-                <a:spcPct val="20000"/>
-              </a:spcBef>
-              <a:spcAft>
-                <a:spcPts val="0"/>
-              </a:spcAft>
-              <a:buClrTx/>
-              <a:buSzPct val="90000"/>
-              <a:buFont typeface="Wingdings" pitchFamily="2" charset="2"/>
-              <a:buNone/>
-              <a:tabLst>
-                <a:tab pos="1255713" algn="l"/>
-              </a:tabLst>
-              <a:defRPr sz="2000" kern="1200" spc="0" baseline="0">
-                <a:gradFill>
-                  <a:gsLst>
-                    <a:gs pos="100000">
-                      <a:schemeClr val="tx1"/>
-                    </a:gs>
-                    <a:gs pos="6000">
-                      <a:schemeClr val="tx1"/>
-                    </a:gs>
-                  </a:gsLst>
-                  <a:lin ang="5400000" scaled="0"/>
-                </a:gradFill>
-                <a:latin typeface="+mn-lt"/>
-                <a:ea typeface="+mn-ea"/>
-                <a:cs typeface="+mn-cs"/>
-              </a:defRPr>
-            </a:lvl5pPr>
-            <a:lvl6pPr marL="2514499" indent="-228591" algn="l" defTabSz="914363" rtl="0" eaLnBrk="1" latinLnBrk="0" hangingPunct="1">
-              <a:spcBef>
-                <a:spcPct val="20000"/>
-              </a:spcBef>
-              <a:buFont typeface="Arial" pitchFamily="34" charset="0"/>
-              <a:buChar char="•"/>
-              <a:defRPr sz="2000" kern="1200">
-                <a:solidFill>
-                  <a:schemeClr val="tx1"/>
-                </a:solidFill>
-                <a:latin typeface="+mn-lt"/>
-                <a:ea typeface="+mn-ea"/>
-                <a:cs typeface="+mn-cs"/>
-              </a:defRPr>
-            </a:lvl6pPr>
-            <a:lvl7pPr marL="2971681" indent="-228591" algn="l" defTabSz="914363" rtl="0" eaLnBrk="1" latinLnBrk="0" hangingPunct="1">
-              <a:spcBef>
-                <a:spcPct val="20000"/>
-              </a:spcBef>
-              <a:buFont typeface="Arial" pitchFamily="34" charset="0"/>
-              <a:buChar char="•"/>
-              <a:defRPr sz="2000" kern="1200">
-                <a:solidFill>
-                  <a:schemeClr val="tx1"/>
-                </a:solidFill>
-                <a:latin typeface="+mn-lt"/>
-                <a:ea typeface="+mn-ea"/>
-                <a:cs typeface="+mn-cs"/>
-              </a:defRPr>
-            </a:lvl7pPr>
-            <a:lvl8pPr marL="3428863" indent="-228591" algn="l" defTabSz="914363" rtl="0" eaLnBrk="1" latinLnBrk="0" hangingPunct="1">
-              <a:spcBef>
-                <a:spcPct val="20000"/>
-              </a:spcBef>
-              <a:buFont typeface="Arial" pitchFamily="34" charset="0"/>
-              <a:buChar char="•"/>
-              <a:defRPr sz="2000" kern="1200">
-                <a:solidFill>
-                  <a:schemeClr val="tx1"/>
-                </a:solidFill>
-                <a:latin typeface="+mn-lt"/>
-                <a:ea typeface="+mn-ea"/>
-                <a:cs typeface="+mn-cs"/>
-              </a:defRPr>
-            </a:lvl8pPr>
-            <a:lvl9pPr marL="3886045" indent="-228591" algn="l" defTabSz="914363" rtl="0" eaLnBrk="1" latinLnBrk="0" hangingPunct="1">
-              <a:spcBef>
-                <a:spcPct val="20000"/>
-              </a:spcBef>
-              <a:buFont typeface="Arial" pitchFamily="34" charset="0"/>
-              <a:buChar char="•"/>
-              <a:defRPr sz="2000" kern="1200">
-                <a:solidFill>
-                  <a:schemeClr val="tx1"/>
-                </a:solidFill>
-                <a:latin typeface="+mn-lt"/>
-                <a:ea typeface="+mn-ea"/>
-                <a:cs typeface="+mn-cs"/>
-              </a:defRPr>
-            </a:lvl9pPr>
-          </a:lstStyle>
-          <a:p>
-            <a:pPr>
-              <a:lnSpc>
-                <a:spcPct val="100000"/>
-              </a:lnSpc>
-            </a:pPr>
-            <a:r>
-              <a:rPr lang="en-US" altLang="ja-JP" sz="1400" b="1" dirty="0">
-                <a:gradFill>
-                  <a:gsLst>
-                    <a:gs pos="0">
-                      <a:schemeClr val="tx1"/>
-                    </a:gs>
-                    <a:gs pos="86000">
-                      <a:schemeClr val="tx1"/>
-                    </a:gs>
-                  </a:gsLst>
-                  <a:lin ang="5400000" scaled="0"/>
-                </a:gradFill>
-                <a:latin typeface="+mn-lt"/>
-              </a:rPr>
-              <a:t>Accents 4 - 6 </a:t>
-            </a:r>
-            <a:r>
-              <a:rPr lang="ja-JP" altLang="en-US" sz="1400" dirty="0">
-                <a:gradFill>
-                  <a:gsLst>
-                    <a:gs pos="0">
-                      <a:schemeClr val="tx1"/>
-                    </a:gs>
-                    <a:gs pos="86000">
-                      <a:schemeClr val="tx1"/>
-                    </a:gs>
-                  </a:gsLst>
-                  <a:lin ang="5400000" scaled="0"/>
-                </a:gradFill>
-                <a:latin typeface="+mn-lt"/>
-              </a:rPr>
-              <a:t>は予備</a:t>
-            </a:r>
-            <a:br>
-              <a:rPr lang="en-US" altLang="ja-JP" sz="1400" dirty="0">
-                <a:gradFill>
-                  <a:gsLst>
-                    <a:gs pos="0">
-                      <a:schemeClr val="tx1"/>
-                    </a:gs>
-                    <a:gs pos="86000">
-                      <a:schemeClr val="tx1"/>
-                    </a:gs>
-                  </a:gsLst>
-                  <a:lin ang="5400000" scaled="0"/>
-                </a:gradFill>
-                <a:latin typeface="+mn-lt"/>
-              </a:rPr>
-            </a:br>
-            <a:r>
-              <a:rPr lang="ja-JP" altLang="en-US" sz="1400" dirty="0">
-                <a:gradFill>
-                  <a:gsLst>
-                    <a:gs pos="0">
-                      <a:schemeClr val="tx1"/>
-                    </a:gs>
-                    <a:gs pos="86000">
-                      <a:schemeClr val="tx1"/>
-                    </a:gs>
-                  </a:gsLst>
-                  <a:lin ang="5400000" scaled="0"/>
-                </a:gradFill>
-                <a:latin typeface="+mn-lt"/>
-              </a:rPr>
-              <a:t>もしほかの色が必要な場合は使う。</a:t>
-            </a:r>
-            <a:endParaRPr lang="en-US" altLang="ja-JP" sz="1400" dirty="0">
-              <a:gradFill>
-                <a:gsLst>
-                  <a:gs pos="0">
-                    <a:schemeClr val="tx1"/>
-                  </a:gs>
-                  <a:gs pos="86000">
-                    <a:schemeClr val="tx1"/>
-                  </a:gs>
-                </a:gsLst>
-                <a:lin ang="5400000" scaled="0"/>
-              </a:gradFill>
-              <a:latin typeface="+mn-lt"/>
-            </a:endParaRPr>
-          </a:p>
-        </p:txBody>
-      </p:sp>
-      <p:cxnSp>
-        <p:nvCxnSpPr>
-          <p:cNvPr id="24" name="Straight Arrow Connector 11">
-            <a:extLst>
-              <a:ext uri="{FF2B5EF4-FFF2-40B4-BE49-F238E27FC236}">
-                <a16:creationId xmlns:a16="http://schemas.microsoft.com/office/drawing/2014/main" id="{F6CCE8E2-3294-45D8-ADCB-77BE445EA566}"/>
-              </a:ext>
-            </a:extLst>
-          </p:cNvPr>
-          <p:cNvCxnSpPr/>
-          <p:nvPr/>
-        </p:nvCxnSpPr>
-        <p:spPr>
-          <a:xfrm>
-            <a:off x="1021544" y="2057102"/>
-            <a:ext cx="0" cy="414394"/>
-          </a:xfrm>
-          <a:prstGeom prst="straightConnector1">
-            <a:avLst/>
-          </a:prstGeom>
-          <a:ln>
-            <a:solidFill>
-              <a:srgbClr val="C00000"/>
-            </a:solidFill>
-            <a:headEnd type="arrow"/>
-            <a:tailEnd type="none"/>
-          </a:ln>
-        </p:spPr>
-        <p:style>
-          <a:lnRef idx="1">
-            <a:schemeClr val="accent1"/>
-          </a:lnRef>
-          <a:fillRef idx="0">
-            <a:schemeClr val="accent1"/>
-          </a:fillRef>
-          <a:effectRef idx="0">
-            <a:schemeClr val="accent1"/>
-          </a:effectRef>
-          <a:fontRef idx="minor">
-            <a:schemeClr val="tx1"/>
-          </a:fontRef>
-        </p:style>
-      </p:cxnSp>
-      <p:sp>
-        <p:nvSpPr>
-          <p:cNvPr id="25" name="四角形: 角を丸くする 24">
-            <a:extLst>
-              <a:ext uri="{FF2B5EF4-FFF2-40B4-BE49-F238E27FC236}">
-                <a16:creationId xmlns:a16="http://schemas.microsoft.com/office/drawing/2014/main" id="{2CDEBB82-ECFE-43F9-A320-0440C9AD1B1A}"/>
-              </a:ext>
-            </a:extLst>
-          </p:cNvPr>
-          <p:cNvSpPr/>
-          <p:nvPr/>
-        </p:nvSpPr>
-        <p:spPr bwMode="auto">
-          <a:xfrm>
-            <a:off x="792481" y="2940934"/>
-            <a:ext cx="1451380" cy="224925"/>
-          </a:xfrm>
-          <a:prstGeom prst="roundRect">
-            <a:avLst/>
-          </a:prstGeom>
-          <a:noFill/>
-          <a:ln w="38100">
-            <a:solidFill>
-              <a:srgbClr val="FF0000"/>
-            </a:solidFill>
-            <a:headEnd type="none" w="med" len="med"/>
-            <a:tailEnd type="none" w="med" len="med"/>
-          </a:ln>
-          <a:effectLst/>
-        </p:spPr>
-        <p:style>
-          <a:lnRef idx="1">
-            <a:schemeClr val="accent2"/>
-          </a:lnRef>
-          <a:fillRef idx="3">
-            <a:schemeClr val="accent2"/>
-          </a:fillRef>
-          <a:effectRef idx="2">
-            <a:schemeClr val="accent2"/>
-          </a:effectRef>
-          <a:fontRef idx="minor">
-            <a:schemeClr val="lt1"/>
-          </a:fontRef>
-        </p:style>
-        <p:txBody>
-          <a:bodyPr rot="0" spcFirstLastPara="0" vertOverflow="overflow" horzOverflow="overflow" vert="horz" wrap="square" lIns="182880" tIns="146304" rIns="182880" bIns="146304" numCol="1" spcCol="0" rtlCol="0" fromWordArt="0" anchor="t" anchorCtr="0" forceAA="0" compatLnSpc="1">
-            <a:prstTxWarp prst="textNoShape">
-              <a:avLst/>
-            </a:prstTxWarp>
-            <a:noAutofit/>
-          </a:bodyPr>
-          <a:lstStyle/>
-          <a:p>
-            <a:pPr algn="ctr" defTabSz="932472" fontAlgn="base">
-              <a:lnSpc>
-                <a:spcPct val="90000"/>
-              </a:lnSpc>
-              <a:spcBef>
-                <a:spcPct val="0"/>
-              </a:spcBef>
-              <a:spcAft>
-                <a:spcPct val="0"/>
-              </a:spcAft>
-            </a:pPr>
-            <a:endParaRPr kumimoji="1" lang="ja-JP" altLang="en-US" sz="2400" dirty="0" err="1">
-              <a:gradFill>
-                <a:gsLst>
-                  <a:gs pos="0">
-                    <a:srgbClr val="FFFFFF"/>
-                  </a:gs>
-                  <a:gs pos="100000">
-                    <a:srgbClr val="FFFFFF"/>
-                  </a:gs>
-                </a:gsLst>
-                <a:lin ang="5400000" scaled="0"/>
-              </a:gradFill>
-              <a:ea typeface="Segoe UI" pitchFamily="34" charset="0"/>
-              <a:cs typeface="Segoe UI" pitchFamily="34" charset="0"/>
-            </a:endParaRPr>
-          </a:p>
-        </p:txBody>
-      </p:sp>
-    </p:spTree>
-    <p:extLst>
-      <p:ext uri="{BB962C8B-B14F-4D97-AF65-F5344CB8AC3E}">
-        <p14:creationId xmlns:p14="http://schemas.microsoft.com/office/powerpoint/2010/main" val="1852041197"/>
-      </p:ext>
-    </p:extLst>
-  </p:cSld>
-  <p:clrMapOvr>
-    <a:masterClrMapping/>
-  </p:clrMapOvr>
-  <p:transition>
-    <p:fade/>
-  </p:transition>
-</p:sld>
-</file>
-
-<file path=ppt/slides/slide23.xml><?xml version="1.0" encoding="utf-8"?>
 <p:sld xmlns:a="http://schemas.openxmlformats.org/drawingml/2006/main" xmlns:r="http://schemas.openxmlformats.org/officeDocument/2006/relationships" xmlns:p="http://schemas.openxmlformats.org/presentationml/2006/main">
   <p:cSld>
     <p:spTree>
@@ -15164,7 +12065,7 @@
           <a:p>
             <a:r>
               <a:rPr kumimoji="1" lang="en-US" altLang="ja-JP" dirty="0"/>
-              <a:t>Section Name</a:t>
+              <a:t>Replication</a:t>
             </a:r>
             <a:endParaRPr kumimoji="1" lang="ja-JP" altLang="en-US" dirty="0"/>
           </a:p>
@@ -15173,7 +12074,7 @@
     </p:spTree>
     <p:extLst>
       <p:ext uri="{BB962C8B-B14F-4D97-AF65-F5344CB8AC3E}">
-        <p14:creationId xmlns:p14="http://schemas.microsoft.com/office/powerpoint/2010/main" val="3690709974"/>
+        <p14:creationId xmlns:p14="http://schemas.microsoft.com/office/powerpoint/2010/main" val="1160785212"/>
       </p:ext>
     </p:extLst>
   </p:cSld>
@@ -15183,6 +12084,339 @@
   <p:transition>
     <p:fade/>
   </p:transition>
+</p:sld>
+</file>
+
+<file path=ppt/slides/slide23.xml><?xml version="1.0" encoding="utf-8"?>
+<p:sld xmlns:a="http://schemas.openxmlformats.org/drawingml/2006/main" xmlns:r="http://schemas.openxmlformats.org/officeDocument/2006/relationships" xmlns:p="http://schemas.openxmlformats.org/presentationml/2006/main">
+  <p:cSld>
+    <p:spTree>
+      <p:nvGrpSpPr>
+        <p:cNvPr id="1" name=""/>
+        <p:cNvGrpSpPr/>
+        <p:nvPr/>
+      </p:nvGrpSpPr>
+      <p:grpSpPr>
+        <a:xfrm>
+          <a:off x="0" y="0"/>
+          <a:ext cx="0" cy="0"/>
+          <a:chOff x="0" y="0"/>
+          <a:chExt cx="0" cy="0"/>
+        </a:xfrm>
+      </p:grpSpPr>
+      <p:sp>
+        <p:nvSpPr>
+          <p:cNvPr id="2" name="タイトル 1">
+            <a:extLst>
+              <a:ext uri="{FF2B5EF4-FFF2-40B4-BE49-F238E27FC236}">
+                <a16:creationId xmlns:a16="http://schemas.microsoft.com/office/drawing/2014/main" id="{5A95598C-43C6-4FC3-A65A-7DB9427D39FD}"/>
+              </a:ext>
+            </a:extLst>
+          </p:cNvPr>
+          <p:cNvSpPr>
+            <a:spLocks noGrp="1"/>
+          </p:cNvSpPr>
+          <p:nvPr>
+            <p:ph type="title"/>
+          </p:nvPr>
+        </p:nvSpPr>
+        <p:spPr/>
+        <p:txBody>
+          <a:bodyPr/>
+          <a:lstStyle/>
+          <a:p>
+            <a:r>
+              <a:rPr kumimoji="1" lang="en-US" altLang="ja-JP" dirty="0"/>
+              <a:t>Replication</a:t>
+            </a:r>
+            <a:endParaRPr kumimoji="1" lang="ja-JP" altLang="en-US" dirty="0"/>
+          </a:p>
+        </p:txBody>
+      </p:sp>
+      <p:sp>
+        <p:nvSpPr>
+          <p:cNvPr id="3" name="テキスト プレースホルダー 2">
+            <a:extLst>
+              <a:ext uri="{FF2B5EF4-FFF2-40B4-BE49-F238E27FC236}">
+                <a16:creationId xmlns:a16="http://schemas.microsoft.com/office/drawing/2014/main" id="{F4DDF489-6D74-44D4-BBB0-40E19673E8C5}"/>
+              </a:ext>
+            </a:extLst>
+          </p:cNvPr>
+          <p:cNvSpPr>
+            <a:spLocks noGrp="1"/>
+          </p:cNvSpPr>
+          <p:nvPr>
+            <p:ph type="body" sz="quarter" idx="10"/>
+          </p:nvPr>
+        </p:nvSpPr>
+        <p:spPr>
+          <a:xfrm>
+            <a:off x="274638" y="1212850"/>
+            <a:ext cx="11887200" cy="2431435"/>
+          </a:xfrm>
+        </p:spPr>
+        <p:txBody>
+          <a:bodyPr/>
+          <a:lstStyle/>
+          <a:p>
+            <a:endParaRPr lang="en-US" altLang="ja-JP" dirty="0">
+              <a:solidFill>
+                <a:schemeClr val="tx1"/>
+              </a:solidFill>
+            </a:endParaRPr>
+          </a:p>
+          <a:p>
+            <a:r>
+              <a:rPr lang="en-US" altLang="ja-JP" sz="4800" dirty="0">
+                <a:solidFill>
+                  <a:schemeClr val="tx1"/>
+                </a:solidFill>
+              </a:rPr>
+              <a:t>You can choose additional regions...</a:t>
+            </a:r>
+          </a:p>
+          <a:p>
+            <a:endParaRPr lang="en-US" altLang="ja-JP" sz="4800" dirty="0">
+              <a:solidFill>
+                <a:schemeClr val="tx1"/>
+              </a:solidFill>
+            </a:endParaRPr>
+          </a:p>
+        </p:txBody>
+      </p:sp>
+      <p:pic>
+        <p:nvPicPr>
+          <p:cNvPr id="5" name="Picture 4">
+            <a:extLst>
+              <a:ext uri="{FF2B5EF4-FFF2-40B4-BE49-F238E27FC236}">
+                <a16:creationId xmlns:a16="http://schemas.microsoft.com/office/drawing/2014/main" id="{E3DF2ABB-D656-7A4B-ACFD-05DF64D00D2F}"/>
+              </a:ext>
+            </a:extLst>
+          </p:cNvPr>
+          <p:cNvPicPr>
+            <a:picLocks noChangeAspect="1"/>
+          </p:cNvPicPr>
+          <p:nvPr/>
+        </p:nvPicPr>
+        <p:blipFill>
+          <a:blip r:embed="rId2"/>
+          <a:stretch>
+            <a:fillRect/>
+          </a:stretch>
+        </p:blipFill>
+        <p:spPr>
+          <a:xfrm>
+            <a:off x="1393701" y="1409030"/>
+            <a:ext cx="8898292" cy="5469194"/>
+          </a:xfrm>
+          <a:prstGeom prst="rect">
+            <a:avLst/>
+          </a:prstGeom>
+        </p:spPr>
+      </p:pic>
+    </p:spTree>
+    <p:extLst>
+      <p:ext uri="{BB962C8B-B14F-4D97-AF65-F5344CB8AC3E}">
+        <p14:creationId xmlns:p14="http://schemas.microsoft.com/office/powerpoint/2010/main" val="2437019536"/>
+      </p:ext>
+    </p:extLst>
+  </p:cSld>
+  <p:clrMapOvr>
+    <a:masterClrMapping/>
+  </p:clrMapOvr>
+  <p:transition>
+    <p:fade/>
+  </p:transition>
+  <p:timing>
+    <p:tnLst>
+      <p:par>
+        <p:cTn id="1" dur="indefinite" restart="never" nodeType="tmRoot">
+          <p:childTnLst>
+            <p:seq concurrent="1" nextAc="seek">
+              <p:cTn id="2" dur="indefinite" nodeType="mainSeq">
+                <p:childTnLst>
+                  <p:par>
+                    <p:cTn id="3" fill="hold">
+                      <p:stCondLst>
+                        <p:cond delay="indefinite"/>
+                      </p:stCondLst>
+                      <p:childTnLst>
+                        <p:par>
+                          <p:cTn id="4" fill="hold">
+                            <p:stCondLst>
+                              <p:cond delay="0"/>
+                            </p:stCondLst>
+                            <p:childTnLst>
+                              <p:par>
+                                <p:cTn id="5" presetID="10" presetClass="entr" presetSubtype="0" fill="hold" nodeType="clickEffect">
+                                  <p:stCondLst>
+                                    <p:cond delay="0"/>
+                                  </p:stCondLst>
+                                  <p:childTnLst>
+                                    <p:set>
+                                      <p:cBhvr>
+                                        <p:cTn id="6" dur="1" fill="hold">
+                                          <p:stCondLst>
+                                            <p:cond delay="0"/>
+                                          </p:stCondLst>
+                                        </p:cTn>
+                                        <p:tgtEl>
+                                          <p:spTgt spid="3">
+                                            <p:txEl>
+                                              <p:pRg st="1" end="1"/>
+                                            </p:txEl>
+                                          </p:spTgt>
+                                        </p:tgtEl>
+                                        <p:attrNameLst>
+                                          <p:attrName>style.visibility</p:attrName>
+                                        </p:attrNameLst>
+                                      </p:cBhvr>
+                                      <p:to>
+                                        <p:strVal val="visible"/>
+                                      </p:to>
+                                    </p:set>
+                                    <p:animEffect transition="in" filter="fade">
+                                      <p:cBhvr>
+                                        <p:cTn id="7" dur="500"/>
+                                        <p:tgtEl>
+                                          <p:spTgt spid="3">
+                                            <p:txEl>
+                                              <p:pRg st="1" end="1"/>
+                                            </p:txEl>
+                                          </p:spTgt>
+                                        </p:tgtEl>
+                                      </p:cBhvr>
+                                    </p:animEffect>
+                                  </p:childTnLst>
+                                </p:cTn>
+                              </p:par>
+                            </p:childTnLst>
+                          </p:cTn>
+                        </p:par>
+                      </p:childTnLst>
+                    </p:cTn>
+                  </p:par>
+                  <p:par>
+                    <p:cTn id="8" fill="hold">
+                      <p:stCondLst>
+                        <p:cond delay="indefinite"/>
+                      </p:stCondLst>
+                      <p:childTnLst>
+                        <p:par>
+                          <p:cTn id="9" fill="hold">
+                            <p:stCondLst>
+                              <p:cond delay="0"/>
+                            </p:stCondLst>
+                            <p:childTnLst>
+                              <p:par>
+                                <p:cTn id="10" presetID="10" presetClass="entr" presetSubtype="0" fill="hold" nodeType="clickEffect">
+                                  <p:stCondLst>
+                                    <p:cond delay="0"/>
+                                  </p:stCondLst>
+                                  <p:childTnLst>
+                                    <p:set>
+                                      <p:cBhvr>
+                                        <p:cTn id="11" dur="1" fill="hold">
+                                          <p:stCondLst>
+                                            <p:cond delay="0"/>
+                                          </p:stCondLst>
+                                        </p:cTn>
+                                        <p:tgtEl>
+                                          <p:spTgt spid="5"/>
+                                        </p:tgtEl>
+                                        <p:attrNameLst>
+                                          <p:attrName>style.visibility</p:attrName>
+                                        </p:attrNameLst>
+                                      </p:cBhvr>
+                                      <p:to>
+                                        <p:strVal val="visible"/>
+                                      </p:to>
+                                    </p:set>
+                                    <p:animEffect transition="in" filter="fade">
+                                      <p:cBhvr>
+                                        <p:cTn id="12" dur="500"/>
+                                        <p:tgtEl>
+                                          <p:spTgt spid="5"/>
+                                        </p:tgtEl>
+                                      </p:cBhvr>
+                                    </p:animEffect>
+                                  </p:childTnLst>
+                                </p:cTn>
+                              </p:par>
+                              <p:par>
+                                <p:cTn id="13" presetID="10" presetClass="exit" presetSubtype="0" fill="hold" grpId="0" nodeType="withEffect">
+                                  <p:stCondLst>
+                                    <p:cond delay="0"/>
+                                  </p:stCondLst>
+                                  <p:childTnLst>
+                                    <p:animEffect transition="out" filter="fade">
+                                      <p:cBhvr>
+                                        <p:cTn id="14" dur="500"/>
+                                        <p:tgtEl>
+                                          <p:spTgt spid="3">
+                                            <p:txEl>
+                                              <p:pRg st="1" end="1"/>
+                                            </p:txEl>
+                                          </p:spTgt>
+                                        </p:tgtEl>
+                                      </p:cBhvr>
+                                    </p:animEffect>
+                                    <p:set>
+                                      <p:cBhvr>
+                                        <p:cTn id="15" dur="1" fill="hold">
+                                          <p:stCondLst>
+                                            <p:cond delay="499"/>
+                                          </p:stCondLst>
+                                        </p:cTn>
+                                        <p:tgtEl>
+                                          <p:spTgt spid="3">
+                                            <p:txEl>
+                                              <p:pRg st="1" end="1"/>
+                                            </p:txEl>
+                                          </p:spTgt>
+                                        </p:tgtEl>
+                                        <p:attrNameLst>
+                                          <p:attrName>style.visibility</p:attrName>
+                                        </p:attrNameLst>
+                                      </p:cBhvr>
+                                      <p:to>
+                                        <p:strVal val="hidden"/>
+                                      </p:to>
+                                    </p:set>
+                                  </p:childTnLst>
+                                </p:cTn>
+                              </p:par>
+                            </p:childTnLst>
+                          </p:cTn>
+                        </p:par>
+                      </p:childTnLst>
+                    </p:cTn>
+                  </p:par>
+                </p:childTnLst>
+              </p:cTn>
+              <p:prevCondLst>
+                <p:cond evt="onPrev" delay="0">
+                  <p:tgtEl>
+                    <p:sldTgt/>
+                  </p:tgtEl>
+                </p:cond>
+              </p:prevCondLst>
+              <p:nextCondLst>
+                <p:cond evt="onNext" delay="0">
+                  <p:tgtEl>
+                    <p:sldTgt/>
+                  </p:tgtEl>
+                </p:cond>
+              </p:nextCondLst>
+            </p:seq>
+          </p:childTnLst>
+        </p:cTn>
+      </p:par>
+    </p:tnLst>
+    <p:bldLst>
+      <p:bldP spid="3" grpId="0" build="p"/>
+    </p:bldLst>
+  </p:timing>
 </p:sld>
 </file>
 
@@ -15205,10 +12439,10 @@
       </p:grpSpPr>
       <p:sp>
         <p:nvSpPr>
-          <p:cNvPr id="24" name="タイトル 23">
+          <p:cNvPr id="2" name="タイトル 1">
             <a:extLst>
               <a:ext uri="{FF2B5EF4-FFF2-40B4-BE49-F238E27FC236}">
-                <a16:creationId xmlns:a16="http://schemas.microsoft.com/office/drawing/2014/main" id="{56C00BB0-7B9C-450B-BE5E-DA73DD740A81}"/>
+                <a16:creationId xmlns:a16="http://schemas.microsoft.com/office/drawing/2014/main" id="{5A95598C-43C6-4FC3-A65A-7DB9427D39FD}"/>
               </a:ext>
             </a:extLst>
           </p:cNvPr>
@@ -15226,7 +12460,7 @@
           <a:p>
             <a:r>
               <a:rPr kumimoji="1" lang="en-US" altLang="ja-JP" dirty="0"/>
-              <a:t>Demo</a:t>
+              <a:t>Replication</a:t>
             </a:r>
             <a:endParaRPr kumimoji="1" lang="ja-JP" altLang="en-US" dirty="0"/>
           </a:p>
@@ -15234,10 +12468,10 @@
       </p:sp>
       <p:sp>
         <p:nvSpPr>
-          <p:cNvPr id="25" name="テキスト プレースホルダー 24">
+          <p:cNvPr id="3" name="テキスト プレースホルダー 2">
             <a:extLst>
               <a:ext uri="{FF2B5EF4-FFF2-40B4-BE49-F238E27FC236}">
-                <a16:creationId xmlns:a16="http://schemas.microsoft.com/office/drawing/2014/main" id="{46CB38ED-1A98-41EF-A44A-C6CDAB13FBEF}"/>
+                <a16:creationId xmlns:a16="http://schemas.microsoft.com/office/drawing/2014/main" id="{F4DDF489-6D74-44D4-BBB0-40E19673E8C5}"/>
               </a:ext>
             </a:extLst>
           </p:cNvPr>
@@ -15245,22 +12479,83 @@
             <a:spLocks noGrp="1"/>
           </p:cNvSpPr>
           <p:nvPr>
-            <p:ph type="body" sz="quarter" idx="11"/>
+            <p:ph type="body" sz="quarter" idx="10"/>
           </p:nvPr>
         </p:nvSpPr>
-        <p:spPr/>
+        <p:spPr>
+          <a:xfrm>
+            <a:off x="274638" y="1212850"/>
+            <a:ext cx="11887200" cy="4878259"/>
+          </a:xfrm>
+        </p:spPr>
         <p:txBody>
           <a:bodyPr/>
           <a:lstStyle/>
           <a:p>
-            <a:endParaRPr kumimoji="1" lang="ja-JP" altLang="en-US"/>
+            <a:endParaRPr lang="en-US" altLang="ja-JP" dirty="0">
+              <a:solidFill>
+                <a:schemeClr val="tx1"/>
+              </a:solidFill>
+            </a:endParaRPr>
+          </a:p>
+          <a:p>
+            <a:r>
+              <a:rPr lang="en-US" altLang="ja-JP" sz="4800" dirty="0">
+                <a:solidFill>
+                  <a:schemeClr val="tx1"/>
+                </a:solidFill>
+              </a:rPr>
+              <a:t>Remember your RU cost?</a:t>
+            </a:r>
+          </a:p>
+          <a:p>
+            <a:endParaRPr lang="en-US" altLang="ja-JP" sz="4800" dirty="0">
+              <a:solidFill>
+                <a:schemeClr val="tx1"/>
+              </a:solidFill>
+            </a:endParaRPr>
+          </a:p>
+          <a:p>
+            <a:r>
+              <a:rPr lang="en-US" altLang="ja-JP" sz="4800" dirty="0">
+                <a:solidFill>
+                  <a:schemeClr val="tx1"/>
+                </a:solidFill>
+              </a:rPr>
+              <a:t>It now applies to each extra region</a:t>
+            </a:r>
+          </a:p>
+          <a:p>
+            <a:endParaRPr lang="en-US" altLang="ja-JP" sz="4800" dirty="0">
+              <a:solidFill>
+                <a:schemeClr val="tx1"/>
+              </a:solidFill>
+            </a:endParaRPr>
+          </a:p>
+          <a:p>
+            <a:r>
+              <a:rPr lang="en-US" altLang="ja-JP" sz="4800" dirty="0">
+                <a:solidFill>
+                  <a:schemeClr val="tx1"/>
+                </a:solidFill>
+              </a:rPr>
+              <a:t>1000 RU? 5 regions? </a:t>
+            </a:r>
+            <a:r>
+              <a:rPr lang="en-US" altLang="ja-JP" sz="4800" b="1" dirty="0">
+                <a:solidFill>
+                  <a:schemeClr val="tx1"/>
+                </a:solidFill>
+              </a:rPr>
+              <a:t>5000 RU</a:t>
+            </a:r>
           </a:p>
         </p:txBody>
       </p:sp>
     </p:spTree>
     <p:extLst>
       <p:ext uri="{BB962C8B-B14F-4D97-AF65-F5344CB8AC3E}">
-        <p14:creationId xmlns:p14="http://schemas.microsoft.com/office/powerpoint/2010/main" val="611775814"/>
+        <p14:creationId xmlns:p14="http://schemas.microsoft.com/office/powerpoint/2010/main" val="18278148"/>
       </p:ext>
     </p:extLst>
   </p:cSld>
@@ -15270,6 +12565,219 @@
   <p:transition>
     <p:fade/>
   </p:transition>
+  <p:timing>
+    <p:tnLst>
+      <p:par>
+        <p:cTn id="1" dur="indefinite" restart="never" nodeType="tmRoot">
+          <p:childTnLst>
+            <p:seq concurrent="1" nextAc="seek">
+              <p:cTn id="2" dur="indefinite" nodeType="mainSeq">
+                <p:childTnLst>
+                  <p:par>
+                    <p:cTn id="3" fill="hold">
+                      <p:stCondLst>
+                        <p:cond delay="indefinite"/>
+                      </p:stCondLst>
+                      <p:childTnLst>
+                        <p:par>
+                          <p:cTn id="4" fill="hold">
+                            <p:stCondLst>
+                              <p:cond delay="0"/>
+                            </p:stCondLst>
+                            <p:childTnLst>
+                              <p:par>
+                                <p:cTn id="5" presetID="10" presetClass="entr" presetSubtype="0" fill="hold" nodeType="clickEffect">
+                                  <p:stCondLst>
+                                    <p:cond delay="0"/>
+                                  </p:stCondLst>
+                                  <p:childTnLst>
+                                    <p:set>
+                                      <p:cBhvr>
+                                        <p:cTn id="6" dur="1" fill="hold">
+                                          <p:stCondLst>
+                                            <p:cond delay="0"/>
+                                          </p:stCondLst>
+                                        </p:cTn>
+                                        <p:tgtEl>
+                                          <p:spTgt spid="3">
+                                            <p:txEl>
+                                              <p:pRg st="1" end="1"/>
+                                            </p:txEl>
+                                          </p:spTgt>
+                                        </p:tgtEl>
+                                        <p:attrNameLst>
+                                          <p:attrName>style.visibility</p:attrName>
+                                        </p:attrNameLst>
+                                      </p:cBhvr>
+                                      <p:to>
+                                        <p:strVal val="visible"/>
+                                      </p:to>
+                                    </p:set>
+                                    <p:animEffect transition="in" filter="fade">
+                                      <p:cBhvr>
+                                        <p:cTn id="7" dur="500"/>
+                                        <p:tgtEl>
+                                          <p:spTgt spid="3">
+                                            <p:txEl>
+                                              <p:pRg st="1" end="1"/>
+                                            </p:txEl>
+                                          </p:spTgt>
+                                        </p:tgtEl>
+                                      </p:cBhvr>
+                                    </p:animEffect>
+                                  </p:childTnLst>
+                                </p:cTn>
+                              </p:par>
+                            </p:childTnLst>
+                          </p:cTn>
+                        </p:par>
+                      </p:childTnLst>
+                    </p:cTn>
+                  </p:par>
+                  <p:par>
+                    <p:cTn id="8" fill="hold">
+                      <p:stCondLst>
+                        <p:cond delay="indefinite"/>
+                      </p:stCondLst>
+                      <p:childTnLst>
+                        <p:par>
+                          <p:cTn id="9" fill="hold">
+                            <p:stCondLst>
+                              <p:cond delay="0"/>
+                            </p:stCondLst>
+                            <p:childTnLst>
+                              <p:par>
+                                <p:cTn id="10" presetID="10" presetClass="entr" presetSubtype="0" fill="hold" nodeType="clickEffect">
+                                  <p:stCondLst>
+                                    <p:cond delay="0"/>
+                                  </p:stCondLst>
+                                  <p:childTnLst>
+                                    <p:set>
+                                      <p:cBhvr>
+                                        <p:cTn id="11" dur="1" fill="hold">
+                                          <p:stCondLst>
+                                            <p:cond delay="0"/>
+                                          </p:stCondLst>
+                                        </p:cTn>
+                                        <p:tgtEl>
+                                          <p:spTgt spid="3">
+                                            <p:txEl>
+                                              <p:pRg st="3" end="3"/>
+                                            </p:txEl>
+                                          </p:spTgt>
+                                        </p:tgtEl>
+                                        <p:attrNameLst>
+                                          <p:attrName>style.visibility</p:attrName>
+                                        </p:attrNameLst>
+                                      </p:cBhvr>
+                                      <p:to>
+                                        <p:strVal val="visible"/>
+                                      </p:to>
+                                    </p:set>
+                                    <p:animEffect transition="in" filter="fade">
+                                      <p:cBhvr>
+                                        <p:cTn id="12" dur="500"/>
+                                        <p:tgtEl>
+                                          <p:spTgt spid="3">
+                                            <p:txEl>
+                                              <p:pRg st="3" end="3"/>
+                                            </p:txEl>
+                                          </p:spTgt>
+                                        </p:tgtEl>
+                                      </p:cBhvr>
+                                    </p:animEffect>
+                                  </p:childTnLst>
+                                </p:cTn>
+                              </p:par>
+                            </p:childTnLst>
+                          </p:cTn>
+                        </p:par>
+                      </p:childTnLst>
+                    </p:cTn>
+                  </p:par>
+                  <p:par>
+                    <p:cTn id="13" fill="hold">
+                      <p:stCondLst>
+                        <p:cond delay="indefinite"/>
+                      </p:stCondLst>
+                      <p:childTnLst>
+                        <p:par>
+                          <p:cTn id="14" fill="hold">
+                            <p:stCondLst>
+                              <p:cond delay="0"/>
+                            </p:stCondLst>
+                            <p:childTnLst>
+                              <p:par>
+                                <p:cTn id="15" presetID="10" presetClass="entr" presetSubtype="0" fill="hold" nodeType="clickEffect">
+                                  <p:stCondLst>
+                                    <p:cond delay="0"/>
+                                  </p:stCondLst>
+                                  <p:childTnLst>
+                                    <p:set>
+                                      <p:cBhvr>
+                                        <p:cTn id="16" dur="1" fill="hold">
+                                          <p:stCondLst>
+                                            <p:cond delay="0"/>
+                                          </p:stCondLst>
+                                        </p:cTn>
+                                        <p:tgtEl>
+                                          <p:spTgt spid="3">
+                                            <p:txEl>
+                                              <p:pRg st="5" end="5"/>
+                                            </p:txEl>
+                                          </p:spTgt>
+                                        </p:tgtEl>
+                                        <p:attrNameLst>
+                                          <p:attrName>style.visibility</p:attrName>
+                                        </p:attrNameLst>
+                                      </p:cBhvr>
+                                      <p:to>
+                                        <p:strVal val="visible"/>
+                                      </p:to>
+                                    </p:set>
+                                    <p:animEffect transition="in" filter="fade">
+                                      <p:cBhvr>
+                                        <p:cTn id="17" dur="500"/>
+                                        <p:tgtEl>
+                                          <p:spTgt spid="3">
+                                            <p:txEl>
+                                              <p:pRg st="5" end="5"/>
+                                            </p:txEl>
+                                          </p:spTgt>
+                                        </p:tgtEl>
+                                      </p:cBhvr>
+                                    </p:animEffect>
+                                  </p:childTnLst>
+                                </p:cTn>
+                              </p:par>
+                            </p:childTnLst>
+                          </p:cTn>
+                        </p:par>
+                      </p:childTnLst>
+                    </p:cTn>
+                  </p:par>
+                </p:childTnLst>
+              </p:cTn>
+              <p:prevCondLst>
+                <p:cond evt="onPrev" delay="0">
+                  <p:tgtEl>
+                    <p:sldTgt/>
+                  </p:tgtEl>
+                </p:cond>
+              </p:prevCondLst>
+              <p:nextCondLst>
+                <p:cond evt="onNext" delay="0">
+                  <p:tgtEl>
+                    <p:sldTgt/>
+                  </p:tgtEl>
+                </p:cond>
+              </p:nextCondLst>
+            </p:seq>
+          </p:childTnLst>
+        </p:cTn>
+      </p:par>
+    </p:tnLst>
+  </p:timing>
 </p:sld>
 </file>
 
@@ -15292,70 +12800,10 @@
       </p:grpSpPr>
       <p:sp>
         <p:nvSpPr>
-          <p:cNvPr id="3" name="Title 2"/>
-          <p:cNvSpPr>
-            <a:spLocks noGrp="1"/>
-          </p:cNvSpPr>
-          <p:nvPr>
-            <p:ph type="title"/>
-          </p:nvPr>
-        </p:nvSpPr>
-        <p:spPr>
-          <a:xfrm>
-            <a:off x="274638" y="2125662"/>
-            <a:ext cx="11887200" cy="1181862"/>
-          </a:xfrm>
-        </p:spPr>
-        <p:txBody>
-          <a:bodyPr/>
-          <a:lstStyle/>
-          <a:p>
-            <a:r>
-              <a:rPr lang="en-US" sz="6600" dirty="0"/>
-              <a:t>Video</a:t>
-            </a:r>
-          </a:p>
-        </p:txBody>
-      </p:sp>
-    </p:spTree>
-    <p:extLst>
-      <p:ext uri="{BB962C8B-B14F-4D97-AF65-F5344CB8AC3E}">
-        <p14:creationId xmlns:p14="http://schemas.microsoft.com/office/powerpoint/2010/main" val="1429199208"/>
-      </p:ext>
-    </p:extLst>
-  </p:cSld>
-  <p:clrMapOvr>
-    <a:masterClrMapping/>
-  </p:clrMapOvr>
-  <p:transition>
-    <p:fade/>
-  </p:transition>
-</p:sld>
-</file>
-
-<file path=ppt/slides/slide26.xml><?xml version="1.0" encoding="utf-8"?>
-<p:sld xmlns:a="http://schemas.openxmlformats.org/drawingml/2006/main" xmlns:r="http://schemas.openxmlformats.org/officeDocument/2006/relationships" xmlns:p="http://schemas.openxmlformats.org/presentationml/2006/main">
-  <p:cSld>
-    <p:spTree>
-      <p:nvGrpSpPr>
-        <p:cNvPr id="1" name=""/>
-        <p:cNvGrpSpPr/>
-        <p:nvPr/>
-      </p:nvGrpSpPr>
-      <p:grpSpPr>
-        <a:xfrm>
-          <a:off x="0" y="0"/>
-          <a:ext cx="0" cy="0"/>
-          <a:chOff x="0" y="0"/>
-          <a:chExt cx="0" cy="0"/>
-        </a:xfrm>
-      </p:grpSpPr>
-      <p:sp>
-        <p:nvSpPr>
           <p:cNvPr id="2" name="タイトル 1">
             <a:extLst>
               <a:ext uri="{FF2B5EF4-FFF2-40B4-BE49-F238E27FC236}">
-                <a16:creationId xmlns:a16="http://schemas.microsoft.com/office/drawing/2014/main" id="{1AF3F430-F719-45CC-9447-061AB33874EA}"/>
+                <a16:creationId xmlns:a16="http://schemas.microsoft.com/office/drawing/2014/main" id="{5A95598C-43C6-4FC3-A65A-7DB9427D39FD}"/>
               </a:ext>
             </a:extLst>
           </p:cNvPr>
@@ -15366,26 +12814,25 @@
             <p:ph type="title"/>
           </p:nvPr>
         </p:nvSpPr>
-        <p:spPr>
-          <a:xfrm>
-            <a:off x="274639" y="295274"/>
-            <a:ext cx="11889564" cy="917575"/>
-          </a:xfrm>
-        </p:spPr>
+        <p:spPr/>
         <p:txBody>
           <a:bodyPr/>
           <a:lstStyle/>
           <a:p>
+            <a:r>
+              <a:rPr kumimoji="1" lang="en-US" altLang="ja-JP" dirty="0"/>
+              <a:t>Replication</a:t>
+            </a:r>
             <a:endParaRPr kumimoji="1" lang="ja-JP" altLang="en-US" dirty="0"/>
           </a:p>
         </p:txBody>
       </p:sp>
       <p:sp>
         <p:nvSpPr>
-          <p:cNvPr id="4" name="テキスト プレースホルダー 3">
+          <p:cNvPr id="3" name="テキスト プレースホルダー 2">
             <a:extLst>
               <a:ext uri="{FF2B5EF4-FFF2-40B4-BE49-F238E27FC236}">
-                <a16:creationId xmlns:a16="http://schemas.microsoft.com/office/drawing/2014/main" id="{9513C400-1256-4EAE-A4F3-0E3A8FAFD662}"/>
+                <a16:creationId xmlns:a16="http://schemas.microsoft.com/office/drawing/2014/main" id="{F4DDF489-6D74-44D4-BBB0-40E19673E8C5}"/>
               </a:ext>
             </a:extLst>
           </p:cNvPr>
@@ -15396,29 +12843,87 @@
             <p:ph type="body" sz="quarter" idx="10"/>
           </p:nvPr>
         </p:nvSpPr>
-        <p:spPr/>
+        <p:spPr>
+          <a:xfrm>
+            <a:off x="274638" y="1212850"/>
+            <a:ext cx="11887200" cy="5693866"/>
+          </a:xfrm>
+        </p:spPr>
         <p:txBody>
           <a:bodyPr/>
           <a:lstStyle/>
           <a:p>
-            <a:r>
-              <a:rPr lang="en-US" altLang="ja-JP" dirty="0"/>
-              <a:t>This slide layout uses Consolas, a monotype font which is ideal for showing software code. </a:t>
-            </a:r>
-          </a:p>
-          <a:p>
-            <a:pPr lvl="1"/>
-            <a:endParaRPr lang="en-US" altLang="ja-JP" dirty="0"/>
-          </a:p>
-          <a:p>
-            <a:endParaRPr kumimoji="1" lang="ja-JP" altLang="en-US" dirty="0"/>
+            <a:endParaRPr lang="en-US" altLang="ja-JP" dirty="0">
+              <a:solidFill>
+                <a:schemeClr val="tx1"/>
+              </a:solidFill>
+            </a:endParaRPr>
+          </a:p>
+          <a:p>
+            <a:r>
+              <a:rPr lang="en-US" altLang="ja-JP" sz="4800" dirty="0">
+                <a:solidFill>
+                  <a:schemeClr val="tx1"/>
+                </a:solidFill>
+              </a:rPr>
+              <a:t>Multiple regions are good for:</a:t>
+            </a:r>
+          </a:p>
+          <a:p>
+            <a:endParaRPr lang="en-US" altLang="ja-JP" sz="4800" dirty="0">
+              <a:solidFill>
+                <a:schemeClr val="tx1"/>
+              </a:solidFill>
+            </a:endParaRPr>
+          </a:p>
+          <a:p>
+            <a:r>
+              <a:rPr lang="en-US" altLang="ja-JP" sz="4800" dirty="0">
+                <a:solidFill>
+                  <a:schemeClr val="tx1"/>
+                </a:solidFill>
+              </a:rPr>
+              <a:t>Failover</a:t>
+            </a:r>
+          </a:p>
+          <a:p>
+            <a:r>
+              <a:rPr lang="en-US" altLang="ja-JP" sz="4800" dirty="0">
+                <a:solidFill>
+                  <a:schemeClr val="tx1"/>
+                </a:solidFill>
+              </a:rPr>
+              <a:t>Better "read" performance</a:t>
+            </a:r>
+          </a:p>
+          <a:p>
+            <a:endParaRPr lang="en-US" altLang="ja-JP" sz="4800" dirty="0">
+              <a:solidFill>
+                <a:schemeClr val="tx1"/>
+              </a:solidFill>
+            </a:endParaRPr>
+          </a:p>
+          <a:p>
+            <a:r>
+              <a:rPr lang="en-US" altLang="ja-JP" sz="4800" dirty="0">
+                <a:solidFill>
+                  <a:schemeClr val="tx1"/>
+                </a:solidFill>
+              </a:rPr>
+              <a:t>You must decide if it's worth it</a:t>
+            </a:r>
+            <a:endParaRPr lang="en-US" altLang="ja-JP" sz="4800" b="1" dirty="0">
+              <a:solidFill>
+                <a:schemeClr val="tx1"/>
+              </a:solidFill>
+            </a:endParaRPr>
           </a:p>
         </p:txBody>
       </p:sp>
     </p:spTree>
     <p:extLst>
       <p:ext uri="{BB962C8B-B14F-4D97-AF65-F5344CB8AC3E}">
-        <p14:creationId xmlns:p14="http://schemas.microsoft.com/office/powerpoint/2010/main" val="3350328521"/>
+        <p14:creationId xmlns:p14="http://schemas.microsoft.com/office/powerpoint/2010/main" val="4095493852"/>
       </p:ext>
     </p:extLst>
   </p:cSld>
@@ -15428,10 +12933,266 @@
   <p:transition>
     <p:fade/>
   </p:transition>
+  <p:timing>
+    <p:tnLst>
+      <p:par>
+        <p:cTn id="1" dur="indefinite" restart="never" nodeType="tmRoot">
+          <p:childTnLst>
+            <p:seq concurrent="1" nextAc="seek">
+              <p:cTn id="2" dur="indefinite" nodeType="mainSeq">
+                <p:childTnLst>
+                  <p:par>
+                    <p:cTn id="3" fill="hold">
+                      <p:stCondLst>
+                        <p:cond delay="indefinite"/>
+                      </p:stCondLst>
+                      <p:childTnLst>
+                        <p:par>
+                          <p:cTn id="4" fill="hold">
+                            <p:stCondLst>
+                              <p:cond delay="0"/>
+                            </p:stCondLst>
+                            <p:childTnLst>
+                              <p:par>
+                                <p:cTn id="5" presetID="10" presetClass="entr" presetSubtype="0" fill="hold" nodeType="clickEffect">
+                                  <p:stCondLst>
+                                    <p:cond delay="0"/>
+                                  </p:stCondLst>
+                                  <p:childTnLst>
+                                    <p:set>
+                                      <p:cBhvr>
+                                        <p:cTn id="6" dur="1" fill="hold">
+                                          <p:stCondLst>
+                                            <p:cond delay="0"/>
+                                          </p:stCondLst>
+                                        </p:cTn>
+                                        <p:tgtEl>
+                                          <p:spTgt spid="3">
+                                            <p:txEl>
+                                              <p:pRg st="1" end="1"/>
+                                            </p:txEl>
+                                          </p:spTgt>
+                                        </p:tgtEl>
+                                        <p:attrNameLst>
+                                          <p:attrName>style.visibility</p:attrName>
+                                        </p:attrNameLst>
+                                      </p:cBhvr>
+                                      <p:to>
+                                        <p:strVal val="visible"/>
+                                      </p:to>
+                                    </p:set>
+                                    <p:animEffect transition="in" filter="fade">
+                                      <p:cBhvr>
+                                        <p:cTn id="7" dur="500"/>
+                                        <p:tgtEl>
+                                          <p:spTgt spid="3">
+                                            <p:txEl>
+                                              <p:pRg st="1" end="1"/>
+                                            </p:txEl>
+                                          </p:spTgt>
+                                        </p:tgtEl>
+                                      </p:cBhvr>
+                                    </p:animEffect>
+                                  </p:childTnLst>
+                                </p:cTn>
+                              </p:par>
+                            </p:childTnLst>
+                          </p:cTn>
+                        </p:par>
+                      </p:childTnLst>
+                    </p:cTn>
+                  </p:par>
+                  <p:par>
+                    <p:cTn id="8" fill="hold">
+                      <p:stCondLst>
+                        <p:cond delay="indefinite"/>
+                      </p:stCondLst>
+                      <p:childTnLst>
+                        <p:par>
+                          <p:cTn id="9" fill="hold">
+                            <p:stCondLst>
+                              <p:cond delay="0"/>
+                            </p:stCondLst>
+                            <p:childTnLst>
+                              <p:par>
+                                <p:cTn id="10" presetID="10" presetClass="entr" presetSubtype="0" fill="hold" nodeType="clickEffect">
+                                  <p:stCondLst>
+                                    <p:cond delay="0"/>
+                                  </p:stCondLst>
+                                  <p:childTnLst>
+                                    <p:set>
+                                      <p:cBhvr>
+                                        <p:cTn id="11" dur="1" fill="hold">
+                                          <p:stCondLst>
+                                            <p:cond delay="0"/>
+                                          </p:stCondLst>
+                                        </p:cTn>
+                                        <p:tgtEl>
+                                          <p:spTgt spid="3">
+                                            <p:txEl>
+                                              <p:pRg st="3" end="3"/>
+                                            </p:txEl>
+                                          </p:spTgt>
+                                        </p:tgtEl>
+                                        <p:attrNameLst>
+                                          <p:attrName>style.visibility</p:attrName>
+                                        </p:attrNameLst>
+                                      </p:cBhvr>
+                                      <p:to>
+                                        <p:strVal val="visible"/>
+                                      </p:to>
+                                    </p:set>
+                                    <p:animEffect transition="in" filter="fade">
+                                      <p:cBhvr>
+                                        <p:cTn id="12" dur="500"/>
+                                        <p:tgtEl>
+                                          <p:spTgt spid="3">
+                                            <p:txEl>
+                                              <p:pRg st="3" end="3"/>
+                                            </p:txEl>
+                                          </p:spTgt>
+                                        </p:tgtEl>
+                                      </p:cBhvr>
+                                    </p:animEffect>
+                                  </p:childTnLst>
+                                </p:cTn>
+                              </p:par>
+                              <p:par>
+                                <p:cTn id="13" presetID="10" presetClass="entr" presetSubtype="0" fill="hold" nodeType="withEffect">
+                                  <p:stCondLst>
+                                    <p:cond delay="0"/>
+                                  </p:stCondLst>
+                                  <p:childTnLst>
+                                    <p:set>
+                                      <p:cBhvr>
+                                        <p:cTn id="14" dur="1" fill="hold">
+                                          <p:stCondLst>
+                                            <p:cond delay="0"/>
+                                          </p:stCondLst>
+                                        </p:cTn>
+                                        <p:tgtEl>
+                                          <p:spTgt spid="3">
+                                            <p:txEl>
+                                              <p:pRg st="4" end="4"/>
+                                            </p:txEl>
+                                          </p:spTgt>
+                                        </p:tgtEl>
+                                        <p:attrNameLst>
+                                          <p:attrName>style.visibility</p:attrName>
+                                        </p:attrNameLst>
+                                      </p:cBhvr>
+                                      <p:to>
+                                        <p:strVal val="visible"/>
+                                      </p:to>
+                                    </p:set>
+                                    <p:animEffect transition="in" filter="fade">
+                                      <p:cBhvr>
+                                        <p:cTn id="15" dur="500"/>
+                                        <p:tgtEl>
+                                          <p:spTgt spid="3">
+                                            <p:txEl>
+                                              <p:pRg st="4" end="4"/>
+                                            </p:txEl>
+                                          </p:spTgt>
+                                        </p:tgtEl>
+                                      </p:cBhvr>
+                                    </p:animEffect>
+                                  </p:childTnLst>
+                                </p:cTn>
+                              </p:par>
+                            </p:childTnLst>
+                          </p:cTn>
+                        </p:par>
+                      </p:childTnLst>
+                    </p:cTn>
+                  </p:par>
+                  <p:par>
+                    <p:cTn id="16" fill="hold">
+                      <p:stCondLst>
+                        <p:cond delay="indefinite"/>
+                      </p:stCondLst>
+                      <p:childTnLst>
+                        <p:par>
+                          <p:cTn id="17" fill="hold">
+                            <p:stCondLst>
+                              <p:cond delay="0"/>
+                            </p:stCondLst>
+                            <p:childTnLst>
+                              <p:par>
+                                <p:cTn id="18" presetID="10" presetClass="entr" presetSubtype="0" fill="hold" nodeType="clickEffect">
+                                  <p:stCondLst>
+                                    <p:cond delay="0"/>
+                                  </p:stCondLst>
+                                  <p:childTnLst>
+                                    <p:set>
+                                      <p:cBhvr>
+                                        <p:cTn id="19" dur="1" fill="hold">
+                                          <p:stCondLst>
+                                            <p:cond delay="0"/>
+                                          </p:stCondLst>
+                                        </p:cTn>
+                                        <p:tgtEl>
+                                          <p:spTgt spid="3">
+                                            <p:txEl>
+                                              <p:pRg st="6" end="6"/>
+                                            </p:txEl>
+                                          </p:spTgt>
+                                        </p:tgtEl>
+                                        <p:attrNameLst>
+                                          <p:attrName>style.visibility</p:attrName>
+                                        </p:attrNameLst>
+                                      </p:cBhvr>
+                                      <p:to>
+                                        <p:strVal val="visible"/>
+                                      </p:to>
+                                    </p:set>
+                                    <p:animEffect transition="in" filter="fade">
+                                      <p:cBhvr>
+                                        <p:cTn id="20" dur="500"/>
+                                        <p:tgtEl>
+                                          <p:spTgt spid="3">
+                                            <p:txEl>
+                                              <p:pRg st="6" end="6"/>
+                                            </p:txEl>
+                                          </p:spTgt>
+                                        </p:tgtEl>
+                                      </p:cBhvr>
+                                    </p:animEffect>
+                                  </p:childTnLst>
+                                </p:cTn>
+                              </p:par>
+                            </p:childTnLst>
+                          </p:cTn>
+                        </p:par>
+                      </p:childTnLst>
+                    </p:cTn>
+                  </p:par>
+                </p:childTnLst>
+              </p:cTn>
+              <p:prevCondLst>
+                <p:cond evt="onPrev" delay="0">
+                  <p:tgtEl>
+                    <p:sldTgt/>
+                  </p:tgtEl>
+                </p:cond>
+              </p:prevCondLst>
+              <p:nextCondLst>
+                <p:cond evt="onNext" delay="0">
+                  <p:tgtEl>
+                    <p:sldTgt/>
+                  </p:tgtEl>
+                </p:cond>
+              </p:nextCondLst>
+            </p:seq>
+          </p:childTnLst>
+        </p:cTn>
+      </p:par>
+    </p:tnLst>
+  </p:timing>
 </p:sld>
 </file>
 
-<file path=ppt/slides/slide27.xml><?xml version="1.0" encoding="utf-8"?>
+<file path=ppt/slides/slide26.xml><?xml version="1.0" encoding="utf-8"?>
 <p:sld xmlns:a="http://schemas.openxmlformats.org/drawingml/2006/main" xmlns:r="http://schemas.openxmlformats.org/officeDocument/2006/relationships" xmlns:p="http://schemas.openxmlformats.org/presentationml/2006/main">
   <p:cSld>
     <p:spTree>
@@ -16814,6 +14575,951 @@
       </p:grpSpPr>
       <p:sp>
         <p:nvSpPr>
+          <p:cNvPr id="2" name="タイトル 1">
+            <a:extLst>
+              <a:ext uri="{FF2B5EF4-FFF2-40B4-BE49-F238E27FC236}">
+                <a16:creationId xmlns:a16="http://schemas.microsoft.com/office/drawing/2014/main" id="{5A95598C-43C6-4FC3-A65A-7DB9427D39FD}"/>
+              </a:ext>
+            </a:extLst>
+          </p:cNvPr>
+          <p:cNvSpPr>
+            <a:spLocks noGrp="1"/>
+          </p:cNvSpPr>
+          <p:nvPr>
+            <p:ph type="title"/>
+          </p:nvPr>
+        </p:nvSpPr>
+        <p:spPr/>
+        <p:txBody>
+          <a:bodyPr/>
+          <a:lstStyle/>
+          <a:p>
+            <a:r>
+              <a:rPr kumimoji="1" lang="en-US" altLang="ja-JP" dirty="0"/>
+              <a:t>Reserving Request Units</a:t>
+            </a:r>
+            <a:endParaRPr kumimoji="1" lang="ja-JP" altLang="en-US" dirty="0"/>
+          </a:p>
+        </p:txBody>
+      </p:sp>
+      <p:sp>
+        <p:nvSpPr>
+          <p:cNvPr id="3" name="テキスト プレースホルダー 2">
+            <a:extLst>
+              <a:ext uri="{FF2B5EF4-FFF2-40B4-BE49-F238E27FC236}">
+                <a16:creationId xmlns:a16="http://schemas.microsoft.com/office/drawing/2014/main" id="{F4DDF489-6D74-44D4-BBB0-40E19673E8C5}"/>
+              </a:ext>
+            </a:extLst>
+          </p:cNvPr>
+          <p:cNvSpPr>
+            <a:spLocks noGrp="1"/>
+          </p:cNvSpPr>
+          <p:nvPr>
+            <p:ph type="body" sz="quarter" idx="10"/>
+          </p:nvPr>
+        </p:nvSpPr>
+        <p:spPr>
+          <a:xfrm>
+            <a:off x="274638" y="1212850"/>
+            <a:ext cx="11887200" cy="5647700"/>
+          </a:xfrm>
+        </p:spPr>
+        <p:txBody>
+          <a:bodyPr/>
+          <a:lstStyle/>
+          <a:p>
+            <a:endParaRPr lang="en-US" altLang="ja-JP" dirty="0">
+              <a:solidFill>
+                <a:schemeClr val="tx1"/>
+              </a:solidFill>
+            </a:endParaRPr>
+          </a:p>
+          <a:p>
+            <a:r>
+              <a:rPr lang="en-US" altLang="ja-JP" dirty="0">
+                <a:solidFill>
+                  <a:schemeClr val="tx1"/>
+                </a:solidFill>
+              </a:rPr>
+              <a:t>Each container gets Request Units:</a:t>
+            </a:r>
+          </a:p>
+          <a:p>
+            <a:r>
+              <a:rPr lang="en-US" altLang="ja-JP" dirty="0">
+                <a:solidFill>
+                  <a:schemeClr val="tx1"/>
+                </a:solidFill>
+              </a:rPr>
+              <a:t>	Fixed (10GB): 400-10,000 RU</a:t>
+            </a:r>
+          </a:p>
+          <a:p>
+            <a:r>
+              <a:rPr lang="en-US" altLang="ja-JP" dirty="0">
+                <a:solidFill>
+                  <a:schemeClr val="tx1"/>
+                </a:solidFill>
+              </a:rPr>
+              <a:t>	Partitioned: 1,000 and beyond (any amount </a:t>
+            </a:r>
+            <a:r>
+              <a:rPr lang="en-US" altLang="ja-JP" dirty="0">
+                <a:solidFill>
+                  <a:schemeClr val="tx1"/>
+                </a:solidFill>
+                <a:sym typeface="Wingdings" pitchFamily="2" charset="2"/>
+              </a:rPr>
+              <a:t>)</a:t>
+            </a:r>
+          </a:p>
+          <a:p>
+            <a:endParaRPr lang="en-US" altLang="ja-JP" dirty="0">
+              <a:solidFill>
+                <a:schemeClr val="tx1"/>
+              </a:solidFill>
+              <a:sym typeface="Wingdings" pitchFamily="2" charset="2"/>
+            </a:endParaRPr>
+          </a:p>
+          <a:p>
+            <a:r>
+              <a:rPr lang="en-US" altLang="ja-JP" dirty="0">
+                <a:solidFill>
+                  <a:schemeClr val="tx1"/>
+                </a:solidFill>
+                <a:sym typeface="Wingdings" pitchFamily="2" charset="2"/>
+              </a:rPr>
+              <a:t>With partitioned collections:</a:t>
+            </a:r>
+          </a:p>
+          <a:p>
+            <a:r>
+              <a:rPr lang="en-US" altLang="ja-JP" dirty="0">
+                <a:solidFill>
+                  <a:schemeClr val="tx1"/>
+                </a:solidFill>
+                <a:sym typeface="Wingdings" pitchFamily="2" charset="2"/>
+              </a:rPr>
+              <a:t>	RUs are shared across physical partitions</a:t>
+            </a:r>
+            <a:endParaRPr lang="en-US" altLang="ja-JP" dirty="0">
+              <a:solidFill>
+                <a:schemeClr val="tx1"/>
+              </a:solidFill>
+            </a:endParaRPr>
+          </a:p>
+          <a:p>
+            <a:r>
+              <a:rPr lang="en-US" altLang="ja-JP" dirty="0">
+                <a:solidFill>
+                  <a:schemeClr val="tx1"/>
+                </a:solidFill>
+              </a:rPr>
+              <a:t>	</a:t>
+            </a:r>
+          </a:p>
+        </p:txBody>
+      </p:sp>
+    </p:spTree>
+    <p:extLst>
+      <p:ext uri="{BB962C8B-B14F-4D97-AF65-F5344CB8AC3E}">
+        <p14:creationId xmlns:p14="http://schemas.microsoft.com/office/powerpoint/2010/main" val="2533149932"/>
+      </p:ext>
+    </p:extLst>
+  </p:cSld>
+  <p:clrMapOvr>
+    <a:masterClrMapping/>
+  </p:clrMapOvr>
+  <p:transition>
+    <p:fade/>
+  </p:transition>
+  <p:timing>
+    <p:tnLst>
+      <p:par>
+        <p:cTn id="1" dur="indefinite" restart="never" nodeType="tmRoot">
+          <p:childTnLst>
+            <p:seq concurrent="1" nextAc="seek">
+              <p:cTn id="2" dur="indefinite" nodeType="mainSeq">
+                <p:childTnLst>
+                  <p:par>
+                    <p:cTn id="3" fill="hold">
+                      <p:stCondLst>
+                        <p:cond delay="indefinite"/>
+                      </p:stCondLst>
+                      <p:childTnLst>
+                        <p:par>
+                          <p:cTn id="4" fill="hold">
+                            <p:stCondLst>
+                              <p:cond delay="0"/>
+                            </p:stCondLst>
+                            <p:childTnLst>
+                              <p:par>
+                                <p:cTn id="5" presetID="10" presetClass="entr" presetSubtype="0" fill="hold" nodeType="clickEffect">
+                                  <p:stCondLst>
+                                    <p:cond delay="0"/>
+                                  </p:stCondLst>
+                                  <p:childTnLst>
+                                    <p:set>
+                                      <p:cBhvr>
+                                        <p:cTn id="6" dur="1" fill="hold">
+                                          <p:stCondLst>
+                                            <p:cond delay="0"/>
+                                          </p:stCondLst>
+                                        </p:cTn>
+                                        <p:tgtEl>
+                                          <p:spTgt spid="3">
+                                            <p:txEl>
+                                              <p:pRg st="1" end="1"/>
+                                            </p:txEl>
+                                          </p:spTgt>
+                                        </p:tgtEl>
+                                        <p:attrNameLst>
+                                          <p:attrName>style.visibility</p:attrName>
+                                        </p:attrNameLst>
+                                      </p:cBhvr>
+                                      <p:to>
+                                        <p:strVal val="visible"/>
+                                      </p:to>
+                                    </p:set>
+                                    <p:animEffect transition="in" filter="fade">
+                                      <p:cBhvr>
+                                        <p:cTn id="7" dur="500"/>
+                                        <p:tgtEl>
+                                          <p:spTgt spid="3">
+                                            <p:txEl>
+                                              <p:pRg st="1" end="1"/>
+                                            </p:txEl>
+                                          </p:spTgt>
+                                        </p:tgtEl>
+                                      </p:cBhvr>
+                                    </p:animEffect>
+                                  </p:childTnLst>
+                                </p:cTn>
+                              </p:par>
+                            </p:childTnLst>
+                          </p:cTn>
+                        </p:par>
+                      </p:childTnLst>
+                    </p:cTn>
+                  </p:par>
+                  <p:par>
+                    <p:cTn id="8" fill="hold">
+                      <p:stCondLst>
+                        <p:cond delay="indefinite"/>
+                      </p:stCondLst>
+                      <p:childTnLst>
+                        <p:par>
+                          <p:cTn id="9" fill="hold">
+                            <p:stCondLst>
+                              <p:cond delay="0"/>
+                            </p:stCondLst>
+                            <p:childTnLst>
+                              <p:par>
+                                <p:cTn id="10" presetID="10" presetClass="entr" presetSubtype="0" fill="hold" nodeType="clickEffect">
+                                  <p:stCondLst>
+                                    <p:cond delay="0"/>
+                                  </p:stCondLst>
+                                  <p:childTnLst>
+                                    <p:set>
+                                      <p:cBhvr>
+                                        <p:cTn id="11" dur="1" fill="hold">
+                                          <p:stCondLst>
+                                            <p:cond delay="0"/>
+                                          </p:stCondLst>
+                                        </p:cTn>
+                                        <p:tgtEl>
+                                          <p:spTgt spid="3">
+                                            <p:txEl>
+                                              <p:pRg st="2" end="2"/>
+                                            </p:txEl>
+                                          </p:spTgt>
+                                        </p:tgtEl>
+                                        <p:attrNameLst>
+                                          <p:attrName>style.visibility</p:attrName>
+                                        </p:attrNameLst>
+                                      </p:cBhvr>
+                                      <p:to>
+                                        <p:strVal val="visible"/>
+                                      </p:to>
+                                    </p:set>
+                                    <p:animEffect transition="in" filter="fade">
+                                      <p:cBhvr>
+                                        <p:cTn id="12" dur="500"/>
+                                        <p:tgtEl>
+                                          <p:spTgt spid="3">
+                                            <p:txEl>
+                                              <p:pRg st="2" end="2"/>
+                                            </p:txEl>
+                                          </p:spTgt>
+                                        </p:tgtEl>
+                                      </p:cBhvr>
+                                    </p:animEffect>
+                                  </p:childTnLst>
+                                </p:cTn>
+                              </p:par>
+                              <p:par>
+                                <p:cTn id="13" presetID="10" presetClass="entr" presetSubtype="0" fill="hold" nodeType="withEffect">
+                                  <p:stCondLst>
+                                    <p:cond delay="0"/>
+                                  </p:stCondLst>
+                                  <p:childTnLst>
+                                    <p:set>
+                                      <p:cBhvr>
+                                        <p:cTn id="14" dur="1" fill="hold">
+                                          <p:stCondLst>
+                                            <p:cond delay="0"/>
+                                          </p:stCondLst>
+                                        </p:cTn>
+                                        <p:tgtEl>
+                                          <p:spTgt spid="3">
+                                            <p:txEl>
+                                              <p:pRg st="3" end="3"/>
+                                            </p:txEl>
+                                          </p:spTgt>
+                                        </p:tgtEl>
+                                        <p:attrNameLst>
+                                          <p:attrName>style.visibility</p:attrName>
+                                        </p:attrNameLst>
+                                      </p:cBhvr>
+                                      <p:to>
+                                        <p:strVal val="visible"/>
+                                      </p:to>
+                                    </p:set>
+                                    <p:animEffect transition="in" filter="fade">
+                                      <p:cBhvr>
+                                        <p:cTn id="15" dur="500"/>
+                                        <p:tgtEl>
+                                          <p:spTgt spid="3">
+                                            <p:txEl>
+                                              <p:pRg st="3" end="3"/>
+                                            </p:txEl>
+                                          </p:spTgt>
+                                        </p:tgtEl>
+                                      </p:cBhvr>
+                                    </p:animEffect>
+                                  </p:childTnLst>
+                                </p:cTn>
+                              </p:par>
+                            </p:childTnLst>
+                          </p:cTn>
+                        </p:par>
+                      </p:childTnLst>
+                    </p:cTn>
+                  </p:par>
+                  <p:par>
+                    <p:cTn id="16" fill="hold">
+                      <p:stCondLst>
+                        <p:cond delay="indefinite"/>
+                      </p:stCondLst>
+                      <p:childTnLst>
+                        <p:par>
+                          <p:cTn id="17" fill="hold">
+                            <p:stCondLst>
+                              <p:cond delay="0"/>
+                            </p:stCondLst>
+                            <p:childTnLst>
+                              <p:par>
+                                <p:cTn id="18" presetID="10" presetClass="entr" presetSubtype="0" fill="hold" nodeType="clickEffect">
+                                  <p:stCondLst>
+                                    <p:cond delay="0"/>
+                                  </p:stCondLst>
+                                  <p:childTnLst>
+                                    <p:set>
+                                      <p:cBhvr>
+                                        <p:cTn id="19" dur="1" fill="hold">
+                                          <p:stCondLst>
+                                            <p:cond delay="0"/>
+                                          </p:stCondLst>
+                                        </p:cTn>
+                                        <p:tgtEl>
+                                          <p:spTgt spid="3">
+                                            <p:txEl>
+                                              <p:pRg st="5" end="5"/>
+                                            </p:txEl>
+                                          </p:spTgt>
+                                        </p:tgtEl>
+                                        <p:attrNameLst>
+                                          <p:attrName>style.visibility</p:attrName>
+                                        </p:attrNameLst>
+                                      </p:cBhvr>
+                                      <p:to>
+                                        <p:strVal val="visible"/>
+                                      </p:to>
+                                    </p:set>
+                                    <p:animEffect transition="in" filter="fade">
+                                      <p:cBhvr>
+                                        <p:cTn id="20" dur="500"/>
+                                        <p:tgtEl>
+                                          <p:spTgt spid="3">
+                                            <p:txEl>
+                                              <p:pRg st="5" end="5"/>
+                                            </p:txEl>
+                                          </p:spTgt>
+                                        </p:tgtEl>
+                                      </p:cBhvr>
+                                    </p:animEffect>
+                                  </p:childTnLst>
+                                </p:cTn>
+                              </p:par>
+                              <p:par>
+                                <p:cTn id="21" presetID="10" presetClass="entr" presetSubtype="0" fill="hold" nodeType="withEffect">
+                                  <p:stCondLst>
+                                    <p:cond delay="0"/>
+                                  </p:stCondLst>
+                                  <p:childTnLst>
+                                    <p:set>
+                                      <p:cBhvr>
+                                        <p:cTn id="22" dur="1" fill="hold">
+                                          <p:stCondLst>
+                                            <p:cond delay="0"/>
+                                          </p:stCondLst>
+                                        </p:cTn>
+                                        <p:tgtEl>
+                                          <p:spTgt spid="3">
+                                            <p:txEl>
+                                              <p:pRg st="6" end="6"/>
+                                            </p:txEl>
+                                          </p:spTgt>
+                                        </p:tgtEl>
+                                        <p:attrNameLst>
+                                          <p:attrName>style.visibility</p:attrName>
+                                        </p:attrNameLst>
+                                      </p:cBhvr>
+                                      <p:to>
+                                        <p:strVal val="visible"/>
+                                      </p:to>
+                                    </p:set>
+                                    <p:animEffect transition="in" filter="fade">
+                                      <p:cBhvr>
+                                        <p:cTn id="23" dur="500"/>
+                                        <p:tgtEl>
+                                          <p:spTgt spid="3">
+                                            <p:txEl>
+                                              <p:pRg st="6" end="6"/>
+                                            </p:txEl>
+                                          </p:spTgt>
+                                        </p:tgtEl>
+                                      </p:cBhvr>
+                                    </p:animEffect>
+                                  </p:childTnLst>
+                                </p:cTn>
+                              </p:par>
+                              <p:par>
+                                <p:cTn id="24" presetID="10" presetClass="entr" presetSubtype="0" fill="hold" nodeType="withEffect">
+                                  <p:stCondLst>
+                                    <p:cond delay="0"/>
+                                  </p:stCondLst>
+                                  <p:childTnLst>
+                                    <p:set>
+                                      <p:cBhvr>
+                                        <p:cTn id="25" dur="1" fill="hold">
+                                          <p:stCondLst>
+                                            <p:cond delay="0"/>
+                                          </p:stCondLst>
+                                        </p:cTn>
+                                        <p:tgtEl>
+                                          <p:spTgt spid="3">
+                                            <p:txEl>
+                                              <p:pRg st="7" end="7"/>
+                                            </p:txEl>
+                                          </p:spTgt>
+                                        </p:tgtEl>
+                                        <p:attrNameLst>
+                                          <p:attrName>style.visibility</p:attrName>
+                                        </p:attrNameLst>
+                                      </p:cBhvr>
+                                      <p:to>
+                                        <p:strVal val="visible"/>
+                                      </p:to>
+                                    </p:set>
+                                    <p:animEffect transition="in" filter="fade">
+                                      <p:cBhvr>
+                                        <p:cTn id="26" dur="500"/>
+                                        <p:tgtEl>
+                                          <p:spTgt spid="3">
+                                            <p:txEl>
+                                              <p:pRg st="7" end="7"/>
+                                            </p:txEl>
+                                          </p:spTgt>
+                                        </p:tgtEl>
+                                      </p:cBhvr>
+                                    </p:animEffect>
+                                  </p:childTnLst>
+                                </p:cTn>
+                              </p:par>
+                            </p:childTnLst>
+                          </p:cTn>
+                        </p:par>
+                      </p:childTnLst>
+                    </p:cTn>
+                  </p:par>
+                </p:childTnLst>
+              </p:cTn>
+              <p:prevCondLst>
+                <p:cond evt="onPrev" delay="0">
+                  <p:tgtEl>
+                    <p:sldTgt/>
+                  </p:tgtEl>
+                </p:cond>
+              </p:prevCondLst>
+              <p:nextCondLst>
+                <p:cond evt="onNext" delay="0">
+                  <p:tgtEl>
+                    <p:sldTgt/>
+                  </p:tgtEl>
+                </p:cond>
+              </p:nextCondLst>
+            </p:seq>
+          </p:childTnLst>
+        </p:cTn>
+      </p:par>
+    </p:tnLst>
+  </p:timing>
+</p:sld>
+</file>
+
+<file path=ppt/slides/slide6.xml><?xml version="1.0" encoding="utf-8"?>
+<p:sld xmlns:a="http://schemas.openxmlformats.org/drawingml/2006/main" xmlns:r="http://schemas.openxmlformats.org/officeDocument/2006/relationships" xmlns:p="http://schemas.openxmlformats.org/presentationml/2006/main">
+  <p:cSld>
+    <p:spTree>
+      <p:nvGrpSpPr>
+        <p:cNvPr id="1" name=""/>
+        <p:cNvGrpSpPr/>
+        <p:nvPr/>
+      </p:nvGrpSpPr>
+      <p:grpSpPr>
+        <a:xfrm>
+          <a:off x="0" y="0"/>
+          <a:ext cx="0" cy="0"/>
+          <a:chOff x="0" y="0"/>
+          <a:chExt cx="0" cy="0"/>
+        </a:xfrm>
+      </p:grpSpPr>
+      <p:sp>
+        <p:nvSpPr>
+          <p:cNvPr id="2" name="Title 1">
+            <a:extLst>
+              <a:ext uri="{FF2B5EF4-FFF2-40B4-BE49-F238E27FC236}">
+                <a16:creationId xmlns:a16="http://schemas.microsoft.com/office/drawing/2014/main" id="{10F8B22E-2832-1F47-8B99-6F60BE82E6ED}"/>
+              </a:ext>
+            </a:extLst>
+          </p:cNvPr>
+          <p:cNvSpPr>
+            <a:spLocks noGrp="1"/>
+          </p:cNvSpPr>
+          <p:nvPr>
+            <p:ph type="title"/>
+          </p:nvPr>
+        </p:nvSpPr>
+        <p:spPr/>
+        <p:txBody>
+          <a:bodyPr/>
+          <a:lstStyle/>
+          <a:p>
+            <a:r>
+              <a:rPr lang="en-US" dirty="0"/>
+              <a:t>Request Unit Pools</a:t>
+            </a:r>
+          </a:p>
+        </p:txBody>
+      </p:sp>
+      <p:sp>
+        <p:nvSpPr>
+          <p:cNvPr id="3" name="Text Placeholder 2">
+            <a:extLst>
+              <a:ext uri="{FF2B5EF4-FFF2-40B4-BE49-F238E27FC236}">
+                <a16:creationId xmlns:a16="http://schemas.microsoft.com/office/drawing/2014/main" id="{198986F0-FE2A-4044-A4BB-6E7C3EDD2CB1}"/>
+              </a:ext>
+            </a:extLst>
+          </p:cNvPr>
+          <p:cNvSpPr>
+            <a:spLocks noGrp="1"/>
+          </p:cNvSpPr>
+          <p:nvPr>
+            <p:ph type="body" sz="quarter" idx="10"/>
+          </p:nvPr>
+        </p:nvSpPr>
+        <p:spPr>
+          <a:xfrm>
+            <a:off x="274638" y="1212850"/>
+            <a:ext cx="11887200" cy="4955203"/>
+          </a:xfrm>
+        </p:spPr>
+        <p:txBody>
+          <a:bodyPr/>
+          <a:lstStyle/>
+          <a:p>
+            <a:endParaRPr lang="en-US" dirty="0"/>
+          </a:p>
+          <a:p>
+            <a:r>
+              <a:rPr lang="en-US" dirty="0"/>
+              <a:t>New feature! Just announced at Build!</a:t>
+            </a:r>
+          </a:p>
+          <a:p>
+            <a:r>
+              <a:rPr lang="en-US" dirty="0"/>
+              <a:t>	Database-level Request Units</a:t>
+            </a:r>
+          </a:p>
+          <a:p>
+            <a:r>
+              <a:rPr lang="en-US" dirty="0"/>
+              <a:t>	All collections in database may share RU's</a:t>
+            </a:r>
+          </a:p>
+          <a:p>
+            <a:endParaRPr lang="en-US" dirty="0"/>
+          </a:p>
+          <a:p>
+            <a:r>
+              <a:rPr lang="en-US" dirty="0"/>
+              <a:t>This can help with cost management</a:t>
+            </a:r>
+          </a:p>
+          <a:p>
+            <a:r>
+              <a:rPr lang="en-US" dirty="0"/>
+              <a:t>This can help to avoid throttling!</a:t>
+            </a:r>
+          </a:p>
+        </p:txBody>
+      </p:sp>
+    </p:spTree>
+    <p:extLst>
+      <p:ext uri="{BB962C8B-B14F-4D97-AF65-F5344CB8AC3E}">
+        <p14:creationId xmlns:p14="http://schemas.microsoft.com/office/powerpoint/2010/main" val="4094822383"/>
+      </p:ext>
+    </p:extLst>
+  </p:cSld>
+  <p:clrMapOvr>
+    <a:masterClrMapping/>
+  </p:clrMapOvr>
+  <p:transition>
+    <p:fade/>
+  </p:transition>
+  <p:timing>
+    <p:tnLst>
+      <p:par>
+        <p:cTn id="1" dur="indefinite" restart="never" nodeType="tmRoot">
+          <p:childTnLst>
+            <p:seq concurrent="1" nextAc="seek">
+              <p:cTn id="2" dur="indefinite" nodeType="mainSeq">
+                <p:childTnLst>
+                  <p:par>
+                    <p:cTn id="3" fill="hold">
+                      <p:stCondLst>
+                        <p:cond delay="indefinite"/>
+                      </p:stCondLst>
+                      <p:childTnLst>
+                        <p:par>
+                          <p:cTn id="4" fill="hold">
+                            <p:stCondLst>
+                              <p:cond delay="0"/>
+                            </p:stCondLst>
+                            <p:childTnLst>
+                              <p:par>
+                                <p:cTn id="5" presetID="10" presetClass="entr" presetSubtype="0" fill="hold" nodeType="clickEffect">
+                                  <p:stCondLst>
+                                    <p:cond delay="0"/>
+                                  </p:stCondLst>
+                                  <p:childTnLst>
+                                    <p:set>
+                                      <p:cBhvr>
+                                        <p:cTn id="6" dur="1" fill="hold">
+                                          <p:stCondLst>
+                                            <p:cond delay="0"/>
+                                          </p:stCondLst>
+                                        </p:cTn>
+                                        <p:tgtEl>
+                                          <p:spTgt spid="3">
+                                            <p:txEl>
+                                              <p:pRg st="1" end="1"/>
+                                            </p:txEl>
+                                          </p:spTgt>
+                                        </p:tgtEl>
+                                        <p:attrNameLst>
+                                          <p:attrName>style.visibility</p:attrName>
+                                        </p:attrNameLst>
+                                      </p:cBhvr>
+                                      <p:to>
+                                        <p:strVal val="visible"/>
+                                      </p:to>
+                                    </p:set>
+                                    <p:animEffect transition="in" filter="fade">
+                                      <p:cBhvr>
+                                        <p:cTn id="7" dur="500"/>
+                                        <p:tgtEl>
+                                          <p:spTgt spid="3">
+                                            <p:txEl>
+                                              <p:pRg st="1" end="1"/>
+                                            </p:txEl>
+                                          </p:spTgt>
+                                        </p:tgtEl>
+                                      </p:cBhvr>
+                                    </p:animEffect>
+                                  </p:childTnLst>
+                                </p:cTn>
+                              </p:par>
+                            </p:childTnLst>
+                          </p:cTn>
+                        </p:par>
+                      </p:childTnLst>
+                    </p:cTn>
+                  </p:par>
+                  <p:par>
+                    <p:cTn id="8" fill="hold">
+                      <p:stCondLst>
+                        <p:cond delay="indefinite"/>
+                      </p:stCondLst>
+                      <p:childTnLst>
+                        <p:par>
+                          <p:cTn id="9" fill="hold">
+                            <p:stCondLst>
+                              <p:cond delay="0"/>
+                            </p:stCondLst>
+                            <p:childTnLst>
+                              <p:par>
+                                <p:cTn id="10" presetID="10" presetClass="entr" presetSubtype="0" fill="hold" nodeType="clickEffect">
+                                  <p:stCondLst>
+                                    <p:cond delay="0"/>
+                                  </p:stCondLst>
+                                  <p:childTnLst>
+                                    <p:set>
+                                      <p:cBhvr>
+                                        <p:cTn id="11" dur="1" fill="hold">
+                                          <p:stCondLst>
+                                            <p:cond delay="0"/>
+                                          </p:stCondLst>
+                                        </p:cTn>
+                                        <p:tgtEl>
+                                          <p:spTgt spid="3">
+                                            <p:txEl>
+                                              <p:pRg st="2" end="2"/>
+                                            </p:txEl>
+                                          </p:spTgt>
+                                        </p:tgtEl>
+                                        <p:attrNameLst>
+                                          <p:attrName>style.visibility</p:attrName>
+                                        </p:attrNameLst>
+                                      </p:cBhvr>
+                                      <p:to>
+                                        <p:strVal val="visible"/>
+                                      </p:to>
+                                    </p:set>
+                                    <p:animEffect transition="in" filter="fade">
+                                      <p:cBhvr>
+                                        <p:cTn id="12" dur="500"/>
+                                        <p:tgtEl>
+                                          <p:spTgt spid="3">
+                                            <p:txEl>
+                                              <p:pRg st="2" end="2"/>
+                                            </p:txEl>
+                                          </p:spTgt>
+                                        </p:tgtEl>
+                                      </p:cBhvr>
+                                    </p:animEffect>
+                                  </p:childTnLst>
+                                </p:cTn>
+                              </p:par>
+                              <p:par>
+                                <p:cTn id="13" presetID="10" presetClass="entr" presetSubtype="0" fill="hold" nodeType="withEffect">
+                                  <p:stCondLst>
+                                    <p:cond delay="0"/>
+                                  </p:stCondLst>
+                                  <p:childTnLst>
+                                    <p:set>
+                                      <p:cBhvr>
+                                        <p:cTn id="14" dur="1" fill="hold">
+                                          <p:stCondLst>
+                                            <p:cond delay="0"/>
+                                          </p:stCondLst>
+                                        </p:cTn>
+                                        <p:tgtEl>
+                                          <p:spTgt spid="3">
+                                            <p:txEl>
+                                              <p:pRg st="3" end="3"/>
+                                            </p:txEl>
+                                          </p:spTgt>
+                                        </p:tgtEl>
+                                        <p:attrNameLst>
+                                          <p:attrName>style.visibility</p:attrName>
+                                        </p:attrNameLst>
+                                      </p:cBhvr>
+                                      <p:to>
+                                        <p:strVal val="visible"/>
+                                      </p:to>
+                                    </p:set>
+                                    <p:animEffect transition="in" filter="fade">
+                                      <p:cBhvr>
+                                        <p:cTn id="15" dur="500"/>
+                                        <p:tgtEl>
+                                          <p:spTgt spid="3">
+                                            <p:txEl>
+                                              <p:pRg st="3" end="3"/>
+                                            </p:txEl>
+                                          </p:spTgt>
+                                        </p:tgtEl>
+                                      </p:cBhvr>
+                                    </p:animEffect>
+                                  </p:childTnLst>
+                                </p:cTn>
+                              </p:par>
+                            </p:childTnLst>
+                          </p:cTn>
+                        </p:par>
+                      </p:childTnLst>
+                    </p:cTn>
+                  </p:par>
+                  <p:par>
+                    <p:cTn id="16" fill="hold">
+                      <p:stCondLst>
+                        <p:cond delay="indefinite"/>
+                      </p:stCondLst>
+                      <p:childTnLst>
+                        <p:par>
+                          <p:cTn id="17" fill="hold">
+                            <p:stCondLst>
+                              <p:cond delay="0"/>
+                            </p:stCondLst>
+                            <p:childTnLst>
+                              <p:par>
+                                <p:cTn id="18" presetID="10" presetClass="entr" presetSubtype="0" fill="hold" nodeType="clickEffect">
+                                  <p:stCondLst>
+                                    <p:cond delay="0"/>
+                                  </p:stCondLst>
+                                  <p:childTnLst>
+                                    <p:set>
+                                      <p:cBhvr>
+                                        <p:cTn id="19" dur="1" fill="hold">
+                                          <p:stCondLst>
+                                            <p:cond delay="0"/>
+                                          </p:stCondLst>
+                                        </p:cTn>
+                                        <p:tgtEl>
+                                          <p:spTgt spid="3">
+                                            <p:txEl>
+                                              <p:pRg st="5" end="5"/>
+                                            </p:txEl>
+                                          </p:spTgt>
+                                        </p:tgtEl>
+                                        <p:attrNameLst>
+                                          <p:attrName>style.visibility</p:attrName>
+                                        </p:attrNameLst>
+                                      </p:cBhvr>
+                                      <p:to>
+                                        <p:strVal val="visible"/>
+                                      </p:to>
+                                    </p:set>
+                                    <p:animEffect transition="in" filter="fade">
+                                      <p:cBhvr>
+                                        <p:cTn id="20" dur="500"/>
+                                        <p:tgtEl>
+                                          <p:spTgt spid="3">
+                                            <p:txEl>
+                                              <p:pRg st="5" end="5"/>
+                                            </p:txEl>
+                                          </p:spTgt>
+                                        </p:tgtEl>
+                                      </p:cBhvr>
+                                    </p:animEffect>
+                                  </p:childTnLst>
+                                </p:cTn>
+                              </p:par>
+                              <p:par>
+                                <p:cTn id="21" presetID="10" presetClass="entr" presetSubtype="0" fill="hold" nodeType="withEffect">
+                                  <p:stCondLst>
+                                    <p:cond delay="0"/>
+                                  </p:stCondLst>
+                                  <p:childTnLst>
+                                    <p:set>
+                                      <p:cBhvr>
+                                        <p:cTn id="22" dur="1" fill="hold">
+                                          <p:stCondLst>
+                                            <p:cond delay="0"/>
+                                          </p:stCondLst>
+                                        </p:cTn>
+                                        <p:tgtEl>
+                                          <p:spTgt spid="3">
+                                            <p:txEl>
+                                              <p:pRg st="6" end="6"/>
+                                            </p:txEl>
+                                          </p:spTgt>
+                                        </p:tgtEl>
+                                        <p:attrNameLst>
+                                          <p:attrName>style.visibility</p:attrName>
+                                        </p:attrNameLst>
+                                      </p:cBhvr>
+                                      <p:to>
+                                        <p:strVal val="visible"/>
+                                      </p:to>
+                                    </p:set>
+                                    <p:animEffect transition="in" filter="fade">
+                                      <p:cBhvr>
+                                        <p:cTn id="23" dur="500"/>
+                                        <p:tgtEl>
+                                          <p:spTgt spid="3">
+                                            <p:txEl>
+                                              <p:pRg st="6" end="6"/>
+                                            </p:txEl>
+                                          </p:spTgt>
+                                        </p:tgtEl>
+                                      </p:cBhvr>
+                                    </p:animEffect>
+                                  </p:childTnLst>
+                                </p:cTn>
+                              </p:par>
+                            </p:childTnLst>
+                          </p:cTn>
+                        </p:par>
+                      </p:childTnLst>
+                    </p:cTn>
+                  </p:par>
+                </p:childTnLst>
+              </p:cTn>
+              <p:prevCondLst>
+                <p:cond evt="onPrev" delay="0">
+                  <p:tgtEl>
+                    <p:sldTgt/>
+                  </p:tgtEl>
+                </p:cond>
+              </p:prevCondLst>
+              <p:nextCondLst>
+                <p:cond evt="onNext" delay="0">
+                  <p:tgtEl>
+                    <p:sldTgt/>
+                  </p:tgtEl>
+                </p:cond>
+              </p:nextCondLst>
+            </p:seq>
+          </p:childTnLst>
+        </p:cTn>
+      </p:par>
+    </p:tnLst>
+  </p:timing>
+</p:sld>
+</file>
+
+<file path=ppt/slides/slide7.xml><?xml version="1.0" encoding="utf-8"?>
+<p:sld xmlns:a="http://schemas.openxmlformats.org/drawingml/2006/main" xmlns:r="http://schemas.openxmlformats.org/officeDocument/2006/relationships" xmlns:p="http://schemas.openxmlformats.org/presentationml/2006/main">
+  <p:cSld>
+    <p:spTree>
+      <p:nvGrpSpPr>
+        <p:cNvPr id="1" name=""/>
+        <p:cNvGrpSpPr/>
+        <p:nvPr/>
+      </p:nvGrpSpPr>
+      <p:grpSpPr>
+        <a:xfrm>
+          <a:off x="0" y="0"/>
+          <a:ext cx="0" cy="0"/>
+          <a:chOff x="0" y="0"/>
+          <a:chExt cx="0" cy="0"/>
+        </a:xfrm>
+      </p:grpSpPr>
+      <p:sp>
+        <p:nvSpPr>
           <p:cNvPr id="3" name="タイトル 2">
             <a:extLst>
               <a:ext uri="{FF2B5EF4-FFF2-40B4-BE49-F238E27FC236}">
@@ -16857,7 +15563,7 @@
 </p:sld>
 </file>
 
-<file path=ppt/slides/slide6.xml><?xml version="1.0" encoding="utf-8"?>
+<file path=ppt/slides/slide8.xml><?xml version="1.0" encoding="utf-8"?>
 <p:sld xmlns:a="http://schemas.openxmlformats.org/drawingml/2006/main" xmlns:r="http://schemas.openxmlformats.org/officeDocument/2006/relationships" xmlns:p="http://schemas.openxmlformats.org/presentationml/2006/main">
   <p:cSld>
     <p:spTree>
@@ -17290,7 +15996,7 @@
 </p:sld>
 </file>
 
-<file path=ppt/slides/slide7.xml><?xml version="1.0" encoding="utf-8"?>
+<file path=ppt/slides/slide9.xml><?xml version="1.0" encoding="utf-8"?>
 <p:sld xmlns:a="http://schemas.openxmlformats.org/drawingml/2006/main" xmlns:r="http://schemas.openxmlformats.org/officeDocument/2006/relationships" xmlns:p="http://schemas.openxmlformats.org/presentationml/2006/main">
   <p:cSld>
     <p:spTree>
@@ -17769,155 +16475,6 @@
       </p:par>
     </p:tnLst>
   </p:timing>
-</p:sld>
-</file>
-
-<file path=ppt/slides/slide8.xml><?xml version="1.0" encoding="utf-8"?>
-<p:sld xmlns:a="http://schemas.openxmlformats.org/drawingml/2006/main" xmlns:r="http://schemas.openxmlformats.org/officeDocument/2006/relationships" xmlns:p="http://schemas.openxmlformats.org/presentationml/2006/main">
-  <p:cSld>
-    <p:spTree>
-      <p:nvGrpSpPr>
-        <p:cNvPr id="1" name=""/>
-        <p:cNvGrpSpPr/>
-        <p:nvPr/>
-      </p:nvGrpSpPr>
-      <p:grpSpPr>
-        <a:xfrm>
-          <a:off x="0" y="0"/>
-          <a:ext cx="0" cy="0"/>
-          <a:chOff x="0" y="0"/>
-          <a:chExt cx="0" cy="0"/>
-        </a:xfrm>
-      </p:grpSpPr>
-      <p:sp>
-        <p:nvSpPr>
-          <p:cNvPr id="24" name="タイトル 23">
-            <a:extLst>
-              <a:ext uri="{FF2B5EF4-FFF2-40B4-BE49-F238E27FC236}">
-                <a16:creationId xmlns:a16="http://schemas.microsoft.com/office/drawing/2014/main" id="{56C00BB0-7B9C-450B-BE5E-DA73DD740A81}"/>
-              </a:ext>
-            </a:extLst>
-          </p:cNvPr>
-          <p:cNvSpPr>
-            <a:spLocks noGrp="1"/>
-          </p:cNvSpPr>
-          <p:nvPr>
-            <p:ph type="title"/>
-          </p:nvPr>
-        </p:nvSpPr>
-        <p:spPr/>
-        <p:txBody>
-          <a:bodyPr/>
-          <a:lstStyle/>
-          <a:p>
-            <a:r>
-              <a:rPr kumimoji="1" lang="en-US" altLang="ja-JP" dirty="0"/>
-              <a:t>Demo</a:t>
-            </a:r>
-            <a:endParaRPr kumimoji="1" lang="ja-JP" altLang="en-US" dirty="0"/>
-          </a:p>
-        </p:txBody>
-      </p:sp>
-      <p:sp>
-        <p:nvSpPr>
-          <p:cNvPr id="25" name="テキスト プレースホルダー 24">
-            <a:extLst>
-              <a:ext uri="{FF2B5EF4-FFF2-40B4-BE49-F238E27FC236}">
-                <a16:creationId xmlns:a16="http://schemas.microsoft.com/office/drawing/2014/main" id="{46CB38ED-1A98-41EF-A44A-C6CDAB13FBEF}"/>
-              </a:ext>
-            </a:extLst>
-          </p:cNvPr>
-          <p:cNvSpPr>
-            <a:spLocks noGrp="1"/>
-          </p:cNvSpPr>
-          <p:nvPr>
-            <p:ph type="body" sz="quarter" idx="11"/>
-          </p:nvPr>
-        </p:nvSpPr>
-        <p:spPr/>
-        <p:txBody>
-          <a:bodyPr/>
-          <a:lstStyle/>
-          <a:p>
-            <a:endParaRPr kumimoji="1" lang="ja-JP" altLang="en-US"/>
-          </a:p>
-        </p:txBody>
-      </p:sp>
-    </p:spTree>
-    <p:extLst>
-      <p:ext uri="{BB962C8B-B14F-4D97-AF65-F5344CB8AC3E}">
-        <p14:creationId xmlns:p14="http://schemas.microsoft.com/office/powerpoint/2010/main" val="3227987672"/>
-      </p:ext>
-    </p:extLst>
-  </p:cSld>
-  <p:clrMapOvr>
-    <a:masterClrMapping/>
-  </p:clrMapOvr>
-  <p:transition>
-    <p:fade/>
-  </p:transition>
-</p:sld>
-</file>
-
-<file path=ppt/slides/slide9.xml><?xml version="1.0" encoding="utf-8"?>
-<p:sld xmlns:a="http://schemas.openxmlformats.org/drawingml/2006/main" xmlns:r="http://schemas.openxmlformats.org/officeDocument/2006/relationships" xmlns:p="http://schemas.openxmlformats.org/presentationml/2006/main">
-  <p:cSld>
-    <p:spTree>
-      <p:nvGrpSpPr>
-        <p:cNvPr id="1" name=""/>
-        <p:cNvGrpSpPr/>
-        <p:nvPr/>
-      </p:nvGrpSpPr>
-      <p:grpSpPr>
-        <a:xfrm>
-          <a:off x="0" y="0"/>
-          <a:ext cx="0" cy="0"/>
-          <a:chOff x="0" y="0"/>
-          <a:chExt cx="0" cy="0"/>
-        </a:xfrm>
-      </p:grpSpPr>
-      <p:sp>
-        <p:nvSpPr>
-          <p:cNvPr id="3" name="タイトル 2">
-            <a:extLst>
-              <a:ext uri="{FF2B5EF4-FFF2-40B4-BE49-F238E27FC236}">
-                <a16:creationId xmlns:a16="http://schemas.microsoft.com/office/drawing/2014/main" id="{9320925D-4773-4DB4-A02C-A255D05A5139}"/>
-              </a:ext>
-            </a:extLst>
-          </p:cNvPr>
-          <p:cNvSpPr>
-            <a:spLocks noGrp="1"/>
-          </p:cNvSpPr>
-          <p:nvPr>
-            <p:ph type="title"/>
-          </p:nvPr>
-        </p:nvSpPr>
-        <p:spPr/>
-        <p:txBody>
-          <a:bodyPr/>
-          <a:lstStyle/>
-          <a:p>
-            <a:r>
-              <a:rPr kumimoji="1" lang="en-US" altLang="ja-JP" dirty="0"/>
-              <a:t>Indexes</a:t>
-            </a:r>
-            <a:endParaRPr kumimoji="1" lang="ja-JP" altLang="en-US" dirty="0"/>
-          </a:p>
-        </p:txBody>
-      </p:sp>
-    </p:spTree>
-    <p:extLst>
-      <p:ext uri="{BB962C8B-B14F-4D97-AF65-F5344CB8AC3E}">
-        <p14:creationId xmlns:p14="http://schemas.microsoft.com/office/powerpoint/2010/main" val="816861111"/>
-      </p:ext>
-    </p:extLst>
-  </p:cSld>
-  <p:clrMapOvr>
-    <a:masterClrMapping/>
-  </p:clrMapOvr>
-  <p:transition>
-    <p:fade/>
-  </p:transition>
 </p:sld>
 </file>
 

--- a/decode2018_cosmosdb.pptx
+++ b/decode2018_cosmosdb.pptx
@@ -5,10 +5,10 @@
     <p:sldMasterId id="2147484382" r:id="rId4"/>
   </p:sldMasterIdLst>
   <p:notesMasterIdLst>
-    <p:notesMasterId r:id="rId31"/>
+    <p:notesMasterId r:id="rId33"/>
   </p:notesMasterIdLst>
   <p:handoutMasterIdLst>
-    <p:handoutMasterId r:id="rId32"/>
+    <p:handoutMasterId r:id="rId34"/>
   </p:handoutMasterIdLst>
   <p:sldIdLst>
     <p:sldId id="1450" r:id="rId5"/>
@@ -36,7 +36,9 @@
     <p:sldId id="1501" r:id="rId27"/>
     <p:sldId id="1502" r:id="rId28"/>
     <p:sldId id="1503" r:id="rId29"/>
-    <p:sldId id="1326" r:id="rId30"/>
+    <p:sldId id="1505" r:id="rId30"/>
+    <p:sldId id="1506" r:id="rId31"/>
+    <p:sldId id="1504" r:id="rId32"/>
   </p:sldIdLst>
   <p:sldSz cx="12436475" cy="6994525"/>
   <p:notesSz cx="6858000" cy="9144000"/>
@@ -256,7 +258,7 @@
               <a:rPr lang="en-US" smtClean="0">
                 <a:latin typeface="Segoe UI" pitchFamily="34" charset="0"/>
               </a:rPr>
-              <a:t>5/24/18 11:52 AM</a:t>
+              <a:t>5/24/18 12:41 PM</a:t>
             </a:fld>
             <a:endParaRPr lang="en-US" dirty="0">
               <a:latin typeface="Segoe UI" pitchFamily="34" charset="0"/>
@@ -501,7 +503,7 @@
           <a:p>
             <a:fld id="{38EEC551-8CDA-4EB6-89BB-2A86C9F091C8}" type="datetime8">
               <a:rPr lang="en-US" smtClean="0"/>
-              <a:t>5/24/18 11:52 AM</a:t>
+              <a:t>5/24/18 12:41 PM</a:t>
             </a:fld>
             <a:endParaRPr lang="en-US" dirty="0"/>
           </a:p>
@@ -876,7 +878,7 @@
           <a:p>
             <a:fld id="{7D10C09F-FCA1-48C8-B40D-42E1045D109E}" type="datetime8">
               <a:rPr lang="en-US" smtClean="0"/>
-              <a:t>5/24/18 11:52 AM</a:t>
+              <a:t>5/24/18 12:41 PM</a:t>
             </a:fld>
             <a:endParaRPr lang="en-US" dirty="0"/>
           </a:p>
@@ -1049,7 +1051,7 @@
           <a:p>
             <a:fld id="{7D10C09F-FCA1-48C8-B40D-42E1045D109E}" type="datetime8">
               <a:rPr lang="en-US" smtClean="0"/>
-              <a:t>5/24/18 11:52 AM</a:t>
+              <a:t>5/24/18 12:41 PM</a:t>
             </a:fld>
             <a:endParaRPr lang="en-US" dirty="0"/>
           </a:p>
@@ -1222,7 +1224,7 @@
           <a:p>
             <a:fld id="{7D10C09F-FCA1-48C8-B40D-42E1045D109E}" type="datetime8">
               <a:rPr lang="en-US" smtClean="0"/>
-              <a:t>5/24/18 11:52 AM</a:t>
+              <a:t>5/24/18 12:41 PM</a:t>
             </a:fld>
             <a:endParaRPr lang="en-US" dirty="0"/>
           </a:p>
@@ -1395,7 +1397,7 @@
           <a:p>
             <a:fld id="{7D10C09F-FCA1-48C8-B40D-42E1045D109E}" type="datetime8">
               <a:rPr lang="en-US" smtClean="0"/>
-              <a:t>5/24/18 11:52 AM</a:t>
+              <a:t>5/24/18 12:41 PM</a:t>
             </a:fld>
             <a:endParaRPr lang="en-US" dirty="0"/>
           </a:p>
@@ -1568,7 +1570,7 @@
           <a:p>
             <a:fld id="{7D10C09F-FCA1-48C8-B40D-42E1045D109E}" type="datetime8">
               <a:rPr lang="en-US" smtClean="0"/>
-              <a:t>5/24/18 11:54 AM</a:t>
+              <a:t>5/24/18 12:41 PM</a:t>
             </a:fld>
             <a:endParaRPr lang="en-US" dirty="0"/>
           </a:p>
@@ -1612,6 +1614,179 @@
 </file>
 
 <file path=ppt/notesSlides/notesSlide6.xml><?xml version="1.0" encoding="utf-8"?>
+<p:notes xmlns:a="http://schemas.openxmlformats.org/drawingml/2006/main" xmlns:r="http://schemas.openxmlformats.org/officeDocument/2006/relationships" xmlns:p="http://schemas.openxmlformats.org/presentationml/2006/main">
+  <p:cSld>
+    <p:spTree>
+      <p:nvGrpSpPr>
+        <p:cNvPr id="1" name=""/>
+        <p:cNvGrpSpPr/>
+        <p:nvPr/>
+      </p:nvGrpSpPr>
+      <p:grpSpPr>
+        <a:xfrm>
+          <a:off x="0" y="0"/>
+          <a:ext cx="0" cy="0"/>
+          <a:chOff x="0" y="0"/>
+          <a:chExt cx="0" cy="0"/>
+        </a:xfrm>
+      </p:grpSpPr>
+      <p:sp>
+        <p:nvSpPr>
+          <p:cNvPr id="2" name="Slide Image Placeholder 1"/>
+          <p:cNvSpPr>
+            <a:spLocks noGrp="1" noRot="1" noChangeAspect="1"/>
+          </p:cNvSpPr>
+          <p:nvPr>
+            <p:ph type="sldImg"/>
+          </p:nvPr>
+        </p:nvSpPr>
+        <p:spPr/>
+      </p:sp>
+      <p:sp>
+        <p:nvSpPr>
+          <p:cNvPr id="3" name="Notes Placeholder 2"/>
+          <p:cNvSpPr>
+            <a:spLocks noGrp="1"/>
+          </p:cNvSpPr>
+          <p:nvPr>
+            <p:ph type="body" idx="1"/>
+          </p:nvPr>
+        </p:nvSpPr>
+        <p:spPr/>
+        <p:txBody>
+          <a:bodyPr/>
+          <a:lstStyle/>
+          <a:p>
+            <a:endParaRPr lang="en-US" dirty="0"/>
+          </a:p>
+        </p:txBody>
+      </p:sp>
+      <p:sp>
+        <p:nvSpPr>
+          <p:cNvPr id="4" name="Header Placeholder 3"/>
+          <p:cNvSpPr>
+            <a:spLocks noGrp="1"/>
+          </p:cNvSpPr>
+          <p:nvPr>
+            <p:ph type="hdr" sz="quarter" idx="10"/>
+          </p:nvPr>
+        </p:nvSpPr>
+        <p:spPr>
+          <a:xfrm>
+            <a:off x="0" y="0"/>
+            <a:ext cx="2971800" cy="457200"/>
+          </a:xfrm>
+          <a:prstGeom prst="rect">
+            <a:avLst/>
+          </a:prstGeom>
+        </p:spPr>
+        <p:txBody>
+          <a:bodyPr/>
+          <a:lstStyle/>
+          <a:p>
+            <a:endParaRPr lang="en-US" dirty="0"/>
+          </a:p>
+        </p:txBody>
+      </p:sp>
+      <p:sp>
+        <p:nvSpPr>
+          <p:cNvPr id="5" name="Footer Placeholder 4"/>
+          <p:cNvSpPr>
+            <a:spLocks noGrp="1"/>
+          </p:cNvSpPr>
+          <p:nvPr>
+            <p:ph type="ftr" sz="quarter" idx="11"/>
+          </p:nvPr>
+        </p:nvSpPr>
+        <p:spPr/>
+        <p:txBody>
+          <a:bodyPr/>
+          <a:lstStyle/>
+          <a:p>
+            <a:pPr defTabSz="914099" eaLnBrk="0" hangingPunct="0"/>
+            <a:r>
+              <a:rPr lang="en-US" sz="400" dirty="0">
+                <a:gradFill>
+                  <a:gsLst>
+                    <a:gs pos="0">
+                      <a:prstClr val="black"/>
+                    </a:gs>
+                    <a:gs pos="100000">
+                      <a:prstClr val="black"/>
+                    </a:gs>
+                  </a:gsLst>
+                  <a:lin ang="5400000" scaled="0"/>
+                </a:gradFill>
+                <a:latin typeface="Segoe UI" pitchFamily="34" charset="0"/>
+                <a:ea typeface="Segoe UI" pitchFamily="34" charset="0"/>
+                <a:cs typeface="Segoe UI" pitchFamily="34" charset="0"/>
+              </a:rPr>
+              <a:t>© 2016 Microsoft Corporation. All rights reserved. MICROSOFT MAKES NO WARRANTIES, EXPRESS, IMPLIED OR STATUTORY, AS TO THE INFORMATION IN THIS PRESENTATION.</a:t>
+            </a:r>
+          </a:p>
+        </p:txBody>
+      </p:sp>
+      <p:sp>
+        <p:nvSpPr>
+          <p:cNvPr id="6" name="Date Placeholder 5"/>
+          <p:cNvSpPr>
+            <a:spLocks noGrp="1"/>
+          </p:cNvSpPr>
+          <p:nvPr>
+            <p:ph type="dt" idx="12"/>
+          </p:nvPr>
+        </p:nvSpPr>
+        <p:spPr/>
+        <p:txBody>
+          <a:bodyPr/>
+          <a:lstStyle/>
+          <a:p>
+            <a:fld id="{7D10C09F-FCA1-48C8-B40D-42E1045D109E}" type="datetime8">
+              <a:rPr lang="en-US" smtClean="0"/>
+              <a:t>5/24/18 12:42 PM</a:t>
+            </a:fld>
+            <a:endParaRPr lang="en-US" dirty="0"/>
+          </a:p>
+        </p:txBody>
+      </p:sp>
+      <p:sp>
+        <p:nvSpPr>
+          <p:cNvPr id="7" name="Slide Number Placeholder 6"/>
+          <p:cNvSpPr>
+            <a:spLocks noGrp="1"/>
+          </p:cNvSpPr>
+          <p:nvPr>
+            <p:ph type="sldNum" sz="quarter" idx="13"/>
+          </p:nvPr>
+        </p:nvSpPr>
+        <p:spPr/>
+        <p:txBody>
+          <a:bodyPr/>
+          <a:lstStyle/>
+          <a:p>
+            <a:fld id="{B4008EB6-D09E-4580-8CD6-DDB14511944F}" type="slidenum">
+              <a:rPr lang="en-US" smtClean="0"/>
+              <a:pPr/>
+              <a:t>26</a:t>
+            </a:fld>
+            <a:endParaRPr lang="en-US" dirty="0"/>
+          </a:p>
+        </p:txBody>
+      </p:sp>
+    </p:spTree>
+    <p:extLst>
+      <p:ext uri="{BB962C8B-B14F-4D97-AF65-F5344CB8AC3E}">
+        <p14:creationId xmlns:p14="http://schemas.microsoft.com/office/powerpoint/2010/main" val="741314019"/>
+      </p:ext>
+    </p:extLst>
+  </p:cSld>
+  <p:clrMapOvr>
+    <a:masterClrMapping/>
+  </p:clrMapOvr>
+</p:notes>
+</file>
+
+<file path=ppt/notesSlides/notesSlide7.xml><?xml version="1.0" encoding="utf-8"?>
 <p:notes xmlns:a="http://schemas.openxmlformats.org/drawingml/2006/main" xmlns:r="http://schemas.openxmlformats.org/officeDocument/2006/relationships" xmlns:p="http://schemas.openxmlformats.org/presentationml/2006/main">
   <p:cSld>
     <p:spTree>
@@ -1718,7 +1893,7 @@
                   <a:prstClr val="black"/>
                 </a:solidFill>
               </a:rPr>
-              <a:t>5/24/18 11:52 AM</a:t>
+              <a:t>5/24/18 12:42 PM</a:t>
             </a:fld>
             <a:endParaRPr lang="en-US" dirty="0">
               <a:solidFill>
@@ -1750,7 +1925,7 @@
                 </a:solidFill>
               </a:rPr>
               <a:pPr/>
-              <a:t>26</a:t>
+              <a:t>28</a:t>
             </a:fld>
             <a:endParaRPr lang="en-US" dirty="0">
               <a:solidFill>
@@ -1801,7 +1976,7 @@
     </p:spTree>
     <p:extLst>
       <p:ext uri="{BB962C8B-B14F-4D97-AF65-F5344CB8AC3E}">
-        <p14:creationId xmlns:p14="http://schemas.microsoft.com/office/powerpoint/2010/main" val="2861498552"/>
+        <p14:creationId xmlns:p14="http://schemas.microsoft.com/office/powerpoint/2010/main" val="2041728271"/>
       </p:ext>
     </p:extLst>
   </p:cSld>
@@ -7959,12 +8134,18 @@
           <a:lstStyle/>
           <a:p>
             <a:r>
-              <a:rPr lang="en-US" altLang="ja-JP"/>
-              <a:t>Principal Software </a:t>
-            </a:r>
-            <a:r>
               <a:rPr lang="en-US" altLang="ja-JP" dirty="0"/>
-              <a:t>Engineer, Microsoft</a:t>
+              <a:t>Principal Software Engineer, Microsoft</a:t>
+            </a:r>
+          </a:p>
+          <a:p>
+            <a:r>
+              <a:rPr kumimoji="1" lang="en-US" altLang="ja-JP" dirty="0"/>
+              <a:t>Twitter: @</a:t>
+            </a:r>
+            <a:r>
+              <a:rPr kumimoji="1" lang="en-US" altLang="ja-JP" dirty="0" err="1"/>
+              <a:t>dmakogon</a:t>
             </a:r>
             <a:endParaRPr kumimoji="1" lang="ja-JP" altLang="en-US"/>
           </a:p>
@@ -13209,10 +13390,278 @@
           <a:chExt cx="0" cy="0"/>
         </a:xfrm>
       </p:grpSpPr>
+      <p:sp>
+        <p:nvSpPr>
+          <p:cNvPr id="3" name="タイトル 2">
+            <a:extLst>
+              <a:ext uri="{FF2B5EF4-FFF2-40B4-BE49-F238E27FC236}">
+                <a16:creationId xmlns:a16="http://schemas.microsoft.com/office/drawing/2014/main" id="{9320925D-4773-4DB4-A02C-A255D05A5139}"/>
+              </a:ext>
+            </a:extLst>
+          </p:cNvPr>
+          <p:cNvSpPr>
+            <a:spLocks noGrp="1"/>
+          </p:cNvSpPr>
+          <p:nvPr>
+            <p:ph type="title"/>
+          </p:nvPr>
+        </p:nvSpPr>
+        <p:spPr/>
+        <p:txBody>
+          <a:bodyPr/>
+          <a:lstStyle/>
+          <a:p>
+            <a:r>
+              <a:rPr kumimoji="1" lang="en-US" altLang="ja-JP" dirty="0"/>
+              <a:t>Wrap-up</a:t>
+            </a:r>
+            <a:endParaRPr kumimoji="1" lang="ja-JP" altLang="en-US" dirty="0"/>
+          </a:p>
+        </p:txBody>
+      </p:sp>
     </p:spTree>
     <p:extLst>
       <p:ext uri="{BB962C8B-B14F-4D97-AF65-F5344CB8AC3E}">
-        <p14:creationId xmlns:p14="http://schemas.microsoft.com/office/powerpoint/2010/main" val="1066074585"/>
+        <p14:creationId xmlns:p14="http://schemas.microsoft.com/office/powerpoint/2010/main" val="2006924639"/>
+      </p:ext>
+    </p:extLst>
+  </p:cSld>
+  <p:clrMapOvr>
+    <a:masterClrMapping/>
+  </p:clrMapOvr>
+  <p:transition>
+    <p:fade/>
+  </p:transition>
+</p:sld>
+</file>
+
+<file path=ppt/slides/slide27.xml><?xml version="1.0" encoding="utf-8"?>
+<p:sld xmlns:a="http://schemas.openxmlformats.org/drawingml/2006/main" xmlns:r="http://schemas.openxmlformats.org/officeDocument/2006/relationships" xmlns:p="http://schemas.openxmlformats.org/presentationml/2006/main">
+  <p:cSld>
+    <p:spTree>
+      <p:nvGrpSpPr>
+        <p:cNvPr id="1" name=""/>
+        <p:cNvGrpSpPr/>
+        <p:nvPr/>
+      </p:nvGrpSpPr>
+      <p:grpSpPr>
+        <a:xfrm>
+          <a:off x="0" y="0"/>
+          <a:ext cx="0" cy="0"/>
+          <a:chOff x="0" y="0"/>
+          <a:chExt cx="0" cy="0"/>
+        </a:xfrm>
+      </p:grpSpPr>
+      <p:sp>
+        <p:nvSpPr>
+          <p:cNvPr id="2" name="タイトル 1">
+            <a:extLst>
+              <a:ext uri="{FF2B5EF4-FFF2-40B4-BE49-F238E27FC236}">
+                <a16:creationId xmlns:a16="http://schemas.microsoft.com/office/drawing/2014/main" id="{5A95598C-43C6-4FC3-A65A-7DB9427D39FD}"/>
+              </a:ext>
+            </a:extLst>
+          </p:cNvPr>
+          <p:cNvSpPr>
+            <a:spLocks noGrp="1"/>
+          </p:cNvSpPr>
+          <p:nvPr>
+            <p:ph type="title"/>
+          </p:nvPr>
+        </p:nvSpPr>
+        <p:spPr/>
+        <p:txBody>
+          <a:bodyPr/>
+          <a:lstStyle/>
+          <a:p>
+            <a:r>
+              <a:rPr kumimoji="1" lang="en-US" altLang="ja-JP" dirty="0"/>
+              <a:t>Where is everything?</a:t>
+            </a:r>
+            <a:endParaRPr kumimoji="1" lang="ja-JP" altLang="en-US" dirty="0"/>
+          </a:p>
+        </p:txBody>
+      </p:sp>
+      <p:sp>
+        <p:nvSpPr>
+          <p:cNvPr id="3" name="テキスト プレースホルダー 2">
+            <a:extLst>
+              <a:ext uri="{FF2B5EF4-FFF2-40B4-BE49-F238E27FC236}">
+                <a16:creationId xmlns:a16="http://schemas.microsoft.com/office/drawing/2014/main" id="{F4DDF489-6D74-44D4-BBB0-40E19673E8C5}"/>
+              </a:ext>
+            </a:extLst>
+          </p:cNvPr>
+          <p:cNvSpPr>
+            <a:spLocks noGrp="1"/>
+          </p:cNvSpPr>
+          <p:nvPr>
+            <p:ph type="body" sz="quarter" idx="10"/>
+          </p:nvPr>
+        </p:nvSpPr>
+        <p:spPr>
+          <a:xfrm>
+            <a:off x="274637" y="1212850"/>
+            <a:ext cx="12064279" cy="5078313"/>
+          </a:xfrm>
+        </p:spPr>
+        <p:txBody>
+          <a:bodyPr/>
+          <a:lstStyle/>
+          <a:p>
+            <a:r>
+              <a:rPr lang="en-US" altLang="ja-JP" sz="4800" dirty="0">
+                <a:solidFill>
+                  <a:schemeClr val="tx1"/>
+                </a:solidFill>
+              </a:rPr>
+              <a:t>Me, on twitter: </a:t>
+            </a:r>
+            <a:r>
+              <a:rPr lang="en-US" altLang="ja-JP" sz="4800" dirty="0">
+                <a:solidFill>
+                  <a:schemeClr val="tx1"/>
+                </a:solidFill>
+                <a:hlinkClick r:id="rId2"/>
+              </a:rPr>
+              <a:t>@dmakogon</a:t>
+            </a:r>
+            <a:endParaRPr lang="en-US" altLang="ja-JP" sz="4800" dirty="0">
+              <a:solidFill>
+                <a:schemeClr val="tx1"/>
+              </a:solidFill>
+            </a:endParaRPr>
+          </a:p>
+          <a:p>
+            <a:endParaRPr lang="en-US" altLang="ja-JP" sz="2400" dirty="0">
+              <a:solidFill>
+                <a:schemeClr val="tx1"/>
+              </a:solidFill>
+            </a:endParaRPr>
+          </a:p>
+          <a:p>
+            <a:r>
+              <a:rPr lang="en-US" altLang="ja-JP" sz="4800" dirty="0">
+                <a:solidFill>
+                  <a:schemeClr val="tx1"/>
+                </a:solidFill>
+              </a:rPr>
+              <a:t>Code demos:</a:t>
+            </a:r>
+          </a:p>
+          <a:p>
+            <a:r>
+              <a:rPr lang="en-US" altLang="ja-JP" sz="4800" dirty="0">
+                <a:solidFill>
+                  <a:schemeClr val="tx1"/>
+                </a:solidFill>
+                <a:hlinkClick r:id="rId3"/>
+              </a:rPr>
+              <a:t>github.com/dmakogon/cosmosdb-performance</a:t>
+            </a:r>
+            <a:endParaRPr lang="en-US" altLang="ja-JP" sz="4800" dirty="0">
+              <a:solidFill>
+                <a:schemeClr val="tx1"/>
+              </a:solidFill>
+            </a:endParaRPr>
+          </a:p>
+          <a:p>
+            <a:endParaRPr lang="en-US" altLang="ja-JP" sz="2400" b="1" dirty="0">
+              <a:solidFill>
+                <a:schemeClr val="tx1"/>
+              </a:solidFill>
+            </a:endParaRPr>
+          </a:p>
+          <a:p>
+            <a:r>
+              <a:rPr lang="en-US" altLang="ja-JP" sz="4800" dirty="0">
+                <a:solidFill>
+                  <a:schemeClr val="tx1"/>
+                </a:solidFill>
+              </a:rPr>
+              <a:t>Slides:</a:t>
+            </a:r>
+          </a:p>
+          <a:p>
+            <a:r>
+              <a:rPr lang="en-US" altLang="ja-JP" sz="4800" dirty="0" err="1">
+                <a:solidFill>
+                  <a:schemeClr val="tx1"/>
+                </a:solidFill>
+                <a:hlinkClick r:id="rId4"/>
+              </a:rPr>
+              <a:t>github.com</a:t>
+            </a:r>
+            <a:r>
+              <a:rPr lang="en-US" altLang="ja-JP" sz="4800" dirty="0">
+                <a:solidFill>
+                  <a:schemeClr val="tx1"/>
+                </a:solidFill>
+                <a:hlinkClick r:id="rId4"/>
+              </a:rPr>
+              <a:t>/</a:t>
+            </a:r>
+            <a:r>
+              <a:rPr lang="en-US" altLang="ja-JP" sz="4800" dirty="0" err="1">
+                <a:solidFill>
+                  <a:schemeClr val="tx1"/>
+                </a:solidFill>
+                <a:hlinkClick r:id="rId4"/>
+              </a:rPr>
+              <a:t>dmakogon</a:t>
+            </a:r>
+            <a:r>
+              <a:rPr lang="en-US" altLang="ja-JP" sz="4800" dirty="0">
+                <a:solidFill>
+                  <a:schemeClr val="tx1"/>
+                </a:solidFill>
+                <a:hlinkClick r:id="rId4"/>
+              </a:rPr>
+              <a:t>/decode2018</a:t>
+            </a:r>
+            <a:endParaRPr lang="en-US" altLang="ja-JP" sz="4800" dirty="0">
+              <a:solidFill>
+                <a:schemeClr val="tx1"/>
+              </a:solidFill>
+            </a:endParaRPr>
+          </a:p>
+        </p:txBody>
+      </p:sp>
+    </p:spTree>
+    <p:extLst>
+      <p:ext uri="{BB962C8B-B14F-4D97-AF65-F5344CB8AC3E}">
+        <p14:creationId xmlns:p14="http://schemas.microsoft.com/office/powerpoint/2010/main" val="54204717"/>
+      </p:ext>
+    </p:extLst>
+  </p:cSld>
+  <p:clrMapOvr>
+    <a:masterClrMapping/>
+  </p:clrMapOvr>
+  <p:transition>
+    <p:fade/>
+  </p:transition>
+</p:sld>
+</file>
+
+<file path=ppt/slides/slide28.xml><?xml version="1.0" encoding="utf-8"?>
+<p:sld xmlns:a="http://schemas.openxmlformats.org/drawingml/2006/main" xmlns:r="http://schemas.openxmlformats.org/officeDocument/2006/relationships" xmlns:p="http://schemas.openxmlformats.org/presentationml/2006/main">
+  <p:cSld>
+    <p:spTree>
+      <p:nvGrpSpPr>
+        <p:cNvPr id="1" name=""/>
+        <p:cNvGrpSpPr/>
+        <p:nvPr/>
+      </p:nvGrpSpPr>
+      <p:grpSpPr>
+        <a:xfrm>
+          <a:off x="0" y="0"/>
+          <a:ext cx="0" cy="0"/>
+          <a:chOff x="0" y="0"/>
+          <a:chExt cx="0" cy="0"/>
+        </a:xfrm>
+      </p:grpSpPr>
+    </p:spTree>
+    <p:extLst>
+      <p:ext uri="{BB962C8B-B14F-4D97-AF65-F5344CB8AC3E}">
+        <p14:creationId xmlns:p14="http://schemas.microsoft.com/office/powerpoint/2010/main" val="212067488"/>
       </p:ext>
     </p:extLst>
   </p:cSld>
@@ -17353,15 +17802,6 @@
 </file>
 
 <file path=customXml/item2.xml><?xml version="1.0" encoding="utf-8"?>
-<?mso-contentType ?>
-<FormTemplates xmlns="http://schemas.microsoft.com/sharepoint/v3/contenttype/forms">
-  <Display>DocumentLibraryForm</Display>
-  <Edit>DocumentLibraryForm</Edit>
-  <New>DocumentLibraryForm</New>
-</FormTemplates>
-</file>
-
-<file path=customXml/item3.xml><?xml version="1.0" encoding="utf-8"?>
 <ct:contentTypeSchema xmlns:ct="http://schemas.microsoft.com/office/2006/metadata/contentType" xmlns:ma="http://schemas.microsoft.com/office/2006/metadata/properties/metaAttributes" ct:_="" ma:_="" ma:contentTypeName="ドキュメント" ma:contentTypeID="0x0101003C54617C35A1074F8600DC48F6875AFF" ma:contentTypeVersion="8" ma:contentTypeDescription="新しいドキュメントを作成します。" ma:contentTypeScope="" ma:versionID="fac79be7cc4ba1b4b1457c68c52fb90c">
   <xsd:schema xmlns:xsd="http://www.w3.org/2001/XMLSchema" xmlns:xs="http://www.w3.org/2001/XMLSchema" xmlns:p="http://schemas.microsoft.com/office/2006/metadata/properties" xmlns:ns2="23ce663d-78ec-4732-ad2d-a7087832c5eb" xmlns:ns3="bc0f06ff-896c-4002-857c-088f702138e7" targetNamespace="http://schemas.microsoft.com/office/2006/metadata/properties" ma:root="true" ma:fieldsID="5c45048e6fa918e947788cf254f1e311" ns2:_="" ns3:_="">
     <xsd:import namespace="23ce663d-78ec-4732-ad2d-a7087832c5eb"/>
@@ -17550,6 +17990,15 @@
 </ct:contentTypeSchema>
 </file>
 
+<file path=customXml/item3.xml><?xml version="1.0" encoding="utf-8"?>
+<?mso-contentType ?>
+<FormTemplates xmlns="http://schemas.microsoft.com/sharepoint/v3/contenttype/forms">
+  <Display>DocumentLibraryForm</Display>
+  <Edit>DocumentLibraryForm</Edit>
+  <New>DocumentLibraryForm</New>
+</FormTemplates>
+</file>
+
 <file path=customXml/itemProps1.xml><?xml version="1.0" encoding="utf-8"?>
 <ds:datastoreItem xmlns:ds="http://schemas.openxmlformats.org/officeDocument/2006/customXml" ds:itemID="{F990F116-B58F-4255-B05B-DA3808E0E5C6}">
   <ds:schemaRefs>
@@ -17560,14 +18009,6 @@
 </file>
 
 <file path=customXml/itemProps2.xml><?xml version="1.0" encoding="utf-8"?>
-<ds:datastoreItem xmlns:ds="http://schemas.openxmlformats.org/officeDocument/2006/customXml" ds:itemID="{758FDAC0-319D-4A54-8D8E-1D42CB1F8004}">
-  <ds:schemaRefs>
-    <ds:schemaRef ds:uri="http://schemas.microsoft.com/sharepoint/v3/contenttype/forms"/>
-  </ds:schemaRefs>
-</ds:datastoreItem>
-</file>
-
-<file path=customXml/itemProps3.xml><?xml version="1.0" encoding="utf-8"?>
 <ds:datastoreItem xmlns:ds="http://schemas.openxmlformats.org/officeDocument/2006/customXml" ds:itemID="{A291E3A2-B76B-4EA1-8D40-967B196122C3}">
   <ds:schemaRefs>
     <ds:schemaRef ds:uri="http://schemas.microsoft.com/office/2006/metadata/contentType"/>
@@ -17584,4 +18025,12 @@
     <ds:schemaRef ds:uri="http://schemas.microsoft.com/internal/obd"/>
   </ds:schemaRefs>
 </ds:datastoreItem>
+</file>
+
+<file path=customXml/itemProps3.xml><?xml version="1.0" encoding="utf-8"?>
+<ds:datastoreItem xmlns:ds="http://schemas.openxmlformats.org/officeDocument/2006/customXml" ds:itemID="{758FDAC0-319D-4A54-8D8E-1D42CB1F8004}">
+  <ds:schemaRefs>
+    <ds:schemaRef ds:uri="http://schemas.microsoft.com/sharepoint/v3/contenttype/forms"/>
+  </ds:schemaRefs>
+</ds:datastoreItem>
 </file>